--- a/DsDotNet/src/UnitTest/UnitTest.Model/ImportOfficeExample/Sample/Sub/Sub/Side.pptx
+++ b/DsDotNet/src/UnitTest/UnitTest.Model/ImportOfficeExample/Sample/Sub/Sub/Side.pptx
@@ -3461,10 +3461,10 @@
       </p:sp>
       <p:grpSp>
         <p:nvGrpSpPr>
-          <p:cNvPr id="20" name="그룹 19">
+          <p:cNvPr id="37" name="그룹 36">
             <a:extLst>
               <a:ext uri="{FF2B5EF4-FFF2-40B4-BE49-F238E27FC236}">
-                <a16:creationId xmlns:a16="http://schemas.microsoft.com/office/drawing/2014/main" id="{895486E2-93EC-CB11-BF2F-C43983275FC2}"/>
+                <a16:creationId xmlns:a16="http://schemas.microsoft.com/office/drawing/2014/main" id="{2D69C1DA-4217-3044-BEAD-FB1EA79A0DBE}"/>
               </a:ext>
             </a:extLst>
           </p:cNvPr>
@@ -4047,13 +4047,13 @@
           </p:cNvPr>
           <p:cNvCxnSpPr>
             <a:cxnSpLocks/>
-            <a:stCxn id="14" idx="3"/>
-            <a:endCxn id="25" idx="3"/>
+            <a:stCxn id="25" idx="3"/>
+            <a:endCxn id="14" idx="3"/>
           </p:cNvCxnSpPr>
           <p:nvPr/>
         </p:nvCxnSpPr>
         <p:spPr>
-          <a:xfrm>
+          <a:xfrm flipV="1">
             <a:off x="10065975" y="4361328"/>
             <a:ext cx="12700" cy="1512954"/>
           </a:xfrm>
@@ -4065,51 +4065,6 @@
           <a:ln w="25400">
             <a:prstDash val="dash"/>
             <a:headEnd w="lg" len="lg"/>
-            <a:tailEnd type="triangle" w="lg" len="lg"/>
-          </a:ln>
-        </p:spPr>
-        <p:style>
-          <a:lnRef idx="1">
-            <a:schemeClr val="accent1"/>
-          </a:lnRef>
-          <a:fillRef idx="0">
-            <a:schemeClr val="accent1"/>
-          </a:fillRef>
-          <a:effectRef idx="0">
-            <a:schemeClr val="accent1"/>
-          </a:effectRef>
-          <a:fontRef idx="minor">
-            <a:schemeClr val="tx1"/>
-          </a:fontRef>
-        </p:style>
-      </p:cxnSp>
-      <p:cxnSp>
-        <p:nvCxnSpPr>
-          <p:cNvPr id="43" name="직선 화살표 연결선 42">
-            <a:extLst>
-              <a:ext uri="{FF2B5EF4-FFF2-40B4-BE49-F238E27FC236}">
-                <a16:creationId xmlns:a16="http://schemas.microsoft.com/office/drawing/2014/main" id="{CE471264-FC50-93A0-260C-577AEBCC70A6}"/>
-              </a:ext>
-            </a:extLst>
-          </p:cNvPr>
-          <p:cNvCxnSpPr>
-            <a:cxnSpLocks/>
-            <a:stCxn id="14" idx="2"/>
-            <a:endCxn id="25" idx="0"/>
-          </p:cNvCxnSpPr>
-          <p:nvPr/>
-        </p:nvCxnSpPr>
-        <p:spPr>
-          <a:xfrm>
-            <a:off x="9377168" y="5215570"/>
-            <a:ext cx="0" cy="498509"/>
-          </a:xfrm>
-          <a:prstGeom prst="straightConnector1">
-            <a:avLst/>
-          </a:prstGeom>
-          <a:ln w="25400">
-            <a:prstDash val="solid"/>
-            <a:headEnd type="diamond" w="lg" len="lg"/>
             <a:tailEnd type="triangle" w="lg" len="lg"/>
           </a:ln>
         </p:spPr>
@@ -4390,7 +4345,322 @@
           </a:prstGeom>
           <a:ln w="25400">
             <a:prstDash val="solid"/>
+            <a:headEnd type="diamond" w="lg" len="lg"/>
+            <a:tailEnd type="triangle" w="lg" len="lg"/>
+          </a:ln>
+        </p:spPr>
+        <p:style>
+          <a:lnRef idx="1">
+            <a:schemeClr val="accent1"/>
+          </a:lnRef>
+          <a:fillRef idx="0">
+            <a:schemeClr val="accent1"/>
+          </a:fillRef>
+          <a:effectRef idx="0">
+            <a:schemeClr val="accent1"/>
+          </a:effectRef>
+          <a:fontRef idx="minor">
+            <a:schemeClr val="tx1"/>
+          </a:fontRef>
+        </p:style>
+      </p:cxnSp>
+      <p:sp>
+        <p:nvSpPr>
+          <p:cNvPr id="20" name="화살표: 오각형 19">
+            <a:extLst>
+              <a:ext uri="{FF2B5EF4-FFF2-40B4-BE49-F238E27FC236}">
+                <a16:creationId xmlns:a16="http://schemas.microsoft.com/office/drawing/2014/main" id="{CE77EAB5-B893-587A-A6D0-5ACFF2BF70F5}"/>
+              </a:ext>
+            </a:extLst>
+          </p:cNvPr>
+          <p:cNvSpPr/>
+          <p:nvPr/>
+        </p:nvSpPr>
+        <p:spPr>
+          <a:xfrm flipH="1">
+            <a:off x="8729" y="4191733"/>
+            <a:ext cx="2036280" cy="592588"/>
+          </a:xfrm>
+          <a:prstGeom prst="homePlate">
+            <a:avLst/>
+          </a:prstGeom>
+          <a:solidFill>
+            <a:schemeClr val="accent4">
+              <a:alpha val="50000"/>
+            </a:schemeClr>
+          </a:solidFill>
+          <a:ln>
+            <a:noFill/>
+          </a:ln>
+        </p:spPr>
+        <p:style>
+          <a:lnRef idx="0">
+            <a:scrgbClr r="0" g="0" b="0"/>
+          </a:lnRef>
+          <a:fillRef idx="0">
+            <a:scrgbClr r="0" g="0" b="0"/>
+          </a:fillRef>
+          <a:effectRef idx="0">
+            <a:scrgbClr r="0" g="0" b="0"/>
+          </a:effectRef>
+          <a:fontRef idx="minor">
+            <a:schemeClr val="lt1"/>
+          </a:fontRef>
+        </p:style>
+        <p:txBody>
+          <a:bodyPr rtlCol="0" anchor="ctr"/>
+          <a:lstStyle/>
+          <a:p>
+            <a:pPr algn="ctr"/>
+            <a:r>
+              <a:rPr lang="en-US" altLang="ko-KR" sz="1200" dirty="0">
+                <a:solidFill>
+                  <a:prstClr val="white"/>
+                </a:solidFill>
+                <a:latin typeface="맑은 고딕"/>
+              </a:rPr>
+              <a:t>CLEAR</a:t>
+            </a:r>
+            <a:endParaRPr kumimoji="0" lang="ko-KR" altLang="en-US" sz="1200" b="0" i="0" u="none" strike="noStrike" kern="1200" cap="none" spc="0" normalizeH="0" baseline="0" noProof="0" dirty="0">
+              <a:ln>
+                <a:noFill/>
+              </a:ln>
+              <a:solidFill>
+                <a:prstClr val="white"/>
+              </a:solidFill>
+              <a:effectLst/>
+              <a:uLnTx/>
+              <a:uFillTx/>
+              <a:latin typeface="맑은 고딕"/>
+              <a:ea typeface="+mn-ea"/>
+              <a:cs typeface="+mn-cs"/>
+            </a:endParaRPr>
+          </a:p>
+          <a:p>
+            <a:pPr algn="ctr"/>
+            <a:r>
+              <a:rPr lang="en-US" altLang="ko-KR" sz="1200" dirty="0"/>
+              <a:t>[</a:t>
+            </a:r>
+            <a:r>
+              <a:rPr lang="en-US" altLang="ko-KR" sz="1200" dirty="0">
+                <a:solidFill>
+                  <a:prstClr val="white"/>
+                </a:solidFill>
+                <a:latin typeface="맑은 고딕"/>
+              </a:rPr>
+              <a:t>UnloadClear</a:t>
+            </a:r>
+            <a:endParaRPr kumimoji="0" lang="ko-KR" altLang="en-US" sz="1200" b="0" i="0" u="none" strike="noStrike" kern="1200" cap="none" spc="0" normalizeH="0" baseline="0" noProof="0" dirty="0">
+              <a:ln>
+                <a:noFill/>
+              </a:ln>
+              <a:solidFill>
+                <a:prstClr val="white"/>
+              </a:solidFill>
+              <a:effectLst/>
+              <a:uLnTx/>
+              <a:uFillTx/>
+              <a:latin typeface="맑은 고딕"/>
+              <a:ea typeface="+mn-ea"/>
+              <a:cs typeface="+mn-cs"/>
+            </a:endParaRPr>
+          </a:p>
+          <a:p>
+            <a:pPr algn="ctr"/>
+            <a:r>
+              <a:rPr lang="en-US" altLang="ko-KR" sz="1200" dirty="0"/>
+              <a:t>~ </a:t>
+            </a:r>
+            <a:r>
+              <a:rPr lang="en-US" altLang="ko-KR" sz="1200" dirty="0">
+                <a:solidFill>
+                  <a:prstClr val="white"/>
+                </a:solidFill>
+                <a:latin typeface="맑은 고딕"/>
+              </a:rPr>
+              <a:t>UnloadClear</a:t>
+            </a:r>
+            <a:r>
+              <a:rPr lang="en-US" altLang="ko-KR" sz="1200" dirty="0"/>
+              <a:t>]</a:t>
+            </a:r>
+            <a:endParaRPr lang="ko-KR" altLang="en-US" sz="1200" dirty="0"/>
+          </a:p>
+        </p:txBody>
+      </p:sp>
+      <p:sp>
+        <p:nvSpPr>
+          <p:cNvPr id="23" name="직사각형 22">
+            <a:extLst>
+              <a:ext uri="{FF2B5EF4-FFF2-40B4-BE49-F238E27FC236}">
+                <a16:creationId xmlns:a16="http://schemas.microsoft.com/office/drawing/2014/main" id="{05CD0450-2751-BB31-0F26-0D715E6C732B}"/>
+              </a:ext>
+            </a:extLst>
+          </p:cNvPr>
+          <p:cNvSpPr/>
+          <p:nvPr/>
+        </p:nvSpPr>
+        <p:spPr>
+          <a:xfrm>
+            <a:off x="7007907" y="6314507"/>
+            <a:ext cx="1377615" cy="320406"/>
+          </a:xfrm>
+          <a:prstGeom prst="rect">
+            <a:avLst/>
+          </a:prstGeom>
+          <a:noFill/>
+          <a:ln w="28575" cap="flat" cmpd="sng" algn="ctr">
+            <a:solidFill>
+              <a:schemeClr val="accent4"/>
+            </a:solidFill>
+            <a:prstDash val="solid"/>
+            <a:round/>
+            <a:headEnd type="none" w="med" len="med"/>
+            <a:tailEnd type="none" w="med" len="med"/>
+          </a:ln>
+        </p:spPr>
+        <p:style>
+          <a:lnRef idx="0">
+            <a:scrgbClr r="0" g="0" b="0"/>
+          </a:lnRef>
+          <a:fillRef idx="0">
+            <a:scrgbClr r="0" g="0" b="0"/>
+          </a:fillRef>
+          <a:effectRef idx="0">
+            <a:scrgbClr r="0" g="0" b="0"/>
+          </a:effectRef>
+          <a:fontRef idx="minor">
+            <a:schemeClr val="accent4"/>
+          </a:fontRef>
+        </p:style>
+        <p:txBody>
+          <a:bodyPr rtlCol="0" anchor="b"/>
+          <a:lstStyle/>
+          <a:p>
+            <a:pPr marL="0" marR="0" lvl="0" indent="0" algn="r" defTabSz="914400" rtl="0" eaLnBrk="1" fontAlgn="auto" latinLnBrk="0" hangingPunct="1">
+              <a:lnSpc>
+                <a:spcPct val="100000"/>
+              </a:lnSpc>
+              <a:spcBef>
+                <a:spcPts val="0"/>
+              </a:spcBef>
+              <a:spcAft>
+                <a:spcPts val="0"/>
+              </a:spcAft>
+              <a:buClrTx/>
+              <a:buSzTx/>
+              <a:buFontTx/>
+              <a:buNone/>
+              <a:tabLst/>
+              <a:defRPr/>
+            </a:pPr>
+            <a:r>
+              <a:rPr kumimoji="0" lang="en-US" altLang="ko-KR" sz="1000" b="0" i="0" u="none" strike="noStrike" kern="1200" cap="none" spc="0" normalizeH="0" baseline="0" noProof="0" dirty="0">
+                <a:ln>
+                  <a:noFill/>
+                </a:ln>
+                <a:solidFill>
+                  <a:prstClr val="white"/>
+                </a:solidFill>
+                <a:effectLst/>
+                <a:uLnTx/>
+                <a:uFillTx/>
+                <a:latin typeface="맑은 고딕"/>
+                <a:ea typeface="+mn-ea"/>
+                <a:cs typeface="+mn-cs"/>
+              </a:rPr>
+              <a:t>clear</a:t>
+            </a:r>
+            <a:endParaRPr kumimoji="0" lang="ko-KR" altLang="en-US" sz="1000" b="0" i="0" u="none" strike="noStrike" kern="1200" cap="none" spc="0" normalizeH="0" baseline="0" noProof="0" dirty="0">
+              <a:ln>
+                <a:noFill/>
+              </a:ln>
+              <a:solidFill>
+                <a:prstClr val="white"/>
+              </a:solidFill>
+              <a:effectLst/>
+              <a:uLnTx/>
+              <a:uFillTx/>
+              <a:latin typeface="맑은 고딕"/>
+              <a:ea typeface="+mn-ea"/>
+              <a:cs typeface="+mn-cs"/>
+            </a:endParaRPr>
+          </a:p>
+        </p:txBody>
+      </p:sp>
+      <p:cxnSp>
+        <p:nvCxnSpPr>
+          <p:cNvPr id="26" name="연결선: 꺾임 25">
+            <a:extLst>
+              <a:ext uri="{FF2B5EF4-FFF2-40B4-BE49-F238E27FC236}">
+                <a16:creationId xmlns:a16="http://schemas.microsoft.com/office/drawing/2014/main" id="{C18B2FC9-453C-A32F-98AB-AABCFD9ABFE0}"/>
+              </a:ext>
+            </a:extLst>
+          </p:cNvPr>
+          <p:cNvCxnSpPr>
+            <a:cxnSpLocks/>
+            <a:stCxn id="25" idx="1"/>
+            <a:endCxn id="23" idx="0"/>
+          </p:cNvCxnSpPr>
+          <p:nvPr/>
+        </p:nvCxnSpPr>
+        <p:spPr>
+          <a:xfrm rot="10800000" flipV="1">
+            <a:off x="7696716" y="5874281"/>
+            <a:ext cx="991645" cy="440225"/>
+          </a:xfrm>
+          <a:prstGeom prst="bentConnector2">
+            <a:avLst/>
+          </a:prstGeom>
+          <a:ln w="25400">
+            <a:prstDash val="dash"/>
             <a:headEnd w="lg" len="lg"/>
+            <a:tailEnd type="triangle" w="lg" len="lg"/>
+          </a:ln>
+        </p:spPr>
+        <p:style>
+          <a:lnRef idx="1">
+            <a:schemeClr val="accent1"/>
+          </a:lnRef>
+          <a:fillRef idx="0">
+            <a:schemeClr val="accent1"/>
+          </a:fillRef>
+          <a:effectRef idx="0">
+            <a:schemeClr val="accent1"/>
+          </a:effectRef>
+          <a:fontRef idx="minor">
+            <a:schemeClr val="tx1"/>
+          </a:fontRef>
+        </p:style>
+      </p:cxnSp>
+      <p:cxnSp>
+        <p:nvCxnSpPr>
+          <p:cNvPr id="32" name="연결선: 꺾임 31">
+            <a:extLst>
+              <a:ext uri="{FF2B5EF4-FFF2-40B4-BE49-F238E27FC236}">
+                <a16:creationId xmlns:a16="http://schemas.microsoft.com/office/drawing/2014/main" id="{0CF7A1AD-0C7B-8BB8-C283-1FF415D6A3DD}"/>
+              </a:ext>
+            </a:extLst>
+          </p:cNvPr>
+          <p:cNvCxnSpPr>
+            <a:cxnSpLocks/>
+            <a:stCxn id="25" idx="2"/>
+            <a:endCxn id="23" idx="3"/>
+          </p:cNvCxnSpPr>
+          <p:nvPr/>
+        </p:nvCxnSpPr>
+        <p:spPr>
+          <a:xfrm rot="5400000">
+            <a:off x="8661233" y="5758774"/>
+            <a:ext cx="440225" cy="991646"/>
+          </a:xfrm>
+          <a:prstGeom prst="bentConnector2">
+            <a:avLst/>
+          </a:prstGeom>
+          <a:ln w="25400">
+            <a:prstDash val="solid"/>
+            <a:headEnd type="diamond" w="lg" len="lg"/>
             <a:tailEnd type="triangle" w="lg" len="lg"/>
           </a:ln>
         </p:spPr>
@@ -4470,10 +4740,10 @@
       </p:sp>
       <p:grpSp>
         <p:nvGrpSpPr>
-          <p:cNvPr id="6" name="그룹 5">
+          <p:cNvPr id="4" name="그룹 3">
             <a:extLst>
               <a:ext uri="{FF2B5EF4-FFF2-40B4-BE49-F238E27FC236}">
-                <a16:creationId xmlns:a16="http://schemas.microsoft.com/office/drawing/2014/main" id="{CA3BC3BA-30B7-79EB-0EA2-DA27B3D6A725}"/>
+                <a16:creationId xmlns:a16="http://schemas.microsoft.com/office/drawing/2014/main" id="{644EB9E8-2C6F-A6D6-FD1C-25DF44F3F6C3}"/>
               </a:ext>
             </a:extLst>
           </p:cNvPr>
@@ -7023,10 +7293,10 @@
       </p:sp>
       <p:grpSp>
         <p:nvGrpSpPr>
-          <p:cNvPr id="6" name="그룹 5">
+          <p:cNvPr id="4" name="그룹 3">
             <a:extLst>
               <a:ext uri="{FF2B5EF4-FFF2-40B4-BE49-F238E27FC236}">
-                <a16:creationId xmlns:a16="http://schemas.microsoft.com/office/drawing/2014/main" id="{5C752833-9E61-561A-B30B-5E3758325836}"/>
+                <a16:creationId xmlns:a16="http://schemas.microsoft.com/office/drawing/2014/main" id="{12551722-73CC-5845-F0D4-6E01B935B9B7}"/>
               </a:ext>
             </a:extLst>
           </p:cNvPr>
@@ -9576,10 +9846,10 @@
       </p:sp>
       <p:grpSp>
         <p:nvGrpSpPr>
-          <p:cNvPr id="6" name="그룹 5">
+          <p:cNvPr id="4" name="그룹 3">
             <a:extLst>
               <a:ext uri="{FF2B5EF4-FFF2-40B4-BE49-F238E27FC236}">
-                <a16:creationId xmlns:a16="http://schemas.microsoft.com/office/drawing/2014/main" id="{95710871-16F8-77E2-A09B-7E97B86BF08F}"/>
+                <a16:creationId xmlns:a16="http://schemas.microsoft.com/office/drawing/2014/main" id="{128817EB-F226-3E16-357C-3E6DB08D21B6}"/>
               </a:ext>
             </a:extLst>
           </p:cNvPr>
@@ -12129,10 +12399,10 @@
       </p:sp>
       <p:grpSp>
         <p:nvGrpSpPr>
-          <p:cNvPr id="6" name="그룹 5">
+          <p:cNvPr id="4" name="그룹 3">
             <a:extLst>
               <a:ext uri="{FF2B5EF4-FFF2-40B4-BE49-F238E27FC236}">
-                <a16:creationId xmlns:a16="http://schemas.microsoft.com/office/drawing/2014/main" id="{962E157A-E87C-8BA7-31A3-FD48CCA2A4E2}"/>
+                <a16:creationId xmlns:a16="http://schemas.microsoft.com/office/drawing/2014/main" id="{41214572-86D9-369B-B6F9-9ACB7843759E}"/>
               </a:ext>
             </a:extLst>
           </p:cNvPr>

--- a/DsDotNet/src/UnitTest/UnitTest.Model/ImportOfficeExample/Sample/Sub/Sub/Side.pptx
+++ b/DsDotNet/src/UnitTest/UnitTest.Model/ImportOfficeExample/Sample/Sub/Sub/Side.pptx
@@ -220,7 +220,7 @@
           <a:p>
             <a:fld id="{DD503887-5801-43A0-AEF9-041E8DDC2558}" type="datetimeFigureOut">
               <a:rPr lang="ko-KR" altLang="en-US" smtClean="0"/>
-              <a:t>2024-05-30</a:t>
+              <a:t>2024-07-08</a:t>
             </a:fld>
             <a:endParaRPr lang="ko-KR" altLang="en-US" dirty="0"/>
           </a:p>
@@ -397,7 +397,7 @@
           <a:p>
             <a:fld id="{95336A0E-57B1-4D4C-BD9B-2F72B5943464}" type="datetimeFigureOut">
               <a:rPr lang="ko-KR" altLang="en-US" smtClean="0"/>
-              <a:t>2024-05-30</a:t>
+              <a:t>2024-07-08</a:t>
             </a:fld>
             <a:endParaRPr lang="ko-KR" altLang="en-US" dirty="0"/>
           </a:p>
@@ -3461,10 +3461,10 @@
       </p:sp>
       <p:grpSp>
         <p:nvGrpSpPr>
-          <p:cNvPr id="37" name="그룹 36">
+          <p:cNvPr id="12" name="그룹 11">
             <a:extLst>
               <a:ext uri="{FF2B5EF4-FFF2-40B4-BE49-F238E27FC236}">
-                <a16:creationId xmlns:a16="http://schemas.microsoft.com/office/drawing/2014/main" id="{2D69C1DA-4217-3044-BEAD-FB1EA79A0DBE}"/>
+                <a16:creationId xmlns:a16="http://schemas.microsoft.com/office/drawing/2014/main" id="{94E729E2-5494-1EEF-17BD-CA084F9A2443}"/>
               </a:ext>
             </a:extLst>
           </p:cNvPr>
@@ -4679,6 +4679,136 @@
           </a:fontRef>
         </p:style>
       </p:cxnSp>
+      <p:sp>
+        <p:nvSpPr>
+          <p:cNvPr id="6" name="사각형: 모서리가 접힌 도형 5">
+            <a:extLst>
+              <a:ext uri="{FF2B5EF4-FFF2-40B4-BE49-F238E27FC236}">
+                <a16:creationId xmlns:a16="http://schemas.microsoft.com/office/drawing/2014/main" id="{289BD39F-1B25-DC9B-9F1F-0F618977C435}"/>
+              </a:ext>
+            </a:extLst>
+          </p:cNvPr>
+          <p:cNvSpPr/>
+          <p:nvPr/>
+        </p:nvSpPr>
+        <p:spPr>
+          <a:xfrm>
+            <a:off x="358536" y="5395617"/>
+            <a:ext cx="1685035" cy="591039"/>
+          </a:xfrm>
+          <a:prstGeom prst="foldedCorner">
+            <a:avLst>
+              <a:gd name="adj" fmla="val 27487"/>
+            </a:avLst>
+          </a:prstGeom>
+          <a:solidFill>
+            <a:schemeClr val="accent3">
+              <a:alpha val="50000"/>
+            </a:schemeClr>
+          </a:solidFill>
+          <a:ln>
+            <a:noFill/>
+          </a:ln>
+        </p:spPr>
+        <p:style>
+          <a:lnRef idx="0">
+            <a:scrgbClr r="0" g="0" b="0"/>
+          </a:lnRef>
+          <a:fillRef idx="0">
+            <a:scrgbClr r="0" g="0" b="0"/>
+          </a:fillRef>
+          <a:effectRef idx="0">
+            <a:scrgbClr r="0" g="0" b="0"/>
+          </a:effectRef>
+          <a:fontRef idx="minor">
+            <a:schemeClr val="lt1"/>
+          </a:fontRef>
+        </p:style>
+        <p:txBody>
+          <a:bodyPr rtlCol="0" anchor="ctr"/>
+          <a:lstStyle/>
+          <a:p>
+            <a:pPr algn="ctr"/>
+            <a:r>
+              <a:rPr lang="en-US" altLang="ko-KR" sz="900" dirty="0"/>
+              <a:t>./Sub/LH</a:t>
+            </a:r>
+          </a:p>
+          <a:p>
+            <a:pPr algn="ctr"/>
+            <a:r>
+              <a:rPr lang="en-US" altLang="ko-KR" sz="900" dirty="0"/>
+              <a:t>[LH]</a:t>
+            </a:r>
+            <a:endParaRPr lang="ko-KR" altLang="en-US" sz="900" dirty="0"/>
+          </a:p>
+        </p:txBody>
+      </p:sp>
+      <p:sp>
+        <p:nvSpPr>
+          <p:cNvPr id="10" name="사각형: 모서리가 접힌 도형 9">
+            <a:extLst>
+              <a:ext uri="{FF2B5EF4-FFF2-40B4-BE49-F238E27FC236}">
+                <a16:creationId xmlns:a16="http://schemas.microsoft.com/office/drawing/2014/main" id="{3016DACB-9738-0B1A-D47B-FBB44C254922}"/>
+              </a:ext>
+            </a:extLst>
+          </p:cNvPr>
+          <p:cNvSpPr/>
+          <p:nvPr/>
+        </p:nvSpPr>
+        <p:spPr>
+          <a:xfrm>
+            <a:off x="2149606" y="5395617"/>
+            <a:ext cx="1685035" cy="591039"/>
+          </a:xfrm>
+          <a:prstGeom prst="foldedCorner">
+            <a:avLst>
+              <a:gd name="adj" fmla="val 27487"/>
+            </a:avLst>
+          </a:prstGeom>
+          <a:solidFill>
+            <a:schemeClr val="accent3">
+              <a:alpha val="50000"/>
+            </a:schemeClr>
+          </a:solidFill>
+          <a:ln>
+            <a:noFill/>
+          </a:ln>
+        </p:spPr>
+        <p:style>
+          <a:lnRef idx="0">
+            <a:scrgbClr r="0" g="0" b="0"/>
+          </a:lnRef>
+          <a:fillRef idx="0">
+            <a:scrgbClr r="0" g="0" b="0"/>
+          </a:fillRef>
+          <a:effectRef idx="0">
+            <a:scrgbClr r="0" g="0" b="0"/>
+          </a:effectRef>
+          <a:fontRef idx="minor">
+            <a:schemeClr val="lt1"/>
+          </a:fontRef>
+        </p:style>
+        <p:txBody>
+          <a:bodyPr rtlCol="0" anchor="ctr"/>
+          <a:lstStyle/>
+          <a:p>
+            <a:pPr algn="ctr"/>
+            <a:r>
+              <a:rPr lang="en-US" altLang="ko-KR" sz="900" dirty="0"/>
+              <a:t>./Sub/RH</a:t>
+            </a:r>
+          </a:p>
+          <a:p>
+            <a:pPr algn="ctr"/>
+            <a:r>
+              <a:rPr lang="en-US" altLang="ko-KR" sz="900" dirty="0"/>
+              <a:t>[RH]</a:t>
+            </a:r>
+            <a:endParaRPr lang="ko-KR" altLang="en-US" sz="900" dirty="0"/>
+          </a:p>
+        </p:txBody>
+      </p:sp>
     </p:spTree>
     <p:extLst>
       <p:ext uri="{BB962C8B-B14F-4D97-AF65-F5344CB8AC3E}">
@@ -4740,10 +4870,10 @@
       </p:sp>
       <p:grpSp>
         <p:nvGrpSpPr>
-          <p:cNvPr id="4" name="그룹 3">
+          <p:cNvPr id="3" name="그룹 2">
             <a:extLst>
               <a:ext uri="{FF2B5EF4-FFF2-40B4-BE49-F238E27FC236}">
-                <a16:creationId xmlns:a16="http://schemas.microsoft.com/office/drawing/2014/main" id="{644EB9E8-2C6F-A6D6-FD1C-25DF44F3F6C3}"/>
+                <a16:creationId xmlns:a16="http://schemas.microsoft.com/office/drawing/2014/main" id="{EB420F2F-521B-E667-2E01-7900EA23AC8C}"/>
               </a:ext>
             </a:extLst>
           </p:cNvPr>
@@ -7293,10 +7423,10 @@
       </p:sp>
       <p:grpSp>
         <p:nvGrpSpPr>
-          <p:cNvPr id="4" name="그룹 3">
+          <p:cNvPr id="3" name="그룹 2">
             <a:extLst>
               <a:ext uri="{FF2B5EF4-FFF2-40B4-BE49-F238E27FC236}">
-                <a16:creationId xmlns:a16="http://schemas.microsoft.com/office/drawing/2014/main" id="{12551722-73CC-5845-F0D4-6E01B935B9B7}"/>
+                <a16:creationId xmlns:a16="http://schemas.microsoft.com/office/drawing/2014/main" id="{1D33B4D8-DC8C-113B-F03D-965D66C2D2C5}"/>
               </a:ext>
             </a:extLst>
           </p:cNvPr>
@@ -9846,10 +9976,10 @@
       </p:sp>
       <p:grpSp>
         <p:nvGrpSpPr>
-          <p:cNvPr id="4" name="그룹 3">
+          <p:cNvPr id="3" name="그룹 2">
             <a:extLst>
               <a:ext uri="{FF2B5EF4-FFF2-40B4-BE49-F238E27FC236}">
-                <a16:creationId xmlns:a16="http://schemas.microsoft.com/office/drawing/2014/main" id="{128817EB-F226-3E16-357C-3E6DB08D21B6}"/>
+                <a16:creationId xmlns:a16="http://schemas.microsoft.com/office/drawing/2014/main" id="{D5697222-8927-7F11-A559-19E4C82686CD}"/>
               </a:ext>
             </a:extLst>
           </p:cNvPr>
@@ -12399,10 +12529,10 @@
       </p:sp>
       <p:grpSp>
         <p:nvGrpSpPr>
-          <p:cNvPr id="4" name="그룹 3">
+          <p:cNvPr id="3" name="그룹 2">
             <a:extLst>
               <a:ext uri="{FF2B5EF4-FFF2-40B4-BE49-F238E27FC236}">
-                <a16:creationId xmlns:a16="http://schemas.microsoft.com/office/drawing/2014/main" id="{41214572-86D9-369B-B6F9-9ACB7843759E}"/>
+                <a16:creationId xmlns:a16="http://schemas.microsoft.com/office/drawing/2014/main" id="{200E1164-720A-B0DF-34EB-A6825F91282B}"/>
               </a:ext>
             </a:extLst>
           </p:cNvPr>

--- a/DsDotNet/src/UnitTest/UnitTest.Model/ImportOfficeExample/Sample/Sub/Sub/Side.pptx
+++ b/DsDotNet/src/UnitTest/UnitTest.Model/ImportOfficeExample/Sample/Sub/Sub/Side.pptx
@@ -220,7 +220,7 @@
           <a:p>
             <a:fld id="{DD503887-5801-43A0-AEF9-041E8DDC2558}" type="datetimeFigureOut">
               <a:rPr lang="ko-KR" altLang="en-US" smtClean="0"/>
-              <a:t>2024-07-08</a:t>
+              <a:t>2024-07-12</a:t>
             </a:fld>
             <a:endParaRPr lang="ko-KR" altLang="en-US" dirty="0"/>
           </a:p>
@@ -397,7 +397,7 @@
           <a:p>
             <a:fld id="{95336A0E-57B1-4D4C-BD9B-2F72B5943464}" type="datetimeFigureOut">
               <a:rPr lang="ko-KR" altLang="en-US" smtClean="0"/>
-              <a:t>2024-07-08</a:t>
+              <a:t>2024-07-12</a:t>
             </a:fld>
             <a:endParaRPr lang="ko-KR" altLang="en-US" dirty="0"/>
           </a:p>
@@ -3461,10 +3461,10 @@
       </p:sp>
       <p:grpSp>
         <p:nvGrpSpPr>
-          <p:cNvPr id="12" name="그룹 11">
+          <p:cNvPr id="7" name="그룹 6">
             <a:extLst>
               <a:ext uri="{FF2B5EF4-FFF2-40B4-BE49-F238E27FC236}">
-                <a16:creationId xmlns:a16="http://schemas.microsoft.com/office/drawing/2014/main" id="{94E729E2-5494-1EEF-17BD-CA084F9A2443}"/>
+                <a16:creationId xmlns:a16="http://schemas.microsoft.com/office/drawing/2014/main" id="{B0486DDB-A725-8017-3A74-BB2AE5053692}"/>
               </a:ext>
             </a:extLst>
           </p:cNvPr>
@@ -4870,10 +4870,10 @@
       </p:sp>
       <p:grpSp>
         <p:nvGrpSpPr>
-          <p:cNvPr id="3" name="그룹 2">
+          <p:cNvPr id="4" name="그룹 3">
             <a:extLst>
               <a:ext uri="{FF2B5EF4-FFF2-40B4-BE49-F238E27FC236}">
-                <a16:creationId xmlns:a16="http://schemas.microsoft.com/office/drawing/2014/main" id="{EB420F2F-521B-E667-2E01-7900EA23AC8C}"/>
+                <a16:creationId xmlns:a16="http://schemas.microsoft.com/office/drawing/2014/main" id="{D580F37D-59D6-CDD9-949A-F7B83998E807}"/>
               </a:ext>
             </a:extLst>
           </p:cNvPr>
@@ -7423,10 +7423,10 @@
       </p:sp>
       <p:grpSp>
         <p:nvGrpSpPr>
-          <p:cNvPr id="3" name="그룹 2">
+          <p:cNvPr id="4" name="그룹 3">
             <a:extLst>
               <a:ext uri="{FF2B5EF4-FFF2-40B4-BE49-F238E27FC236}">
-                <a16:creationId xmlns:a16="http://schemas.microsoft.com/office/drawing/2014/main" id="{1D33B4D8-DC8C-113B-F03D-965D66C2D2C5}"/>
+                <a16:creationId xmlns:a16="http://schemas.microsoft.com/office/drawing/2014/main" id="{4539E0A8-88EC-B60B-43EA-12BE91A98307}"/>
               </a:ext>
             </a:extLst>
           </p:cNvPr>
@@ -9976,10 +9976,10 @@
       </p:sp>
       <p:grpSp>
         <p:nvGrpSpPr>
-          <p:cNvPr id="3" name="그룹 2">
+          <p:cNvPr id="4" name="그룹 3">
             <a:extLst>
               <a:ext uri="{FF2B5EF4-FFF2-40B4-BE49-F238E27FC236}">
-                <a16:creationId xmlns:a16="http://schemas.microsoft.com/office/drawing/2014/main" id="{D5697222-8927-7F11-A559-19E4C82686CD}"/>
+                <a16:creationId xmlns:a16="http://schemas.microsoft.com/office/drawing/2014/main" id="{FE74478C-FA87-3870-23B2-DE9539C7BF6E}"/>
               </a:ext>
             </a:extLst>
           </p:cNvPr>
@@ -12529,10 +12529,10 @@
       </p:sp>
       <p:grpSp>
         <p:nvGrpSpPr>
-          <p:cNvPr id="3" name="그룹 2">
+          <p:cNvPr id="4" name="그룹 3">
             <a:extLst>
               <a:ext uri="{FF2B5EF4-FFF2-40B4-BE49-F238E27FC236}">
-                <a16:creationId xmlns:a16="http://schemas.microsoft.com/office/drawing/2014/main" id="{200E1164-720A-B0DF-34EB-A6825F91282B}"/>
+                <a16:creationId xmlns:a16="http://schemas.microsoft.com/office/drawing/2014/main" id="{09CA765E-6296-2BA0-F474-7BDC98A0300B}"/>
               </a:ext>
             </a:extLst>
           </p:cNvPr>

--- a/DsDotNet/src/UnitTest/UnitTest.Model/ImportOfficeExample/Sample/Sub/Sub/Side.pptx
+++ b/DsDotNet/src/UnitTest/UnitTest.Model/ImportOfficeExample/Sample/Sub/Sub/Side.pptx
@@ -220,7 +220,7 @@
           <a:p>
             <a:fld id="{DD503887-5801-43A0-AEF9-041E8DDC2558}" type="datetimeFigureOut">
               <a:rPr lang="ko-KR" altLang="en-US" smtClean="0"/>
-              <a:t>2024-07-12</a:t>
+              <a:t>2024-07-13</a:t>
             </a:fld>
             <a:endParaRPr lang="ko-KR" altLang="en-US" dirty="0"/>
           </a:p>
@@ -397,7 +397,7 @@
           <a:p>
             <a:fld id="{95336A0E-57B1-4D4C-BD9B-2F72B5943464}" type="datetimeFigureOut">
               <a:rPr lang="ko-KR" altLang="en-US" smtClean="0"/>
-              <a:t>2024-07-12</a:t>
+              <a:t>2024-07-13</a:t>
             </a:fld>
             <a:endParaRPr lang="ko-KR" altLang="en-US" dirty="0"/>
           </a:p>
@@ -2406,7 +2406,7 @@
         </p:blipFill>
         <p:spPr>
           <a:xfrm>
-            <a:off x="8507178" y="406165"/>
+            <a:off x="9390476" y="1424186"/>
             <a:ext cx="282635" cy="202278"/>
           </a:xfrm>
           <a:prstGeom prst="rect">
@@ -2416,10 +2416,10 @@
       </p:pic>
       <p:pic>
         <p:nvPicPr>
-          <p:cNvPr id="4" name="그림 3">
+          <p:cNvPr id="8" name="그림 7">
             <a:extLst>
               <a:ext uri="{FF2B5EF4-FFF2-40B4-BE49-F238E27FC236}">
-                <a16:creationId xmlns:a16="http://schemas.microsoft.com/office/drawing/2014/main" id="{610A25BD-787F-1A5D-CB1E-996B99E4046F}"/>
+                <a16:creationId xmlns:a16="http://schemas.microsoft.com/office/drawing/2014/main" id="{502869F9-975C-4199-2E96-2990FEE08533}"/>
               </a:ext>
             </a:extLst>
           </p:cNvPr>
@@ -2436,8 +2436,74 @@
         </p:blipFill>
         <p:spPr>
           <a:xfrm>
-            <a:off x="473604" y="406165"/>
-            <a:ext cx="6796760" cy="5923386"/>
+            <a:off x="581842" y="2969496"/>
+            <a:ext cx="4108346" cy="3215613"/>
+          </a:xfrm>
+          <a:prstGeom prst="rect">
+            <a:avLst/>
+          </a:prstGeom>
+        </p:spPr>
+      </p:pic>
+      <p:pic>
+        <p:nvPicPr>
+          <p:cNvPr id="14" name="그림 13">
+            <a:extLst>
+              <a:ext uri="{FF2B5EF4-FFF2-40B4-BE49-F238E27FC236}">
+                <a16:creationId xmlns:a16="http://schemas.microsoft.com/office/drawing/2014/main" id="{B8DC1F03-2C39-9438-04BB-4084CF03C1CC}"/>
+              </a:ext>
+            </a:extLst>
+          </p:cNvPr>
+          <p:cNvPicPr>
+            <a:picLocks noChangeAspect="1"/>
+          </p:cNvPicPr>
+          <p:nvPr/>
+        </p:nvPicPr>
+        <p:blipFill>
+          <a:blip r:embed="rId5"/>
+          <a:stretch>
+            <a:fillRect/>
+          </a:stretch>
+        </p:blipFill>
+        <p:spPr>
+          <a:xfrm>
+            <a:off x="3541441" y="1215273"/>
+            <a:ext cx="3901725" cy="2221175"/>
+          </a:xfrm>
+          <a:prstGeom prst="rect">
+            <a:avLst/>
+          </a:prstGeom>
+        </p:spPr>
+      </p:pic>
+      <p:pic>
+        <p:nvPicPr>
+          <p:cNvPr id="17" name="그림 16" descr="스크린샷, 패턴, 다채로움, 라인이(가) 표시된 사진&#10;&#10;자동 생성된 설명">
+            <a:extLst>
+              <a:ext uri="{FF2B5EF4-FFF2-40B4-BE49-F238E27FC236}">
+                <a16:creationId xmlns:a16="http://schemas.microsoft.com/office/drawing/2014/main" id="{F4A09DEA-0EB3-B772-E699-92875DE30DCC}"/>
+              </a:ext>
+            </a:extLst>
+          </p:cNvPr>
+          <p:cNvPicPr>
+            <a:picLocks noChangeAspect="1"/>
+          </p:cNvPicPr>
+          <p:nvPr/>
+        </p:nvPicPr>
+        <p:blipFill>
+          <a:blip r:embed="rId6">
+            <a:extLst>
+              <a:ext uri="{28A0092B-C50C-407E-A947-70E740481C1C}">
+                <a14:useLocalDpi xmlns:a14="http://schemas.microsoft.com/office/drawing/2010/main" val="0"/>
+              </a:ext>
+            </a:extLst>
+          </a:blip>
+          <a:stretch>
+            <a:fillRect/>
+          </a:stretch>
+        </p:blipFill>
+        <p:spPr>
+          <a:xfrm>
+            <a:off x="893619" y="1135818"/>
+            <a:ext cx="6603140" cy="2432882"/>
           </a:xfrm>
           <a:prstGeom prst="rect">
             <a:avLst/>
@@ -2558,7 +2624,7 @@
             <a:pPr algn="ctr"/>
             <a:r>
               <a:rPr lang="en-US" altLang="ko-KR" sz="1200" dirty="0"/>
-              <a:t>RUN</a:t>
+              <a:t>START</a:t>
             </a:r>
           </a:p>
           <a:p>
@@ -2566,44 +2632,6 @@
             <a:r>
               <a:rPr lang="en-US" altLang="ko-KR" sz="1200" dirty="0"/>
               <a:t>[</a:t>
-            </a:r>
-            <a:r>
-              <a:rPr kumimoji="0" lang="en-US" altLang="ko-KR" sz="1200" b="0" i="0" u="none" strike="noStrike" kern="1200" cap="none" spc="0" normalizeH="0" baseline="0" noProof="0" dirty="0" err="1">
-                <a:ln>
-                  <a:noFill/>
-                </a:ln>
-                <a:solidFill>
-                  <a:prstClr val="white"/>
-                </a:solidFill>
-                <a:effectLst/>
-                <a:uLnTx/>
-                <a:uFillTx/>
-                <a:latin typeface="맑은 고딕"/>
-                <a:ea typeface="+mn-ea"/>
-                <a:cs typeface="+mn-cs"/>
-              </a:rPr>
-              <a:t>STN_Buffer</a:t>
-            </a:r>
-            <a:endParaRPr kumimoji="0" lang="en-US" altLang="ko-KR" sz="1200" b="0" i="0" u="none" strike="noStrike" kern="1200" cap="none" spc="0" normalizeH="0" baseline="0" noProof="0" dirty="0">
-              <a:ln>
-                <a:noFill/>
-              </a:ln>
-              <a:solidFill>
-                <a:prstClr val="white"/>
-              </a:solidFill>
-              <a:effectLst/>
-              <a:uLnTx/>
-              <a:uFillTx/>
-              <a:latin typeface="맑은 고딕"/>
-              <a:ea typeface="+mn-ea"/>
-              <a:cs typeface="+mn-cs"/>
-            </a:endParaRPr>
-          </a:p>
-          <a:p>
-            <a:pPr algn="ctr"/>
-            <a:r>
-              <a:rPr lang="en-US" altLang="ko-KR" sz="1200" dirty="0"/>
-              <a:t>~ </a:t>
             </a:r>
             <a:r>
               <a:rPr kumimoji="0" lang="en-US" altLang="ko-KR" sz="1200" b="0" i="0" u="none" strike="noStrike" kern="1200" cap="none" spc="0" normalizeH="0" baseline="0" noProof="0" dirty="0">
@@ -2620,10 +2648,34 @@
                 <a:ea typeface="+mn-ea"/>
                 <a:cs typeface="+mn-cs"/>
               </a:rPr>
-              <a:t>S711.Work</a:t>
+              <a:t>Buffer</a:t>
+            </a:r>
+          </a:p>
+          <a:p>
+            <a:pPr algn="ctr"/>
+            <a:r>
+              <a:rPr lang="en-US" altLang="ko-KR" sz="1200" dirty="0"/>
+              <a:t>~ </a:t>
             </a:r>
             <a:r>
-              <a:rPr lang="en-US" altLang="ko-KR" sz="1200" dirty="0"/>
+              <a:rPr kumimoji="0" lang="en-US" altLang="ko-KR" sz="1200" b="0" i="0" u="none" strike="noStrike" kern="1200" cap="none" spc="0" normalizeH="0" baseline="0" noProof="0">
+                <a:ln>
+                  <a:noFill/>
+                </a:ln>
+                <a:solidFill>
+                  <a:prstClr val="white"/>
+                </a:solidFill>
+                <a:effectLst/>
+                <a:uLnTx/>
+                <a:uFillTx/>
+                <a:latin typeface="맑은 고딕"/>
+                <a:ea typeface="+mn-ea"/>
+                <a:cs typeface="+mn-cs"/>
+              </a:rPr>
+              <a:t>Buffer</a:t>
+            </a:r>
+            <a:r>
+              <a:rPr lang="en-US" altLang="ko-KR" sz="1200"/>
               <a:t>]</a:t>
             </a:r>
             <a:endParaRPr lang="ko-KR" altLang="en-US" sz="1200" dirty="0"/>
@@ -3326,145 +3378,12 @@
           </a:fontRef>
         </p:style>
       </p:cxnSp>
-      <p:sp>
-        <p:nvSpPr>
-          <p:cNvPr id="9" name="직사각형 8">
+      <p:grpSp>
+        <p:nvGrpSpPr>
+          <p:cNvPr id="37" name="그룹 36">
             <a:extLst>
               <a:ext uri="{FF2B5EF4-FFF2-40B4-BE49-F238E27FC236}">
-                <a16:creationId xmlns:a16="http://schemas.microsoft.com/office/drawing/2014/main" id="{346CA795-FCA7-0B3B-7E81-5DA9AAA52276}"/>
-              </a:ext>
-            </a:extLst>
-          </p:cNvPr>
-          <p:cNvSpPr/>
-          <p:nvPr/>
-        </p:nvSpPr>
-        <p:spPr>
-          <a:xfrm>
-            <a:off x="926172" y="2857127"/>
-            <a:ext cx="783562" cy="665004"/>
-          </a:xfrm>
-          <a:prstGeom prst="rect">
-            <a:avLst/>
-          </a:prstGeom>
-          <a:noFill/>
-          <a:ln w="28575" cap="flat" cmpd="sng" algn="ctr">
-            <a:solidFill>
-              <a:schemeClr val="accent4"/>
-            </a:solidFill>
-            <a:prstDash val="solid"/>
-            <a:round/>
-            <a:headEnd type="none" w="med" len="med"/>
-            <a:tailEnd type="none" w="med" len="med"/>
-          </a:ln>
-        </p:spPr>
-        <p:style>
-          <a:lnRef idx="0">
-            <a:scrgbClr r="0" g="0" b="0"/>
-          </a:lnRef>
-          <a:fillRef idx="0">
-            <a:scrgbClr r="0" g="0" b="0"/>
-          </a:fillRef>
-          <a:effectRef idx="0">
-            <a:scrgbClr r="0" g="0" b="0"/>
-          </a:effectRef>
-          <a:fontRef idx="minor">
-            <a:schemeClr val="accent4"/>
-          </a:fontRef>
-        </p:style>
-        <p:txBody>
-          <a:bodyPr rtlCol="0" anchor="b"/>
-          <a:lstStyle/>
-          <a:p>
-            <a:pPr marL="0" marR="0" lvl="0" indent="0" algn="r" defTabSz="914400" rtl="0" eaLnBrk="1" fontAlgn="auto" latinLnBrk="0" hangingPunct="1">
-              <a:lnSpc>
-                <a:spcPct val="100000"/>
-              </a:lnSpc>
-              <a:spcBef>
-                <a:spcPts val="0"/>
-              </a:spcBef>
-              <a:spcAft>
-                <a:spcPts val="0"/>
-              </a:spcAft>
-              <a:buClrTx/>
-              <a:buSzTx/>
-              <a:buFontTx/>
-              <a:buNone/>
-              <a:tabLst/>
-              <a:defRPr/>
-            </a:pPr>
-            <a:endParaRPr kumimoji="0" lang="en-US" altLang="ko-KR" sz="900" b="0" i="0" u="none" strike="noStrike" kern="1200" cap="none" spc="0" normalizeH="0" baseline="0" noProof="0" dirty="0">
-              <a:ln>
-                <a:noFill/>
-              </a:ln>
-              <a:solidFill>
-                <a:prstClr val="white"/>
-              </a:solidFill>
-              <a:effectLst/>
-              <a:uLnTx/>
-              <a:uFillTx/>
-              <a:latin typeface="맑은 고딕"/>
-              <a:ea typeface="+mn-ea"/>
-              <a:cs typeface="+mn-cs"/>
-            </a:endParaRPr>
-          </a:p>
-          <a:p>
-            <a:pPr marL="0" marR="0" lvl="0" indent="0" algn="r" defTabSz="914400" rtl="0" eaLnBrk="1" fontAlgn="auto" latinLnBrk="0" hangingPunct="1">
-              <a:lnSpc>
-                <a:spcPct val="100000"/>
-              </a:lnSpc>
-              <a:spcBef>
-                <a:spcPts val="0"/>
-              </a:spcBef>
-              <a:spcAft>
-                <a:spcPts val="0"/>
-              </a:spcAft>
-              <a:buClrTx/>
-              <a:buSzTx/>
-              <a:buFontTx/>
-              <a:buNone/>
-              <a:tabLst/>
-              <a:defRPr/>
-            </a:pPr>
-            <a:r>
-              <a:rPr kumimoji="0" lang="en-US" altLang="ko-KR" sz="900" b="0" i="0" u="none" strike="noStrike" kern="1200" cap="none" spc="0" normalizeH="0" baseline="0" noProof="0" dirty="0" err="1">
-                <a:ln>
-                  <a:noFill/>
-                </a:ln>
-                <a:solidFill>
-                  <a:prstClr val="white"/>
-                </a:solidFill>
-                <a:effectLst/>
-                <a:uLnTx/>
-                <a:uFillTx/>
-                <a:latin typeface="맑은 고딕"/>
-                <a:ea typeface="+mn-ea"/>
-                <a:cs typeface="+mn-cs"/>
-              </a:rPr>
-              <a:t>STN_Buffer</a:t>
-            </a:r>
-            <a:endParaRPr kumimoji="0" lang="ko-KR" altLang="en-US" sz="900" b="0" i="0" u="none" strike="noStrike" kern="1200" cap="none" spc="0" normalizeH="0" baseline="0" noProof="0" dirty="0">
-              <a:ln>
-                <a:noFill/>
-              </a:ln>
-              <a:solidFill>
-                <a:prstClr val="white"/>
-              </a:solidFill>
-              <a:effectLst/>
-              <a:uLnTx/>
-              <a:uFillTx/>
-              <a:latin typeface="맑은 고딕"/>
-              <a:ea typeface="+mn-ea"/>
-              <a:cs typeface="+mn-cs"/>
-            </a:endParaRPr>
-          </a:p>
-        </p:txBody>
-      </p:sp>
-      <p:grpSp>
-        <p:nvGrpSpPr>
-          <p:cNvPr id="7" name="그룹 6">
-            <a:extLst>
-              <a:ext uri="{FF2B5EF4-FFF2-40B4-BE49-F238E27FC236}">
-                <a16:creationId xmlns:a16="http://schemas.microsoft.com/office/drawing/2014/main" id="{B0486DDB-A725-8017-3A74-BB2AE5053692}"/>
+                <a16:creationId xmlns:a16="http://schemas.microsoft.com/office/drawing/2014/main" id="{CBEBF1EE-CD5F-72FF-4510-5091CF2255E8}"/>
               </a:ext>
             </a:extLst>
           </p:cNvPr>
@@ -3854,53 +3773,6 @@
       </p:cxnSp>
       <p:cxnSp>
         <p:nvCxnSpPr>
-          <p:cNvPr id="22" name="연결선: 꺾임 21">
-            <a:extLst>
-              <a:ext uri="{FF2B5EF4-FFF2-40B4-BE49-F238E27FC236}">
-                <a16:creationId xmlns:a16="http://schemas.microsoft.com/office/drawing/2014/main" id="{2E066B20-D2DA-48E8-026A-AE89C04BD919}"/>
-              </a:ext>
-            </a:extLst>
-          </p:cNvPr>
-          <p:cNvCxnSpPr>
-            <a:cxnSpLocks/>
-            <a:stCxn id="9" idx="3"/>
-            <a:endCxn id="187" idx="1"/>
-          </p:cNvCxnSpPr>
-          <p:nvPr/>
-        </p:nvCxnSpPr>
-        <p:spPr>
-          <a:xfrm>
-            <a:off x="1709734" y="3189629"/>
-            <a:ext cx="590736" cy="3"/>
-          </a:xfrm>
-          <a:prstGeom prst="bentConnector3">
-            <a:avLst>
-              <a:gd name="adj1" fmla="val 50000"/>
-            </a:avLst>
-          </a:prstGeom>
-          <a:ln w="25400">
-            <a:prstDash val="solid"/>
-            <a:headEnd type="diamond" w="lg" len="lg"/>
-            <a:tailEnd type="triangle" w="lg" len="lg"/>
-          </a:ln>
-        </p:spPr>
-        <p:style>
-          <a:lnRef idx="1">
-            <a:schemeClr val="accent1"/>
-          </a:lnRef>
-          <a:fillRef idx="0">
-            <a:schemeClr val="accent1"/>
-          </a:fillRef>
-          <a:effectRef idx="0">
-            <a:schemeClr val="accent1"/>
-          </a:effectRef>
-          <a:fontRef idx="minor">
-            <a:schemeClr val="tx1"/>
-          </a:fontRef>
-        </p:style>
-      </p:cxnSp>
-      <p:cxnSp>
-        <p:nvCxnSpPr>
           <p:cNvPr id="24" name="연결선: 꺾임 23">
             <a:extLst>
               <a:ext uri="{FF2B5EF4-FFF2-40B4-BE49-F238E27FC236}">
@@ -3926,145 +3798,6 @@
           <a:ln w="25400">
             <a:prstDash val="solid"/>
             <a:headEnd type="diamond" w="lg" len="lg"/>
-            <a:tailEnd type="triangle" w="lg" len="lg"/>
-          </a:ln>
-        </p:spPr>
-        <p:style>
-          <a:lnRef idx="1">
-            <a:schemeClr val="accent1"/>
-          </a:lnRef>
-          <a:fillRef idx="0">
-            <a:schemeClr val="accent1"/>
-          </a:fillRef>
-          <a:effectRef idx="0">
-            <a:schemeClr val="accent1"/>
-          </a:effectRef>
-          <a:fontRef idx="minor">
-            <a:schemeClr val="tx1"/>
-          </a:fontRef>
-        </p:style>
-      </p:cxnSp>
-      <p:sp>
-        <p:nvSpPr>
-          <p:cNvPr id="25" name="직사각형 24">
-            <a:extLst>
-              <a:ext uri="{FF2B5EF4-FFF2-40B4-BE49-F238E27FC236}">
-                <a16:creationId xmlns:a16="http://schemas.microsoft.com/office/drawing/2014/main" id="{451C2A2C-B0DA-4CEC-B803-A77E274FAF03}"/>
-              </a:ext>
-            </a:extLst>
-          </p:cNvPr>
-          <p:cNvSpPr/>
-          <p:nvPr/>
-        </p:nvSpPr>
-        <p:spPr>
-          <a:xfrm>
-            <a:off x="8688360" y="5714079"/>
-            <a:ext cx="1377615" cy="320406"/>
-          </a:xfrm>
-          <a:prstGeom prst="rect">
-            <a:avLst/>
-          </a:prstGeom>
-          <a:noFill/>
-          <a:ln w="28575" cap="flat" cmpd="sng" algn="ctr">
-            <a:solidFill>
-              <a:schemeClr val="accent4"/>
-            </a:solidFill>
-            <a:prstDash val="solid"/>
-            <a:round/>
-            <a:headEnd type="none" w="med" len="med"/>
-            <a:tailEnd type="none" w="med" len="med"/>
-          </a:ln>
-        </p:spPr>
-        <p:style>
-          <a:lnRef idx="0">
-            <a:scrgbClr r="0" g="0" b="0"/>
-          </a:lnRef>
-          <a:fillRef idx="0">
-            <a:scrgbClr r="0" g="0" b="0"/>
-          </a:fillRef>
-          <a:effectRef idx="0">
-            <a:scrgbClr r="0" g="0" b="0"/>
-          </a:effectRef>
-          <a:fontRef idx="minor">
-            <a:schemeClr val="accent4"/>
-          </a:fontRef>
-        </p:style>
-        <p:txBody>
-          <a:bodyPr rtlCol="0" anchor="b"/>
-          <a:lstStyle/>
-          <a:p>
-            <a:pPr marL="0" marR="0" lvl="0" indent="0" algn="r" defTabSz="914400" rtl="0" eaLnBrk="1" fontAlgn="auto" latinLnBrk="0" hangingPunct="1">
-              <a:lnSpc>
-                <a:spcPct val="100000"/>
-              </a:lnSpc>
-              <a:spcBef>
-                <a:spcPts val="0"/>
-              </a:spcBef>
-              <a:spcAft>
-                <a:spcPts val="0"/>
-              </a:spcAft>
-              <a:buClrTx/>
-              <a:buSzTx/>
-              <a:buFontTx/>
-              <a:buNone/>
-              <a:tabLst/>
-              <a:defRPr/>
-            </a:pPr>
-            <a:r>
-              <a:rPr lang="en-US" altLang="ko-KR" sz="1000" dirty="0">
-                <a:solidFill>
-                  <a:prstClr val="white"/>
-                </a:solidFill>
-                <a:latin typeface="맑은 고딕"/>
-              </a:rPr>
-              <a:t>UnloadClear</a:t>
-            </a:r>
-            <a:endParaRPr kumimoji="0" lang="ko-KR" altLang="en-US" sz="1000" b="0" i="0" u="none" strike="noStrike" kern="1200" cap="none" spc="0" normalizeH="0" baseline="0" noProof="0" dirty="0">
-              <a:ln>
-                <a:noFill/>
-              </a:ln>
-              <a:solidFill>
-                <a:prstClr val="white"/>
-              </a:solidFill>
-              <a:effectLst/>
-              <a:uLnTx/>
-              <a:uFillTx/>
-              <a:latin typeface="맑은 고딕"/>
-              <a:ea typeface="+mn-ea"/>
-              <a:cs typeface="+mn-cs"/>
-            </a:endParaRPr>
-          </a:p>
-        </p:txBody>
-      </p:sp>
-      <p:cxnSp>
-        <p:nvCxnSpPr>
-          <p:cNvPr id="29" name="연결선: 꺾임 28">
-            <a:extLst>
-              <a:ext uri="{FF2B5EF4-FFF2-40B4-BE49-F238E27FC236}">
-                <a16:creationId xmlns:a16="http://schemas.microsoft.com/office/drawing/2014/main" id="{C8478288-8E55-80A2-710C-9BB36E1A9D26}"/>
-              </a:ext>
-            </a:extLst>
-          </p:cNvPr>
-          <p:cNvCxnSpPr>
-            <a:cxnSpLocks/>
-            <a:stCxn id="25" idx="3"/>
-            <a:endCxn id="14" idx="3"/>
-          </p:cNvCxnSpPr>
-          <p:nvPr/>
-        </p:nvCxnSpPr>
-        <p:spPr>
-          <a:xfrm flipV="1">
-            <a:off x="10065975" y="4361328"/>
-            <a:ext cx="12700" cy="1512954"/>
-          </a:xfrm>
-          <a:prstGeom prst="bentConnector3">
-            <a:avLst>
-              <a:gd name="adj1" fmla="val 1800000"/>
-            </a:avLst>
-          </a:prstGeom>
-          <a:ln w="25400">
-            <a:prstDash val="dash"/>
-            <a:headEnd w="lg" len="lg"/>
             <a:tailEnd type="triangle" w="lg" len="lg"/>
           </a:ln>
         </p:spPr>
@@ -4366,10 +4099,10 @@
       </p:cxnSp>
       <p:sp>
         <p:nvSpPr>
-          <p:cNvPr id="20" name="화살표: 오각형 19">
+          <p:cNvPr id="7" name="화살표: 오각형 6">
             <a:extLst>
               <a:ext uri="{FF2B5EF4-FFF2-40B4-BE49-F238E27FC236}">
-                <a16:creationId xmlns:a16="http://schemas.microsoft.com/office/drawing/2014/main" id="{CE77EAB5-B893-587A-A6D0-5ACFF2BF70F5}"/>
+                <a16:creationId xmlns:a16="http://schemas.microsoft.com/office/drawing/2014/main" id="{EAE6CD76-5FBB-3A46-03BD-A1178A1B68D7}"/>
               </a:ext>
             </a:extLst>
           </p:cNvPr>
@@ -4378,7 +4111,7 @@
         </p:nvSpPr>
         <p:spPr>
           <a:xfrm flipH="1">
-            <a:off x="8729" y="4191733"/>
+            <a:off x="66840" y="4551832"/>
             <a:ext cx="2036280" cy="592588"/>
           </a:xfrm>
           <a:prstGeom prst="homePlate">
@@ -4413,28 +4146,23 @@
           <a:p>
             <a:pPr algn="ctr"/>
             <a:r>
-              <a:rPr lang="en-US" altLang="ko-KR" sz="1200" dirty="0">
+              <a:rPr kumimoji="0" lang="en-US" altLang="ko-KR" sz="1200" b="0" i="0" u="none" strike="noStrike" kern="1200" cap="none" spc="0" normalizeH="0" baseline="0" noProof="0">
+                <a:ln>
+                  <a:noFill/>
+                </a:ln>
                 <a:solidFill>
                   <a:prstClr val="white"/>
                 </a:solidFill>
+                <a:effectLst/>
+                <a:uLnTx/>
+                <a:uFillTx/>
                 <a:latin typeface="맑은 고딕"/>
+                <a:ea typeface="+mn-ea"/>
+                <a:cs typeface="+mn-cs"/>
               </a:rPr>
-              <a:t>CLEAR</a:t>
+              <a:t>UNLOAD</a:t>
             </a:r>
-            <a:endParaRPr kumimoji="0" lang="ko-KR" altLang="en-US" sz="1200" b="0" i="0" u="none" strike="noStrike" kern="1200" cap="none" spc="0" normalizeH="0" baseline="0" noProof="0" dirty="0">
-              <a:ln>
-                <a:noFill/>
-              </a:ln>
-              <a:solidFill>
-                <a:prstClr val="white"/>
-              </a:solidFill>
-              <a:effectLst/>
-              <a:uLnTx/>
-              <a:uFillTx/>
-              <a:latin typeface="맑은 고딕"/>
-              <a:ea typeface="+mn-ea"/>
-              <a:cs typeface="+mn-cs"/>
-            </a:endParaRPr>
+            <a:endParaRPr lang="en-US" altLang="ko-KR" sz="1200" dirty="0"/>
           </a:p>
           <a:p>
             <a:pPr algn="ctr"/>
@@ -4451,7 +4179,7 @@
               </a:rPr>
               <a:t>UnloadClear</a:t>
             </a:r>
-            <a:endParaRPr kumimoji="0" lang="ko-KR" altLang="en-US" sz="1200" b="0" i="0" u="none" strike="noStrike" kern="1200" cap="none" spc="0" normalizeH="0" baseline="0" noProof="0" dirty="0">
+            <a:endParaRPr kumimoji="0" lang="en-US" altLang="ko-KR" sz="1200" b="0" i="0" u="none" strike="noStrike" kern="1200" cap="none" spc="0" normalizeH="0" baseline="0" noProof="0" dirty="0">
               <a:ln>
                 <a:noFill/>
               </a:ln>
@@ -4491,10 +4219,10 @@
       </p:sp>
       <p:sp>
         <p:nvSpPr>
-          <p:cNvPr id="23" name="직사각형 22">
+          <p:cNvPr id="21" name="직사각형 20">
             <a:extLst>
               <a:ext uri="{FF2B5EF4-FFF2-40B4-BE49-F238E27FC236}">
-                <a16:creationId xmlns:a16="http://schemas.microsoft.com/office/drawing/2014/main" id="{05CD0450-2751-BB31-0F26-0D715E6C732B}"/>
+                <a16:creationId xmlns:a16="http://schemas.microsoft.com/office/drawing/2014/main" id="{76CDC13B-37E6-F54A-8CE3-9EBB94E23041}"/>
               </a:ext>
             </a:extLst>
           </p:cNvPr>
@@ -4503,7 +4231,7 @@
         </p:nvSpPr>
         <p:spPr>
           <a:xfrm>
-            <a:off x="7007907" y="6314507"/>
+            <a:off x="8692323" y="5659182"/>
             <a:ext cx="1377615" cy="320406"/>
           </a:xfrm>
           <a:prstGeom prst="rect">
@@ -4556,21 +4284,13 @@
               <a:defRPr/>
             </a:pPr>
             <a:r>
-              <a:rPr kumimoji="0" lang="en-US" altLang="ko-KR" sz="1000" b="0" i="0" u="none" strike="noStrike" kern="1200" cap="none" spc="0" normalizeH="0" baseline="0" noProof="0" dirty="0">
-                <a:ln>
-                  <a:noFill/>
-                </a:ln>
+              <a:rPr lang="en-US" altLang="ko-KR" sz="1000" dirty="0">
                 <a:solidFill>
                   <a:prstClr val="white"/>
                 </a:solidFill>
-                <a:effectLst/>
-                <a:uLnTx/>
-                <a:uFillTx/>
                 <a:latin typeface="맑은 고딕"/>
-                <a:ea typeface="+mn-ea"/>
-                <a:cs typeface="+mn-cs"/>
               </a:rPr>
-              <a:t>clear</a:t>
+              <a:t>UnloadClear</a:t>
             </a:r>
             <a:endParaRPr kumimoji="0" lang="ko-KR" altLang="en-US" sz="1000" b="0" i="0" u="none" strike="noStrike" kern="1200" cap="none" spc="0" normalizeH="0" baseline="0" noProof="0" dirty="0">
               <a:ln>
@@ -4591,32 +4311,32 @@
       </p:sp>
       <p:cxnSp>
         <p:nvCxnSpPr>
-          <p:cNvPr id="26" name="연결선: 꺾임 25">
+          <p:cNvPr id="23" name="직선 화살표 연결선 22">
             <a:extLst>
               <a:ext uri="{FF2B5EF4-FFF2-40B4-BE49-F238E27FC236}">
-                <a16:creationId xmlns:a16="http://schemas.microsoft.com/office/drawing/2014/main" id="{C18B2FC9-453C-A32F-98AB-AABCFD9ABFE0}"/>
+                <a16:creationId xmlns:a16="http://schemas.microsoft.com/office/drawing/2014/main" id="{8698C3D7-D0EF-5411-709A-206246EC3DA5}"/>
               </a:ext>
             </a:extLst>
           </p:cNvPr>
           <p:cNvCxnSpPr>
             <a:cxnSpLocks/>
-            <a:stCxn id="25" idx="1"/>
-            <a:endCxn id="23" idx="0"/>
+            <a:stCxn id="14" idx="2"/>
+            <a:endCxn id="21" idx="0"/>
           </p:cNvCxnSpPr>
           <p:nvPr/>
         </p:nvCxnSpPr>
         <p:spPr>
-          <a:xfrm rot="10800000" flipV="1">
-            <a:off x="7696716" y="5874281"/>
-            <a:ext cx="991645" cy="440225"/>
+          <a:xfrm>
+            <a:off x="9377168" y="5215570"/>
+            <a:ext cx="3963" cy="443612"/>
           </a:xfrm>
-          <a:prstGeom prst="bentConnector2">
+          <a:prstGeom prst="straightConnector1">
             <a:avLst/>
           </a:prstGeom>
           <a:ln w="25400">
             <a:prstDash val="dash"/>
-            <a:headEnd w="lg" len="lg"/>
-            <a:tailEnd type="triangle" w="lg" len="lg"/>
+            <a:headEnd type="triangle" w="lg" len="lg"/>
+            <a:tailEnd type="none" w="lg" len="lg"/>
           </a:ln>
         </p:spPr>
         <p:style>
@@ -4634,29 +4354,270 @@
           </a:fontRef>
         </p:style>
       </p:cxnSp>
+      <p:sp>
+        <p:nvSpPr>
+          <p:cNvPr id="26" name="직사각형 25">
+            <a:extLst>
+              <a:ext uri="{FF2B5EF4-FFF2-40B4-BE49-F238E27FC236}">
+                <a16:creationId xmlns:a16="http://schemas.microsoft.com/office/drawing/2014/main" id="{715940D4-9FD3-0BCD-3495-7105CCA25FB6}"/>
+              </a:ext>
+            </a:extLst>
+          </p:cNvPr>
+          <p:cNvSpPr/>
+          <p:nvPr/>
+        </p:nvSpPr>
+        <p:spPr>
+          <a:xfrm>
+            <a:off x="8688359" y="6342031"/>
+            <a:ext cx="1377615" cy="320406"/>
+          </a:xfrm>
+          <a:prstGeom prst="rect">
+            <a:avLst/>
+          </a:prstGeom>
+          <a:noFill/>
+          <a:ln w="28575" cap="flat" cmpd="sng" algn="ctr">
+            <a:solidFill>
+              <a:schemeClr val="accent4"/>
+            </a:solidFill>
+            <a:prstDash val="solid"/>
+            <a:round/>
+            <a:headEnd type="none" w="med" len="med"/>
+            <a:tailEnd type="none" w="med" len="med"/>
+          </a:ln>
+        </p:spPr>
+        <p:style>
+          <a:lnRef idx="0">
+            <a:scrgbClr r="0" g="0" b="0"/>
+          </a:lnRef>
+          <a:fillRef idx="0">
+            <a:scrgbClr r="0" g="0" b="0"/>
+          </a:fillRef>
+          <a:effectRef idx="0">
+            <a:scrgbClr r="0" g="0" b="0"/>
+          </a:effectRef>
+          <a:fontRef idx="minor">
+            <a:schemeClr val="accent4"/>
+          </a:fontRef>
+        </p:style>
+        <p:txBody>
+          <a:bodyPr rtlCol="0" anchor="b"/>
+          <a:lstStyle/>
+          <a:p>
+            <a:pPr marL="0" marR="0" lvl="0" indent="0" algn="r" defTabSz="914400" rtl="0" eaLnBrk="1" fontAlgn="auto" latinLnBrk="0" hangingPunct="1">
+              <a:lnSpc>
+                <a:spcPct val="100000"/>
+              </a:lnSpc>
+              <a:spcBef>
+                <a:spcPts val="0"/>
+              </a:spcBef>
+              <a:spcAft>
+                <a:spcPts val="0"/>
+              </a:spcAft>
+              <a:buClrTx/>
+              <a:buSzTx/>
+              <a:buFontTx/>
+              <a:buNone/>
+              <a:tabLst/>
+              <a:defRPr/>
+            </a:pPr>
+            <a:r>
+              <a:rPr lang="en-US" altLang="ko-KR" sz="1000" dirty="0">
+                <a:solidFill>
+                  <a:prstClr val="white"/>
+                </a:solidFill>
+                <a:latin typeface="맑은 고딕"/>
+              </a:rPr>
+              <a:t>Clear</a:t>
+            </a:r>
+            <a:endParaRPr kumimoji="0" lang="ko-KR" altLang="en-US" sz="1000" b="0" i="0" u="none" strike="noStrike" kern="1200" cap="none" spc="0" normalizeH="0" baseline="0" noProof="0" dirty="0">
+              <a:ln>
+                <a:noFill/>
+              </a:ln>
+              <a:solidFill>
+                <a:prstClr val="white"/>
+              </a:solidFill>
+              <a:effectLst/>
+              <a:uLnTx/>
+              <a:uFillTx/>
+              <a:latin typeface="맑은 고딕"/>
+              <a:ea typeface="+mn-ea"/>
+              <a:cs typeface="+mn-cs"/>
+            </a:endParaRPr>
+          </a:p>
+        </p:txBody>
+      </p:sp>
       <p:cxnSp>
         <p:nvCxnSpPr>
-          <p:cNvPr id="32" name="연결선: 꺾임 31">
+          <p:cNvPr id="29" name="연결선: 꺾임 28">
             <a:extLst>
               <a:ext uri="{FF2B5EF4-FFF2-40B4-BE49-F238E27FC236}">
-                <a16:creationId xmlns:a16="http://schemas.microsoft.com/office/drawing/2014/main" id="{0CF7A1AD-0C7B-8BB8-C283-1FF415D6A3DD}"/>
+                <a16:creationId xmlns:a16="http://schemas.microsoft.com/office/drawing/2014/main" id="{9FD897A5-70E6-ABED-4D29-6B8BCF60AA45}"/>
               </a:ext>
             </a:extLst>
           </p:cNvPr>
           <p:cNvCxnSpPr>
             <a:cxnSpLocks/>
-            <a:stCxn id="25" idx="2"/>
-            <a:endCxn id="23" idx="3"/>
+            <a:stCxn id="26" idx="0"/>
+            <a:endCxn id="21" idx="2"/>
+          </p:cNvCxnSpPr>
+          <p:nvPr/>
+        </p:nvCxnSpPr>
+        <p:spPr>
+          <a:xfrm rot="5400000" flipH="1" flipV="1">
+            <a:off x="9197928" y="6158828"/>
+            <a:ext cx="362443" cy="3964"/>
+          </a:xfrm>
+          <a:prstGeom prst="bentConnector3">
+            <a:avLst>
+              <a:gd name="adj1" fmla="val 50000"/>
+            </a:avLst>
+          </a:prstGeom>
+          <a:ln w="25400">
+            <a:prstDash val="dash"/>
+            <a:headEnd type="triangle" w="lg" len="lg"/>
+            <a:tailEnd type="diamond" w="lg" len="lg"/>
+          </a:ln>
+        </p:spPr>
+        <p:style>
+          <a:lnRef idx="1">
+            <a:schemeClr val="accent1"/>
+          </a:lnRef>
+          <a:fillRef idx="0">
+            <a:schemeClr val="accent1"/>
+          </a:fillRef>
+          <a:effectRef idx="0">
+            <a:schemeClr val="accent1"/>
+          </a:effectRef>
+          <a:fontRef idx="minor">
+            <a:schemeClr val="tx1"/>
+          </a:fontRef>
+        </p:style>
+      </p:cxnSp>
+      <p:sp>
+        <p:nvSpPr>
+          <p:cNvPr id="6" name="직사각형 5">
+            <a:extLst>
+              <a:ext uri="{FF2B5EF4-FFF2-40B4-BE49-F238E27FC236}">
+                <a16:creationId xmlns:a16="http://schemas.microsoft.com/office/drawing/2014/main" id="{5F9AC591-DE38-8A2B-0F04-9C74E9CC60C4}"/>
+              </a:ext>
+            </a:extLst>
+          </p:cNvPr>
+          <p:cNvSpPr/>
+          <p:nvPr/>
+        </p:nvSpPr>
+        <p:spPr>
+          <a:xfrm>
+            <a:off x="2553433" y="464458"/>
+            <a:ext cx="552108" cy="1005126"/>
+          </a:xfrm>
+          <a:prstGeom prst="rect">
+            <a:avLst/>
+          </a:prstGeom>
+          <a:noFill/>
+          <a:ln w="28575" cap="flat" cmpd="sng" algn="ctr">
+            <a:solidFill>
+              <a:schemeClr val="accent4"/>
+            </a:solidFill>
+            <a:prstDash val="solid"/>
+            <a:round/>
+            <a:headEnd type="none" w="med" len="med"/>
+            <a:tailEnd type="none" w="med" len="med"/>
+          </a:ln>
+        </p:spPr>
+        <p:style>
+          <a:lnRef idx="0">
+            <a:scrgbClr r="0" g="0" b="0"/>
+          </a:lnRef>
+          <a:fillRef idx="0">
+            <a:scrgbClr r="0" g="0" b="0"/>
+          </a:fillRef>
+          <a:effectRef idx="0">
+            <a:scrgbClr r="0" g="0" b="0"/>
+          </a:effectRef>
+          <a:fontRef idx="minor">
+            <a:schemeClr val="accent4"/>
+          </a:fontRef>
+        </p:style>
+        <p:txBody>
+          <a:bodyPr rtlCol="0" anchor="b"/>
+          <a:lstStyle/>
+          <a:p>
+            <a:pPr marL="0" marR="0" lvl="0" indent="0" algn="r" defTabSz="914400" rtl="0" eaLnBrk="1" fontAlgn="auto" latinLnBrk="0" hangingPunct="1">
+              <a:lnSpc>
+                <a:spcPct val="100000"/>
+              </a:lnSpc>
+              <a:spcBef>
+                <a:spcPts val="0"/>
+              </a:spcBef>
+              <a:spcAft>
+                <a:spcPts val="0"/>
+              </a:spcAft>
+              <a:buClrTx/>
+              <a:buSzTx/>
+              <a:buFontTx/>
+              <a:buNone/>
+              <a:tabLst/>
+              <a:defRPr/>
+            </a:pPr>
+            <a:r>
+              <a:rPr kumimoji="0" lang="en-US" altLang="ko-KR" sz="900" b="0" i="0" u="none" strike="noStrike" kern="1200" cap="none" spc="0" normalizeH="0" baseline="0" noProof="0" dirty="0">
+                <a:ln>
+                  <a:noFill/>
+                </a:ln>
+                <a:solidFill>
+                  <a:prstClr val="white"/>
+                </a:solidFill>
+                <a:effectLst/>
+                <a:uLnTx/>
+                <a:uFillTx/>
+                <a:latin typeface="맑은 고딕"/>
+                <a:ea typeface="+mn-ea"/>
+                <a:cs typeface="+mn-cs"/>
+              </a:rPr>
+              <a:t>Buffer</a:t>
+            </a:r>
+            <a:endParaRPr kumimoji="0" lang="ko-KR" altLang="en-US" sz="900" b="0" i="0" u="none" strike="noStrike" kern="1200" cap="none" spc="0" normalizeH="0" baseline="0" noProof="0" dirty="0">
+              <a:ln>
+                <a:noFill/>
+              </a:ln>
+              <a:solidFill>
+                <a:prstClr val="white"/>
+              </a:solidFill>
+              <a:effectLst/>
+              <a:uLnTx/>
+              <a:uFillTx/>
+              <a:latin typeface="맑은 고딕"/>
+              <a:ea typeface="+mn-ea"/>
+              <a:cs typeface="+mn-cs"/>
+            </a:endParaRPr>
+          </a:p>
+        </p:txBody>
+      </p:sp>
+      <p:cxnSp>
+        <p:nvCxnSpPr>
+          <p:cNvPr id="10" name="연결선: 꺾임 9">
+            <a:extLst>
+              <a:ext uri="{FF2B5EF4-FFF2-40B4-BE49-F238E27FC236}">
+                <a16:creationId xmlns:a16="http://schemas.microsoft.com/office/drawing/2014/main" id="{A1498C20-5E83-A7DD-7C49-42222EC02E01}"/>
+              </a:ext>
+            </a:extLst>
+          </p:cNvPr>
+          <p:cNvCxnSpPr>
+            <a:cxnSpLocks/>
+            <a:stCxn id="30" idx="2"/>
+            <a:endCxn id="187" idx="0"/>
           </p:cNvCxnSpPr>
           <p:nvPr/>
         </p:nvCxnSpPr>
         <p:spPr>
           <a:xfrm rot="5400000">
-            <a:off x="8661233" y="5758774"/>
-            <a:ext cx="440225" cy="991646"/>
+            <a:off x="3489220" y="672614"/>
+            <a:ext cx="1123966" cy="2717904"/>
           </a:xfrm>
-          <a:prstGeom prst="bentConnector2">
-            <a:avLst/>
+          <a:prstGeom prst="bentConnector3">
+            <a:avLst>
+              <a:gd name="adj1" fmla="val 50000"/>
+            </a:avLst>
           </a:prstGeom>
           <a:ln w="25400">
             <a:prstDash val="solid"/>
@@ -4681,10 +4642,10 @@
       </p:cxnSp>
       <p:sp>
         <p:nvSpPr>
-          <p:cNvPr id="6" name="사각형: 모서리가 접힌 도형 5">
+          <p:cNvPr id="12" name="직사각형 11">
             <a:extLst>
               <a:ext uri="{FF2B5EF4-FFF2-40B4-BE49-F238E27FC236}">
-                <a16:creationId xmlns:a16="http://schemas.microsoft.com/office/drawing/2014/main" id="{289BD39F-1B25-DC9B-9F1F-0F618977C435}"/>
+                <a16:creationId xmlns:a16="http://schemas.microsoft.com/office/drawing/2014/main" id="{4C50FEA2-EC76-48FC-4C27-51A29243ECC0}"/>
               </a:ext>
             </a:extLst>
           </p:cNvPr>
@@ -4693,21 +4654,21 @@
         </p:nvSpPr>
         <p:spPr>
           <a:xfrm>
-            <a:off x="358536" y="5395617"/>
-            <a:ext cx="1685035" cy="591039"/>
+            <a:off x="3419397" y="466206"/>
+            <a:ext cx="562472" cy="1005126"/>
           </a:xfrm>
-          <a:prstGeom prst="foldedCorner">
-            <a:avLst>
-              <a:gd name="adj" fmla="val 27487"/>
-            </a:avLst>
+          <a:prstGeom prst="rect">
+            <a:avLst/>
           </a:prstGeom>
-          <a:solidFill>
-            <a:schemeClr val="accent3">
-              <a:alpha val="50000"/>
-            </a:schemeClr>
-          </a:solidFill>
-          <a:ln>
-            <a:noFill/>
+          <a:noFill/>
+          <a:ln w="28575" cap="flat" cmpd="sng" algn="ctr">
+            <a:solidFill>
+              <a:schemeClr val="accent4"/>
+            </a:solidFill>
+            <a:prstDash val="solid"/>
+            <a:round/>
+            <a:headEnd type="none" w="med" len="med"/>
+            <a:tailEnd type="none" w="med" len="med"/>
           </a:ln>
         </p:spPr>
         <p:style>
@@ -4721,35 +4682,70 @@
             <a:scrgbClr r="0" g="0" b="0"/>
           </a:effectRef>
           <a:fontRef idx="minor">
-            <a:schemeClr val="lt1"/>
+            <a:schemeClr val="accent4"/>
           </a:fontRef>
         </p:style>
         <p:txBody>
-          <a:bodyPr rtlCol="0" anchor="ctr"/>
+          <a:bodyPr rtlCol="0" anchor="b"/>
           <a:lstStyle/>
           <a:p>
-            <a:pPr algn="ctr"/>
+            <a:pPr marL="0" marR="0" lvl="0" indent="0" algn="r" defTabSz="914400" rtl="0" eaLnBrk="1" fontAlgn="auto" latinLnBrk="0" hangingPunct="1">
+              <a:lnSpc>
+                <a:spcPct val="100000"/>
+              </a:lnSpc>
+              <a:spcBef>
+                <a:spcPts val="0"/>
+              </a:spcBef>
+              <a:spcAft>
+                <a:spcPts val="0"/>
+              </a:spcAft>
+              <a:buClrTx/>
+              <a:buSzTx/>
+              <a:buFontTx/>
+              <a:buNone/>
+              <a:tabLst/>
+              <a:defRPr/>
+            </a:pPr>
             <a:r>
-              <a:rPr lang="en-US" altLang="ko-KR" sz="900" dirty="0"/>
-              <a:t>./Sub/LH</a:t>
+              <a:rPr kumimoji="0" lang="en-US" altLang="ko-KR" sz="900" b="0" i="0" u="none" strike="noStrike" kern="1200" cap="none" spc="0" normalizeH="0" baseline="0" noProof="0" dirty="0">
+                <a:ln>
+                  <a:noFill/>
+                </a:ln>
+                <a:solidFill>
+                  <a:prstClr val="white"/>
+                </a:solidFill>
+                <a:effectLst/>
+                <a:uLnTx/>
+                <a:uFillTx/>
+                <a:latin typeface="맑은 고딕"/>
+                <a:ea typeface="+mn-ea"/>
+                <a:cs typeface="+mn-cs"/>
+              </a:rPr>
+              <a:t>Buffer1</a:t>
             </a:r>
-          </a:p>
-          <a:p>
-            <a:pPr algn="ctr"/>
-            <a:r>
-              <a:rPr lang="en-US" altLang="ko-KR" sz="900" dirty="0"/>
-              <a:t>[LH]</a:t>
-            </a:r>
-            <a:endParaRPr lang="ko-KR" altLang="en-US" sz="900" dirty="0"/>
+            <a:endParaRPr kumimoji="0" lang="ko-KR" altLang="en-US" sz="900" b="0" i="0" u="none" strike="noStrike" kern="1200" cap="none" spc="0" normalizeH="0" baseline="0" noProof="0" dirty="0">
+              <a:ln>
+                <a:noFill/>
+              </a:ln>
+              <a:solidFill>
+                <a:prstClr val="white"/>
+              </a:solidFill>
+              <a:effectLst/>
+              <a:uLnTx/>
+              <a:uFillTx/>
+              <a:latin typeface="맑은 고딕"/>
+              <a:ea typeface="+mn-ea"/>
+              <a:cs typeface="+mn-cs"/>
+            </a:endParaRPr>
           </a:p>
         </p:txBody>
       </p:sp>
       <p:sp>
         <p:nvSpPr>
-          <p:cNvPr id="10" name="사각형: 모서리가 접힌 도형 9">
+          <p:cNvPr id="25" name="직사각형 24">
             <a:extLst>
               <a:ext uri="{FF2B5EF4-FFF2-40B4-BE49-F238E27FC236}">
-                <a16:creationId xmlns:a16="http://schemas.microsoft.com/office/drawing/2014/main" id="{3016DACB-9738-0B1A-D47B-FBB44C254922}"/>
+                <a16:creationId xmlns:a16="http://schemas.microsoft.com/office/drawing/2014/main" id="{C4CECB7E-5E92-1B39-65F0-D68AA2C64015}"/>
               </a:ext>
             </a:extLst>
           </p:cNvPr>
@@ -4758,21 +4754,21 @@
         </p:nvSpPr>
         <p:spPr>
           <a:xfrm>
-            <a:off x="2149606" y="5395617"/>
-            <a:ext cx="1685035" cy="591039"/>
+            <a:off x="4298749" y="464457"/>
+            <a:ext cx="562472" cy="1005126"/>
           </a:xfrm>
-          <a:prstGeom prst="foldedCorner">
-            <a:avLst>
-              <a:gd name="adj" fmla="val 27487"/>
-            </a:avLst>
+          <a:prstGeom prst="rect">
+            <a:avLst/>
           </a:prstGeom>
-          <a:solidFill>
-            <a:schemeClr val="accent3">
-              <a:alpha val="50000"/>
-            </a:schemeClr>
-          </a:solidFill>
-          <a:ln>
-            <a:noFill/>
+          <a:noFill/>
+          <a:ln w="28575" cap="flat" cmpd="sng" algn="ctr">
+            <a:solidFill>
+              <a:schemeClr val="accent4"/>
+            </a:solidFill>
+            <a:prstDash val="solid"/>
+            <a:round/>
+            <a:headEnd type="none" w="med" len="med"/>
+            <a:tailEnd type="none" w="med" len="med"/>
           </a:ln>
         </p:spPr>
         <p:style>
@@ -4786,29 +4782,308 @@
             <a:scrgbClr r="0" g="0" b="0"/>
           </a:effectRef>
           <a:fontRef idx="minor">
-            <a:schemeClr val="lt1"/>
+            <a:schemeClr val="accent4"/>
           </a:fontRef>
         </p:style>
         <p:txBody>
-          <a:bodyPr rtlCol="0" anchor="ctr"/>
+          <a:bodyPr rtlCol="0" anchor="b"/>
           <a:lstStyle/>
           <a:p>
-            <a:pPr algn="ctr"/>
+            <a:pPr marL="0" marR="0" lvl="0" indent="0" algn="r" defTabSz="914400" rtl="0" eaLnBrk="1" fontAlgn="auto" latinLnBrk="0" hangingPunct="1">
+              <a:lnSpc>
+                <a:spcPct val="100000"/>
+              </a:lnSpc>
+              <a:spcBef>
+                <a:spcPts val="0"/>
+              </a:spcBef>
+              <a:spcAft>
+                <a:spcPts val="0"/>
+              </a:spcAft>
+              <a:buClrTx/>
+              <a:buSzTx/>
+              <a:buFontTx/>
+              <a:buNone/>
+              <a:tabLst/>
+              <a:defRPr/>
+            </a:pPr>
             <a:r>
-              <a:rPr lang="en-US" altLang="ko-KR" sz="900" dirty="0"/>
-              <a:t>./Sub/RH</a:t>
+              <a:rPr kumimoji="0" lang="en-US" altLang="ko-KR" sz="900" b="0" i="0" u="none" strike="noStrike" kern="1200" cap="none" spc="0" normalizeH="0" baseline="0" noProof="0" dirty="0">
+                <a:ln>
+                  <a:noFill/>
+                </a:ln>
+                <a:solidFill>
+                  <a:prstClr val="white"/>
+                </a:solidFill>
+                <a:effectLst/>
+                <a:uLnTx/>
+                <a:uFillTx/>
+                <a:latin typeface="맑은 고딕"/>
+                <a:ea typeface="+mn-ea"/>
+                <a:cs typeface="+mn-cs"/>
+              </a:rPr>
+              <a:t>Buffer</a:t>
             </a:r>
-          </a:p>
-          <a:p>
-            <a:pPr algn="ctr"/>
             <a:r>
-              <a:rPr lang="en-US" altLang="ko-KR" sz="900" dirty="0"/>
-              <a:t>[RH]</a:t>
+              <a:rPr lang="en-US" altLang="ko-KR" sz="900" dirty="0">
+                <a:solidFill>
+                  <a:prstClr val="white"/>
+                </a:solidFill>
+                <a:latin typeface="맑은 고딕"/>
+              </a:rPr>
+              <a:t>2</a:t>
             </a:r>
-            <a:endParaRPr lang="ko-KR" altLang="en-US" sz="900" dirty="0"/>
+            <a:endParaRPr kumimoji="0" lang="ko-KR" altLang="en-US" sz="900" b="0" i="0" u="none" strike="noStrike" kern="1200" cap="none" spc="0" normalizeH="0" baseline="0" noProof="0" dirty="0">
+              <a:ln>
+                <a:noFill/>
+              </a:ln>
+              <a:solidFill>
+                <a:prstClr val="white"/>
+              </a:solidFill>
+              <a:effectLst/>
+              <a:uLnTx/>
+              <a:uFillTx/>
+              <a:latin typeface="맑은 고딕"/>
+              <a:ea typeface="+mn-ea"/>
+              <a:cs typeface="+mn-cs"/>
+            </a:endParaRPr>
           </a:p>
         </p:txBody>
       </p:sp>
+      <p:sp>
+        <p:nvSpPr>
+          <p:cNvPr id="30" name="직사각형 29">
+            <a:extLst>
+              <a:ext uri="{FF2B5EF4-FFF2-40B4-BE49-F238E27FC236}">
+                <a16:creationId xmlns:a16="http://schemas.microsoft.com/office/drawing/2014/main" id="{EF366022-9656-8CED-031E-76D230C5BC56}"/>
+              </a:ext>
+            </a:extLst>
+          </p:cNvPr>
+          <p:cNvSpPr/>
+          <p:nvPr/>
+        </p:nvSpPr>
+        <p:spPr>
+          <a:xfrm>
+            <a:off x="5128919" y="464457"/>
+            <a:ext cx="562472" cy="1005126"/>
+          </a:xfrm>
+          <a:prstGeom prst="rect">
+            <a:avLst/>
+          </a:prstGeom>
+          <a:noFill/>
+          <a:ln w="28575" cap="flat" cmpd="sng" algn="ctr">
+            <a:solidFill>
+              <a:schemeClr val="accent4"/>
+            </a:solidFill>
+            <a:prstDash val="solid"/>
+            <a:round/>
+            <a:headEnd type="none" w="med" len="med"/>
+            <a:tailEnd type="none" w="med" len="med"/>
+          </a:ln>
+        </p:spPr>
+        <p:style>
+          <a:lnRef idx="0">
+            <a:scrgbClr r="0" g="0" b="0"/>
+          </a:lnRef>
+          <a:fillRef idx="0">
+            <a:scrgbClr r="0" g="0" b="0"/>
+          </a:fillRef>
+          <a:effectRef idx="0">
+            <a:scrgbClr r="0" g="0" b="0"/>
+          </a:effectRef>
+          <a:fontRef idx="minor">
+            <a:schemeClr val="accent4"/>
+          </a:fontRef>
+        </p:style>
+        <p:txBody>
+          <a:bodyPr rtlCol="0" anchor="b"/>
+          <a:lstStyle/>
+          <a:p>
+            <a:pPr marL="0" marR="0" lvl="0" indent="0" algn="r" defTabSz="914400" rtl="0" eaLnBrk="1" fontAlgn="auto" latinLnBrk="0" hangingPunct="1">
+              <a:lnSpc>
+                <a:spcPct val="100000"/>
+              </a:lnSpc>
+              <a:spcBef>
+                <a:spcPts val="0"/>
+              </a:spcBef>
+              <a:spcAft>
+                <a:spcPts val="0"/>
+              </a:spcAft>
+              <a:buClrTx/>
+              <a:buSzTx/>
+              <a:buFontTx/>
+              <a:buNone/>
+              <a:tabLst/>
+              <a:defRPr/>
+            </a:pPr>
+            <a:r>
+              <a:rPr kumimoji="0" lang="en-US" altLang="ko-KR" sz="900" b="0" i="0" u="none" strike="noStrike" kern="1200" cap="none" spc="0" normalizeH="0" baseline="0" noProof="0" dirty="0">
+                <a:ln>
+                  <a:noFill/>
+                </a:ln>
+                <a:solidFill>
+                  <a:prstClr val="white"/>
+                </a:solidFill>
+                <a:effectLst/>
+                <a:uLnTx/>
+                <a:uFillTx/>
+                <a:latin typeface="맑은 고딕"/>
+                <a:ea typeface="+mn-ea"/>
+                <a:cs typeface="+mn-cs"/>
+              </a:rPr>
+              <a:t>Buffer3</a:t>
+            </a:r>
+            <a:endParaRPr kumimoji="0" lang="ko-KR" altLang="en-US" sz="900" b="0" i="0" u="none" strike="noStrike" kern="1200" cap="none" spc="0" normalizeH="0" baseline="0" noProof="0" dirty="0">
+              <a:ln>
+                <a:noFill/>
+              </a:ln>
+              <a:solidFill>
+                <a:prstClr val="white"/>
+              </a:solidFill>
+              <a:effectLst/>
+              <a:uLnTx/>
+              <a:uFillTx/>
+              <a:latin typeface="맑은 고딕"/>
+              <a:ea typeface="+mn-ea"/>
+              <a:cs typeface="+mn-cs"/>
+            </a:endParaRPr>
+          </a:p>
+        </p:txBody>
+      </p:sp>
+      <p:cxnSp>
+        <p:nvCxnSpPr>
+          <p:cNvPr id="31" name="직선 화살표 연결선 30">
+            <a:extLst>
+              <a:ext uri="{FF2B5EF4-FFF2-40B4-BE49-F238E27FC236}">
+                <a16:creationId xmlns:a16="http://schemas.microsoft.com/office/drawing/2014/main" id="{750BC9B1-4624-DAB2-8486-A6D1497DCC6C}"/>
+              </a:ext>
+            </a:extLst>
+          </p:cNvPr>
+          <p:cNvCxnSpPr>
+            <a:cxnSpLocks/>
+            <a:stCxn id="6" idx="3"/>
+            <a:endCxn id="12" idx="1"/>
+          </p:cNvCxnSpPr>
+          <p:nvPr/>
+        </p:nvCxnSpPr>
+        <p:spPr>
+          <a:xfrm>
+            <a:off x="3105541" y="967021"/>
+            <a:ext cx="313856" cy="1748"/>
+          </a:xfrm>
+          <a:prstGeom prst="straightConnector1">
+            <a:avLst/>
+          </a:prstGeom>
+          <a:ln w="25400">
+            <a:prstDash val="solid"/>
+            <a:headEnd type="diamond" w="lg" len="lg"/>
+            <a:tailEnd type="triangle" w="lg" len="lg"/>
+          </a:ln>
+        </p:spPr>
+        <p:style>
+          <a:lnRef idx="1">
+            <a:schemeClr val="accent1"/>
+          </a:lnRef>
+          <a:fillRef idx="0">
+            <a:schemeClr val="accent1"/>
+          </a:fillRef>
+          <a:effectRef idx="0">
+            <a:schemeClr val="accent1"/>
+          </a:effectRef>
+          <a:fontRef idx="minor">
+            <a:schemeClr val="tx1"/>
+          </a:fontRef>
+        </p:style>
+      </p:cxnSp>
+      <p:cxnSp>
+        <p:nvCxnSpPr>
+          <p:cNvPr id="32" name="직선 화살표 연결선 31">
+            <a:extLst>
+              <a:ext uri="{FF2B5EF4-FFF2-40B4-BE49-F238E27FC236}">
+                <a16:creationId xmlns:a16="http://schemas.microsoft.com/office/drawing/2014/main" id="{3A0113BF-7422-3D6B-8218-EAF3ACBADDC7}"/>
+              </a:ext>
+            </a:extLst>
+          </p:cNvPr>
+          <p:cNvCxnSpPr>
+            <a:cxnSpLocks/>
+            <a:stCxn id="12" idx="3"/>
+            <a:endCxn id="25" idx="1"/>
+          </p:cNvCxnSpPr>
+          <p:nvPr/>
+        </p:nvCxnSpPr>
+        <p:spPr>
+          <a:xfrm flipV="1">
+            <a:off x="3981869" y="967020"/>
+            <a:ext cx="316880" cy="1749"/>
+          </a:xfrm>
+          <a:prstGeom prst="straightConnector1">
+            <a:avLst/>
+          </a:prstGeom>
+          <a:ln w="25400">
+            <a:prstDash val="solid"/>
+            <a:headEnd type="diamond" w="lg" len="lg"/>
+            <a:tailEnd type="triangle" w="lg" len="lg"/>
+          </a:ln>
+        </p:spPr>
+        <p:style>
+          <a:lnRef idx="1">
+            <a:schemeClr val="accent1"/>
+          </a:lnRef>
+          <a:fillRef idx="0">
+            <a:schemeClr val="accent1"/>
+          </a:fillRef>
+          <a:effectRef idx="0">
+            <a:schemeClr val="accent1"/>
+          </a:effectRef>
+          <a:fontRef idx="minor">
+            <a:schemeClr val="tx1"/>
+          </a:fontRef>
+        </p:style>
+      </p:cxnSp>
+      <p:cxnSp>
+        <p:nvCxnSpPr>
+          <p:cNvPr id="33" name="직선 화살표 연결선 32">
+            <a:extLst>
+              <a:ext uri="{FF2B5EF4-FFF2-40B4-BE49-F238E27FC236}">
+                <a16:creationId xmlns:a16="http://schemas.microsoft.com/office/drawing/2014/main" id="{D7663098-EE92-0775-D9D8-58DECCC87FD2}"/>
+              </a:ext>
+            </a:extLst>
+          </p:cNvPr>
+          <p:cNvCxnSpPr>
+            <a:cxnSpLocks/>
+            <a:stCxn id="25" idx="3"/>
+            <a:endCxn id="30" idx="1"/>
+          </p:cNvCxnSpPr>
+          <p:nvPr/>
+        </p:nvCxnSpPr>
+        <p:spPr>
+          <a:xfrm>
+            <a:off x="4861221" y="967020"/>
+            <a:ext cx="267698" cy="0"/>
+          </a:xfrm>
+          <a:prstGeom prst="straightConnector1">
+            <a:avLst/>
+          </a:prstGeom>
+          <a:ln w="25400">
+            <a:prstDash val="solid"/>
+            <a:headEnd type="diamond" w="lg" len="lg"/>
+            <a:tailEnd type="triangle" w="lg" len="lg"/>
+          </a:ln>
+        </p:spPr>
+        <p:style>
+          <a:lnRef idx="1">
+            <a:schemeClr val="accent1"/>
+          </a:lnRef>
+          <a:fillRef idx="0">
+            <a:schemeClr val="accent1"/>
+          </a:fillRef>
+          <a:effectRef idx="0">
+            <a:schemeClr val="accent1"/>
+          </a:effectRef>
+          <a:fontRef idx="minor">
+            <a:schemeClr val="tx1"/>
+          </a:fontRef>
+        </p:style>
+      </p:cxnSp>
     </p:spTree>
     <p:extLst>
       <p:ext uri="{BB962C8B-B14F-4D97-AF65-F5344CB8AC3E}">
@@ -4870,10 +5145,10 @@
       </p:sp>
       <p:grpSp>
         <p:nvGrpSpPr>
-          <p:cNvPr id="4" name="그룹 3">
+          <p:cNvPr id="3" name="그룹 2">
             <a:extLst>
               <a:ext uri="{FF2B5EF4-FFF2-40B4-BE49-F238E27FC236}">
-                <a16:creationId xmlns:a16="http://schemas.microsoft.com/office/drawing/2014/main" id="{D580F37D-59D6-CDD9-949A-F7B83998E807}"/>
+                <a16:creationId xmlns:a16="http://schemas.microsoft.com/office/drawing/2014/main" id="{CEE3DD59-EBBC-88DA-44B2-DB1BACDB805A}"/>
               </a:ext>
             </a:extLst>
           </p:cNvPr>
@@ -7423,10 +7698,10 @@
       </p:sp>
       <p:grpSp>
         <p:nvGrpSpPr>
-          <p:cNvPr id="4" name="그룹 3">
+          <p:cNvPr id="3" name="그룹 2">
             <a:extLst>
               <a:ext uri="{FF2B5EF4-FFF2-40B4-BE49-F238E27FC236}">
-                <a16:creationId xmlns:a16="http://schemas.microsoft.com/office/drawing/2014/main" id="{4539E0A8-88EC-B60B-43EA-12BE91A98307}"/>
+                <a16:creationId xmlns:a16="http://schemas.microsoft.com/office/drawing/2014/main" id="{A5690175-D118-BD65-707B-8CC77ADBB22F}"/>
               </a:ext>
             </a:extLst>
           </p:cNvPr>
@@ -9976,10 +10251,10 @@
       </p:sp>
       <p:grpSp>
         <p:nvGrpSpPr>
-          <p:cNvPr id="4" name="그룹 3">
+          <p:cNvPr id="3" name="그룹 2">
             <a:extLst>
               <a:ext uri="{FF2B5EF4-FFF2-40B4-BE49-F238E27FC236}">
-                <a16:creationId xmlns:a16="http://schemas.microsoft.com/office/drawing/2014/main" id="{FE74478C-FA87-3870-23B2-DE9539C7BF6E}"/>
+                <a16:creationId xmlns:a16="http://schemas.microsoft.com/office/drawing/2014/main" id="{2DFE624F-1473-06EA-527A-EE87E569D66F}"/>
               </a:ext>
             </a:extLst>
           </p:cNvPr>
@@ -12529,10 +12804,10 @@
       </p:sp>
       <p:grpSp>
         <p:nvGrpSpPr>
-          <p:cNvPr id="4" name="그룹 3">
+          <p:cNvPr id="3" name="그룹 2">
             <a:extLst>
               <a:ext uri="{FF2B5EF4-FFF2-40B4-BE49-F238E27FC236}">
-                <a16:creationId xmlns:a16="http://schemas.microsoft.com/office/drawing/2014/main" id="{09CA765E-6296-2BA0-F474-7BDC98A0300B}"/>
+                <a16:creationId xmlns:a16="http://schemas.microsoft.com/office/drawing/2014/main" id="{D42C2551-CC6F-DF5C-CAC4-7B3EA216C131}"/>
               </a:ext>
             </a:extLst>
           </p:cNvPr>

--- a/DsDotNet/src/UnitTest/UnitTest.Model/ImportOfficeExample/Sample/Sub/Sub/Side.pptx
+++ b/DsDotNet/src/UnitTest/UnitTest.Model/ImportOfficeExample/Sample/Sub/Sub/Side.pptx
@@ -220,7 +220,7 @@
           <a:p>
             <a:fld id="{DD503887-5801-43A0-AEF9-041E8DDC2558}" type="datetimeFigureOut">
               <a:rPr lang="ko-KR" altLang="en-US" smtClean="0"/>
-              <a:t>2024-07-13</a:t>
+              <a:t>2024-07-14</a:t>
             </a:fld>
             <a:endParaRPr lang="ko-KR" altLang="en-US" dirty="0"/>
           </a:p>
@@ -397,7 +397,7 @@
           <a:p>
             <a:fld id="{95336A0E-57B1-4D4C-BD9B-2F72B5943464}" type="datetimeFigureOut">
               <a:rPr lang="ko-KR" altLang="en-US" smtClean="0"/>
-              <a:t>2024-07-13</a:t>
+              <a:t>2024-07-14</a:t>
             </a:fld>
             <a:endParaRPr lang="ko-KR" altLang="en-US" dirty="0"/>
           </a:p>
@@ -3378,399 +3378,6 @@
           </a:fontRef>
         </p:style>
       </p:cxnSp>
-      <p:grpSp>
-        <p:nvGrpSpPr>
-          <p:cNvPr id="37" name="그룹 36">
-            <a:extLst>
-              <a:ext uri="{FF2B5EF4-FFF2-40B4-BE49-F238E27FC236}">
-                <a16:creationId xmlns:a16="http://schemas.microsoft.com/office/drawing/2014/main" id="{CBEBF1EE-CD5F-72FF-4510-5091CF2255E8}"/>
-              </a:ext>
-            </a:extLst>
-          </p:cNvPr>
-          <p:cNvGrpSpPr/>
-          <p:nvPr/>
-        </p:nvGrpSpPr>
-        <p:grpSpPr>
-          <a:xfrm>
-            <a:off x="8688360" y="3507085"/>
-            <a:ext cx="1377615" cy="1708485"/>
-            <a:chOff x="8688360" y="3507085"/>
-            <a:chExt cx="1377615" cy="1708485"/>
-          </a:xfrm>
-        </p:grpSpPr>
-        <p:sp>
-          <p:nvSpPr>
-            <p:cNvPr id="14" name="직사각형 13">
-              <a:extLst>
-                <a:ext uri="{FF2B5EF4-FFF2-40B4-BE49-F238E27FC236}">
-                  <a16:creationId xmlns:a16="http://schemas.microsoft.com/office/drawing/2014/main" id="{19175967-22DC-C0ED-BC9E-523201E0F49E}"/>
-                </a:ext>
-              </a:extLst>
-            </p:cNvPr>
-            <p:cNvSpPr/>
-            <p:nvPr/>
-          </p:nvSpPr>
-          <p:spPr>
-            <a:xfrm>
-              <a:off x="8688360" y="3507085"/>
-              <a:ext cx="1377615" cy="1708485"/>
-            </a:xfrm>
-            <a:prstGeom prst="rect">
-              <a:avLst/>
-            </a:prstGeom>
-            <a:noFill/>
-            <a:ln w="28575" cap="flat" cmpd="sng" algn="ctr">
-              <a:solidFill>
-                <a:schemeClr val="accent4"/>
-              </a:solidFill>
-              <a:prstDash val="solid"/>
-              <a:round/>
-              <a:headEnd type="none" w="med" len="med"/>
-              <a:tailEnd type="none" w="med" len="med"/>
-            </a:ln>
-          </p:spPr>
-          <p:style>
-            <a:lnRef idx="0">
-              <a:scrgbClr r="0" g="0" b="0"/>
-            </a:lnRef>
-            <a:fillRef idx="0">
-              <a:scrgbClr r="0" g="0" b="0"/>
-            </a:fillRef>
-            <a:effectRef idx="0">
-              <a:scrgbClr r="0" g="0" b="0"/>
-            </a:effectRef>
-            <a:fontRef idx="minor">
-              <a:schemeClr val="accent4"/>
-            </a:fontRef>
-          </p:style>
-          <p:txBody>
-            <a:bodyPr rtlCol="0" anchor="b"/>
-            <a:lstStyle/>
-            <a:p>
-              <a:pPr marL="0" marR="0" lvl="0" indent="0" algn="r" defTabSz="914400" rtl="0" eaLnBrk="1" fontAlgn="auto" latinLnBrk="0" hangingPunct="1">
-                <a:lnSpc>
-                  <a:spcPct val="100000"/>
-                </a:lnSpc>
-                <a:spcBef>
-                  <a:spcPts val="0"/>
-                </a:spcBef>
-                <a:spcAft>
-                  <a:spcPts val="0"/>
-                </a:spcAft>
-                <a:buClrTx/>
-                <a:buSzTx/>
-                <a:buFontTx/>
-                <a:buNone/>
-                <a:tabLst/>
-                <a:defRPr/>
-              </a:pPr>
-              <a:r>
-                <a:rPr kumimoji="0" lang="en-US" altLang="ko-KR" sz="1000" b="0" i="0" u="none" strike="noStrike" kern="1200" cap="none" spc="0" normalizeH="0" baseline="0" noProof="0" dirty="0">
-                  <a:ln>
-                    <a:noFill/>
-                  </a:ln>
-                  <a:solidFill>
-                    <a:prstClr val="white"/>
-                  </a:solidFill>
-                  <a:effectLst/>
-                  <a:uLnTx/>
-                  <a:uFillTx/>
-                  <a:latin typeface="맑은 고딕"/>
-                  <a:ea typeface="+mn-ea"/>
-                  <a:cs typeface="+mn-cs"/>
-                </a:rPr>
-                <a:t>Unload</a:t>
-              </a:r>
-              <a:endParaRPr kumimoji="0" lang="ko-KR" altLang="en-US" sz="1000" b="0" i="0" u="none" strike="noStrike" kern="1200" cap="none" spc="0" normalizeH="0" baseline="0" noProof="0" dirty="0">
-                <a:ln>
-                  <a:noFill/>
-                </a:ln>
-                <a:solidFill>
-                  <a:prstClr val="white"/>
-                </a:solidFill>
-                <a:effectLst/>
-                <a:uLnTx/>
-                <a:uFillTx/>
-                <a:latin typeface="맑은 고딕"/>
-                <a:ea typeface="+mn-ea"/>
-                <a:cs typeface="+mn-cs"/>
-              </a:endParaRPr>
-            </a:p>
-          </p:txBody>
-        </p:sp>
-        <p:sp>
-          <p:nvSpPr>
-            <p:cNvPr id="15" name="타원 14">
-              <a:extLst>
-                <a:ext uri="{FF2B5EF4-FFF2-40B4-BE49-F238E27FC236}">
-                  <a16:creationId xmlns:a16="http://schemas.microsoft.com/office/drawing/2014/main" id="{52D41D3E-8B29-EF6A-AD88-4DFF03EFEFDE}"/>
-                </a:ext>
-              </a:extLst>
-            </p:cNvPr>
-            <p:cNvSpPr/>
-            <p:nvPr/>
-          </p:nvSpPr>
-          <p:spPr>
-            <a:xfrm>
-              <a:off x="8905336" y="3659701"/>
-              <a:ext cx="943664" cy="348380"/>
-            </a:xfrm>
-            <a:prstGeom prst="ellipse">
-              <a:avLst/>
-            </a:prstGeom>
-          </p:spPr>
-          <p:style>
-            <a:lnRef idx="2">
-              <a:schemeClr val="accent1">
-                <a:shade val="15000"/>
-              </a:schemeClr>
-            </a:lnRef>
-            <a:fillRef idx="1">
-              <a:schemeClr val="accent1"/>
-            </a:fillRef>
-            <a:effectRef idx="0">
-              <a:schemeClr val="accent1"/>
-            </a:effectRef>
-            <a:fontRef idx="minor">
-              <a:schemeClr val="lt1"/>
-            </a:fontRef>
-          </p:style>
-          <p:txBody>
-            <a:bodyPr rtlCol="0" anchor="ctr"/>
-            <a:lstStyle/>
-            <a:p>
-              <a:pPr algn="ctr"/>
-              <a:r>
-                <a:rPr lang="en-US" altLang="ko-KR" sz="800" dirty="0"/>
-                <a:t>RBT717</a:t>
-              </a:r>
-              <a:r>
-                <a:rPr lang="en-US" altLang="ko-KR" sz="700" dirty="0"/>
-                <a:t>.</a:t>
-              </a:r>
-            </a:p>
-            <a:p>
-              <a:pPr algn="ctr"/>
-              <a:r>
-                <a:rPr lang="en-US" altLang="ko-KR" sz="700" dirty="0"/>
-                <a:t>LOAD</a:t>
-              </a:r>
-              <a:endParaRPr lang="ko-KR" altLang="en-US" sz="700" dirty="0"/>
-            </a:p>
-          </p:txBody>
-        </p:sp>
-        <p:sp>
-          <p:nvSpPr>
-            <p:cNvPr id="17" name="타원 16">
-              <a:extLst>
-                <a:ext uri="{FF2B5EF4-FFF2-40B4-BE49-F238E27FC236}">
-                  <a16:creationId xmlns:a16="http://schemas.microsoft.com/office/drawing/2014/main" id="{A46A441F-498D-DDA5-BF2A-C4DF5072134E}"/>
-                </a:ext>
-              </a:extLst>
-            </p:cNvPr>
-            <p:cNvSpPr/>
-            <p:nvPr/>
-          </p:nvSpPr>
-          <p:spPr>
-            <a:xfrm>
-              <a:off x="8905336" y="4699184"/>
-              <a:ext cx="943664" cy="348380"/>
-            </a:xfrm>
-            <a:prstGeom prst="ellipse">
-              <a:avLst/>
-            </a:prstGeom>
-          </p:spPr>
-          <p:style>
-            <a:lnRef idx="2">
-              <a:schemeClr val="accent1">
-                <a:shade val="15000"/>
-              </a:schemeClr>
-            </a:lnRef>
-            <a:fillRef idx="1">
-              <a:schemeClr val="accent1"/>
-            </a:fillRef>
-            <a:effectRef idx="0">
-              <a:schemeClr val="accent1"/>
-            </a:effectRef>
-            <a:fontRef idx="minor">
-              <a:schemeClr val="lt1"/>
-            </a:fontRef>
-          </p:style>
-          <p:txBody>
-            <a:bodyPr rtlCol="0" anchor="ctr"/>
-            <a:lstStyle/>
-            <a:p>
-              <a:pPr algn="ctr"/>
-              <a:r>
-                <a:rPr lang="en-US" altLang="ko-KR" sz="800" dirty="0"/>
-                <a:t>RBT717</a:t>
-              </a:r>
-              <a:r>
-                <a:rPr lang="en-US" altLang="ko-KR" sz="700" dirty="0"/>
-                <a:t>.</a:t>
-              </a:r>
-            </a:p>
-            <a:p>
-              <a:pPr algn="ctr"/>
-              <a:r>
-                <a:rPr lang="en-US" altLang="ko-KR" sz="700" dirty="0"/>
-                <a:t>HOME</a:t>
-              </a:r>
-              <a:endParaRPr lang="ko-KR" altLang="en-US" sz="700" dirty="0"/>
-            </a:p>
-          </p:txBody>
-        </p:sp>
-        <p:sp>
-          <p:nvSpPr>
-            <p:cNvPr id="8" name="타원 7">
-              <a:extLst>
-                <a:ext uri="{FF2B5EF4-FFF2-40B4-BE49-F238E27FC236}">
-                  <a16:creationId xmlns:a16="http://schemas.microsoft.com/office/drawing/2014/main" id="{AFAD4592-8578-A894-4B34-62EC943DCB9F}"/>
-                </a:ext>
-              </a:extLst>
-            </p:cNvPr>
-            <p:cNvSpPr/>
-            <p:nvPr/>
-          </p:nvSpPr>
-          <p:spPr>
-            <a:xfrm>
-              <a:off x="8905336" y="4203452"/>
-              <a:ext cx="943664" cy="348380"/>
-            </a:xfrm>
-            <a:prstGeom prst="ellipse">
-              <a:avLst/>
-            </a:prstGeom>
-          </p:spPr>
-          <p:style>
-            <a:lnRef idx="2">
-              <a:schemeClr val="accent1">
-                <a:shade val="15000"/>
-              </a:schemeClr>
-            </a:lnRef>
-            <a:fillRef idx="1">
-              <a:schemeClr val="accent1"/>
-            </a:fillRef>
-            <a:effectRef idx="0">
-              <a:schemeClr val="accent1"/>
-            </a:effectRef>
-            <a:fontRef idx="minor">
-              <a:schemeClr val="lt1"/>
-            </a:fontRef>
-          </p:style>
-          <p:txBody>
-            <a:bodyPr rtlCol="0" anchor="ctr"/>
-            <a:lstStyle/>
-            <a:p>
-              <a:pPr algn="ctr"/>
-              <a:r>
-                <a:rPr lang="en-US" altLang="ko-KR" sz="800" dirty="0"/>
-                <a:t>RBT717</a:t>
-              </a:r>
-              <a:r>
-                <a:rPr lang="en-US" altLang="ko-KR" sz="700" dirty="0"/>
-                <a:t>.</a:t>
-              </a:r>
-            </a:p>
-            <a:p>
-              <a:pPr algn="ctr"/>
-              <a:r>
-                <a:rPr lang="en-US" altLang="ko-KR" sz="700" dirty="0"/>
-                <a:t>UNLOAD</a:t>
-              </a:r>
-            </a:p>
-          </p:txBody>
-        </p:sp>
-      </p:grpSp>
-      <p:cxnSp>
-        <p:nvCxnSpPr>
-          <p:cNvPr id="18" name="직선 화살표 연결선 17">
-            <a:extLst>
-              <a:ext uri="{FF2B5EF4-FFF2-40B4-BE49-F238E27FC236}">
-                <a16:creationId xmlns:a16="http://schemas.microsoft.com/office/drawing/2014/main" id="{4B3F5715-1A63-5454-E994-C93977323084}"/>
-              </a:ext>
-            </a:extLst>
-          </p:cNvPr>
-          <p:cNvCxnSpPr>
-            <a:cxnSpLocks/>
-            <a:stCxn id="15" idx="4"/>
-            <a:endCxn id="8" idx="0"/>
-          </p:cNvCxnSpPr>
-          <p:nvPr/>
-        </p:nvCxnSpPr>
-        <p:spPr>
-          <a:xfrm>
-            <a:off x="9377168" y="4008081"/>
-            <a:ext cx="0" cy="195371"/>
-          </a:xfrm>
-          <a:prstGeom prst="straightConnector1">
-            <a:avLst/>
-          </a:prstGeom>
-          <a:ln w="25400">
-            <a:prstDash val="solid"/>
-            <a:headEnd w="lg" len="lg"/>
-            <a:tailEnd type="triangle" w="lg" len="lg"/>
-          </a:ln>
-        </p:spPr>
-        <p:style>
-          <a:lnRef idx="1">
-            <a:schemeClr val="accent1"/>
-          </a:lnRef>
-          <a:fillRef idx="0">
-            <a:schemeClr val="accent1"/>
-          </a:fillRef>
-          <a:effectRef idx="0">
-            <a:schemeClr val="accent1"/>
-          </a:effectRef>
-          <a:fontRef idx="minor">
-            <a:schemeClr val="tx1"/>
-          </a:fontRef>
-        </p:style>
-      </p:cxnSp>
-      <p:cxnSp>
-        <p:nvCxnSpPr>
-          <p:cNvPr id="19" name="직선 화살표 연결선 18">
-            <a:extLst>
-              <a:ext uri="{FF2B5EF4-FFF2-40B4-BE49-F238E27FC236}">
-                <a16:creationId xmlns:a16="http://schemas.microsoft.com/office/drawing/2014/main" id="{06728434-BD88-C813-DC3A-D148D09DADA6}"/>
-              </a:ext>
-            </a:extLst>
-          </p:cNvPr>
-          <p:cNvCxnSpPr>
-            <a:cxnSpLocks/>
-            <a:stCxn id="8" idx="4"/>
-            <a:endCxn id="17" idx="0"/>
-          </p:cNvCxnSpPr>
-          <p:nvPr/>
-        </p:nvCxnSpPr>
-        <p:spPr>
-          <a:xfrm>
-            <a:off x="9377168" y="4551832"/>
-            <a:ext cx="0" cy="147352"/>
-          </a:xfrm>
-          <a:prstGeom prst="straightConnector1">
-            <a:avLst/>
-          </a:prstGeom>
-          <a:ln w="25400">
-            <a:prstDash val="solid"/>
-            <a:headEnd w="lg" len="lg"/>
-            <a:tailEnd type="triangle" w="lg" len="lg"/>
-          </a:ln>
-        </p:spPr>
-        <p:style>
-          <a:lnRef idx="1">
-            <a:schemeClr val="accent1"/>
-          </a:lnRef>
-          <a:fillRef idx="0">
-            <a:schemeClr val="accent1"/>
-          </a:fillRef>
-          <a:effectRef idx="0">
-            <a:schemeClr val="accent1"/>
-          </a:effectRef>
-          <a:fontRef idx="minor">
-            <a:schemeClr val="tx1"/>
-          </a:fontRef>
-        </p:style>
-      </p:cxnSp>
       <p:cxnSp>
         <p:nvCxnSpPr>
           <p:cNvPr id="24" name="연결선: 꺾임 23">
@@ -3783,14 +3390,14 @@
           <p:cNvCxnSpPr>
             <a:cxnSpLocks/>
             <a:stCxn id="190" idx="3"/>
-            <a:endCxn id="14" idx="0"/>
+            <a:endCxn id="20" idx="0"/>
           </p:cNvCxnSpPr>
           <p:nvPr/>
         </p:nvCxnSpPr>
         <p:spPr>
           <a:xfrm>
             <a:off x="7393876" y="3189630"/>
-            <a:ext cx="1983292" cy="317455"/>
+            <a:ext cx="2870531" cy="239370"/>
           </a:xfrm>
           <a:prstGeom prst="bentConnector2">
             <a:avLst/>
@@ -3816,71 +3423,6 @@
           </a:fontRef>
         </p:style>
       </p:cxnSp>
-      <p:sp>
-        <p:nvSpPr>
-          <p:cNvPr id="41" name="사각형: 모서리가 접힌 도형 40">
-            <a:extLst>
-              <a:ext uri="{FF2B5EF4-FFF2-40B4-BE49-F238E27FC236}">
-                <a16:creationId xmlns:a16="http://schemas.microsoft.com/office/drawing/2014/main" id="{86ADFB64-4516-D815-22B4-0454E6194154}"/>
-              </a:ext>
-            </a:extLst>
-          </p:cNvPr>
-          <p:cNvSpPr/>
-          <p:nvPr/>
-        </p:nvSpPr>
-        <p:spPr>
-          <a:xfrm>
-            <a:off x="358537" y="6046512"/>
-            <a:ext cx="1685035" cy="591039"/>
-          </a:xfrm>
-          <a:prstGeom prst="foldedCorner">
-            <a:avLst>
-              <a:gd name="adj" fmla="val 27487"/>
-            </a:avLst>
-          </a:prstGeom>
-          <a:solidFill>
-            <a:schemeClr val="accent3">
-              <a:alpha val="50000"/>
-            </a:schemeClr>
-          </a:solidFill>
-          <a:ln>
-            <a:noFill/>
-          </a:ln>
-        </p:spPr>
-        <p:style>
-          <a:lnRef idx="0">
-            <a:scrgbClr r="0" g="0" b="0"/>
-          </a:lnRef>
-          <a:fillRef idx="0">
-            <a:scrgbClr r="0" g="0" b="0"/>
-          </a:fillRef>
-          <a:effectRef idx="0">
-            <a:scrgbClr r="0" g="0" b="0"/>
-          </a:effectRef>
-          <a:fontRef idx="minor">
-            <a:schemeClr val="lt1"/>
-          </a:fontRef>
-        </p:style>
-        <p:txBody>
-          <a:bodyPr rtlCol="0" anchor="ctr"/>
-          <a:lstStyle/>
-          <a:p>
-            <a:pPr algn="ctr"/>
-            <a:r>
-              <a:rPr lang="en-US" altLang="ko-KR" sz="900" dirty="0"/>
-              <a:t>../../lib/Robot/Handling</a:t>
-            </a:r>
-          </a:p>
-          <a:p>
-            <a:pPr algn="ctr"/>
-            <a:r>
-              <a:rPr lang="en-US" altLang="ko-KR" sz="900" dirty="0"/>
-              <a:t>[RBT717]</a:t>
-            </a:r>
-            <a:endParaRPr lang="ko-KR" altLang="en-US" sz="900" dirty="0"/>
-          </a:p>
-        </p:txBody>
-      </p:sp>
       <p:sp>
         <p:nvSpPr>
           <p:cNvPr id="16" name="화살표: 오각형 15">
@@ -4217,282 +3759,6 @@
           </a:p>
         </p:txBody>
       </p:sp>
-      <p:sp>
-        <p:nvSpPr>
-          <p:cNvPr id="21" name="직사각형 20">
-            <a:extLst>
-              <a:ext uri="{FF2B5EF4-FFF2-40B4-BE49-F238E27FC236}">
-                <a16:creationId xmlns:a16="http://schemas.microsoft.com/office/drawing/2014/main" id="{76CDC13B-37E6-F54A-8CE3-9EBB94E23041}"/>
-              </a:ext>
-            </a:extLst>
-          </p:cNvPr>
-          <p:cNvSpPr/>
-          <p:nvPr/>
-        </p:nvSpPr>
-        <p:spPr>
-          <a:xfrm>
-            <a:off x="8692323" y="5659182"/>
-            <a:ext cx="1377615" cy="320406"/>
-          </a:xfrm>
-          <a:prstGeom prst="rect">
-            <a:avLst/>
-          </a:prstGeom>
-          <a:noFill/>
-          <a:ln w="28575" cap="flat" cmpd="sng" algn="ctr">
-            <a:solidFill>
-              <a:schemeClr val="accent4"/>
-            </a:solidFill>
-            <a:prstDash val="solid"/>
-            <a:round/>
-            <a:headEnd type="none" w="med" len="med"/>
-            <a:tailEnd type="none" w="med" len="med"/>
-          </a:ln>
-        </p:spPr>
-        <p:style>
-          <a:lnRef idx="0">
-            <a:scrgbClr r="0" g="0" b="0"/>
-          </a:lnRef>
-          <a:fillRef idx="0">
-            <a:scrgbClr r="0" g="0" b="0"/>
-          </a:fillRef>
-          <a:effectRef idx="0">
-            <a:scrgbClr r="0" g="0" b="0"/>
-          </a:effectRef>
-          <a:fontRef idx="minor">
-            <a:schemeClr val="accent4"/>
-          </a:fontRef>
-        </p:style>
-        <p:txBody>
-          <a:bodyPr rtlCol="0" anchor="b"/>
-          <a:lstStyle/>
-          <a:p>
-            <a:pPr marL="0" marR="0" lvl="0" indent="0" algn="r" defTabSz="914400" rtl="0" eaLnBrk="1" fontAlgn="auto" latinLnBrk="0" hangingPunct="1">
-              <a:lnSpc>
-                <a:spcPct val="100000"/>
-              </a:lnSpc>
-              <a:spcBef>
-                <a:spcPts val="0"/>
-              </a:spcBef>
-              <a:spcAft>
-                <a:spcPts val="0"/>
-              </a:spcAft>
-              <a:buClrTx/>
-              <a:buSzTx/>
-              <a:buFontTx/>
-              <a:buNone/>
-              <a:tabLst/>
-              <a:defRPr/>
-            </a:pPr>
-            <a:r>
-              <a:rPr lang="en-US" altLang="ko-KR" sz="1000" dirty="0">
-                <a:solidFill>
-                  <a:prstClr val="white"/>
-                </a:solidFill>
-                <a:latin typeface="맑은 고딕"/>
-              </a:rPr>
-              <a:t>UnloadClear</a:t>
-            </a:r>
-            <a:endParaRPr kumimoji="0" lang="ko-KR" altLang="en-US" sz="1000" b="0" i="0" u="none" strike="noStrike" kern="1200" cap="none" spc="0" normalizeH="0" baseline="0" noProof="0" dirty="0">
-              <a:ln>
-                <a:noFill/>
-              </a:ln>
-              <a:solidFill>
-                <a:prstClr val="white"/>
-              </a:solidFill>
-              <a:effectLst/>
-              <a:uLnTx/>
-              <a:uFillTx/>
-              <a:latin typeface="맑은 고딕"/>
-              <a:ea typeface="+mn-ea"/>
-              <a:cs typeface="+mn-cs"/>
-            </a:endParaRPr>
-          </a:p>
-        </p:txBody>
-      </p:sp>
-      <p:cxnSp>
-        <p:nvCxnSpPr>
-          <p:cNvPr id="23" name="직선 화살표 연결선 22">
-            <a:extLst>
-              <a:ext uri="{FF2B5EF4-FFF2-40B4-BE49-F238E27FC236}">
-                <a16:creationId xmlns:a16="http://schemas.microsoft.com/office/drawing/2014/main" id="{8698C3D7-D0EF-5411-709A-206246EC3DA5}"/>
-              </a:ext>
-            </a:extLst>
-          </p:cNvPr>
-          <p:cNvCxnSpPr>
-            <a:cxnSpLocks/>
-            <a:stCxn id="14" idx="2"/>
-            <a:endCxn id="21" idx="0"/>
-          </p:cNvCxnSpPr>
-          <p:nvPr/>
-        </p:nvCxnSpPr>
-        <p:spPr>
-          <a:xfrm>
-            <a:off x="9377168" y="5215570"/>
-            <a:ext cx="3963" cy="443612"/>
-          </a:xfrm>
-          <a:prstGeom prst="straightConnector1">
-            <a:avLst/>
-          </a:prstGeom>
-          <a:ln w="25400">
-            <a:prstDash val="dash"/>
-            <a:headEnd type="triangle" w="lg" len="lg"/>
-            <a:tailEnd type="none" w="lg" len="lg"/>
-          </a:ln>
-        </p:spPr>
-        <p:style>
-          <a:lnRef idx="1">
-            <a:schemeClr val="accent1"/>
-          </a:lnRef>
-          <a:fillRef idx="0">
-            <a:schemeClr val="accent1"/>
-          </a:fillRef>
-          <a:effectRef idx="0">
-            <a:schemeClr val="accent1"/>
-          </a:effectRef>
-          <a:fontRef idx="minor">
-            <a:schemeClr val="tx1"/>
-          </a:fontRef>
-        </p:style>
-      </p:cxnSp>
-      <p:sp>
-        <p:nvSpPr>
-          <p:cNvPr id="26" name="직사각형 25">
-            <a:extLst>
-              <a:ext uri="{FF2B5EF4-FFF2-40B4-BE49-F238E27FC236}">
-                <a16:creationId xmlns:a16="http://schemas.microsoft.com/office/drawing/2014/main" id="{715940D4-9FD3-0BCD-3495-7105CCA25FB6}"/>
-              </a:ext>
-            </a:extLst>
-          </p:cNvPr>
-          <p:cNvSpPr/>
-          <p:nvPr/>
-        </p:nvSpPr>
-        <p:spPr>
-          <a:xfrm>
-            <a:off x="8688359" y="6342031"/>
-            <a:ext cx="1377615" cy="320406"/>
-          </a:xfrm>
-          <a:prstGeom prst="rect">
-            <a:avLst/>
-          </a:prstGeom>
-          <a:noFill/>
-          <a:ln w="28575" cap="flat" cmpd="sng" algn="ctr">
-            <a:solidFill>
-              <a:schemeClr val="accent4"/>
-            </a:solidFill>
-            <a:prstDash val="solid"/>
-            <a:round/>
-            <a:headEnd type="none" w="med" len="med"/>
-            <a:tailEnd type="none" w="med" len="med"/>
-          </a:ln>
-        </p:spPr>
-        <p:style>
-          <a:lnRef idx="0">
-            <a:scrgbClr r="0" g="0" b="0"/>
-          </a:lnRef>
-          <a:fillRef idx="0">
-            <a:scrgbClr r="0" g="0" b="0"/>
-          </a:fillRef>
-          <a:effectRef idx="0">
-            <a:scrgbClr r="0" g="0" b="0"/>
-          </a:effectRef>
-          <a:fontRef idx="minor">
-            <a:schemeClr val="accent4"/>
-          </a:fontRef>
-        </p:style>
-        <p:txBody>
-          <a:bodyPr rtlCol="0" anchor="b"/>
-          <a:lstStyle/>
-          <a:p>
-            <a:pPr marL="0" marR="0" lvl="0" indent="0" algn="r" defTabSz="914400" rtl="0" eaLnBrk="1" fontAlgn="auto" latinLnBrk="0" hangingPunct="1">
-              <a:lnSpc>
-                <a:spcPct val="100000"/>
-              </a:lnSpc>
-              <a:spcBef>
-                <a:spcPts val="0"/>
-              </a:spcBef>
-              <a:spcAft>
-                <a:spcPts val="0"/>
-              </a:spcAft>
-              <a:buClrTx/>
-              <a:buSzTx/>
-              <a:buFontTx/>
-              <a:buNone/>
-              <a:tabLst/>
-              <a:defRPr/>
-            </a:pPr>
-            <a:r>
-              <a:rPr lang="en-US" altLang="ko-KR" sz="1000" dirty="0">
-                <a:solidFill>
-                  <a:prstClr val="white"/>
-                </a:solidFill>
-                <a:latin typeface="맑은 고딕"/>
-              </a:rPr>
-              <a:t>Clear</a:t>
-            </a:r>
-            <a:endParaRPr kumimoji="0" lang="ko-KR" altLang="en-US" sz="1000" b="0" i="0" u="none" strike="noStrike" kern="1200" cap="none" spc="0" normalizeH="0" baseline="0" noProof="0" dirty="0">
-              <a:ln>
-                <a:noFill/>
-              </a:ln>
-              <a:solidFill>
-                <a:prstClr val="white"/>
-              </a:solidFill>
-              <a:effectLst/>
-              <a:uLnTx/>
-              <a:uFillTx/>
-              <a:latin typeface="맑은 고딕"/>
-              <a:ea typeface="+mn-ea"/>
-              <a:cs typeface="+mn-cs"/>
-            </a:endParaRPr>
-          </a:p>
-        </p:txBody>
-      </p:sp>
-      <p:cxnSp>
-        <p:nvCxnSpPr>
-          <p:cNvPr id="29" name="연결선: 꺾임 28">
-            <a:extLst>
-              <a:ext uri="{FF2B5EF4-FFF2-40B4-BE49-F238E27FC236}">
-                <a16:creationId xmlns:a16="http://schemas.microsoft.com/office/drawing/2014/main" id="{9FD897A5-70E6-ABED-4D29-6B8BCF60AA45}"/>
-              </a:ext>
-            </a:extLst>
-          </p:cNvPr>
-          <p:cNvCxnSpPr>
-            <a:cxnSpLocks/>
-            <a:stCxn id="26" idx="0"/>
-            <a:endCxn id="21" idx="2"/>
-          </p:cNvCxnSpPr>
-          <p:nvPr/>
-        </p:nvCxnSpPr>
-        <p:spPr>
-          <a:xfrm rot="5400000" flipH="1" flipV="1">
-            <a:off x="9197928" y="6158828"/>
-            <a:ext cx="362443" cy="3964"/>
-          </a:xfrm>
-          <a:prstGeom prst="bentConnector3">
-            <a:avLst>
-              <a:gd name="adj1" fmla="val 50000"/>
-            </a:avLst>
-          </a:prstGeom>
-          <a:ln w="25400">
-            <a:prstDash val="dash"/>
-            <a:headEnd type="triangle" w="lg" len="lg"/>
-            <a:tailEnd type="diamond" w="lg" len="lg"/>
-          </a:ln>
-        </p:spPr>
-        <p:style>
-          <a:lnRef idx="1">
-            <a:schemeClr val="accent1"/>
-          </a:lnRef>
-          <a:fillRef idx="0">
-            <a:schemeClr val="accent1"/>
-          </a:fillRef>
-          <a:effectRef idx="0">
-            <a:schemeClr val="accent1"/>
-          </a:effectRef>
-          <a:fontRef idx="minor">
-            <a:schemeClr val="tx1"/>
-          </a:fontRef>
-        </p:style>
-      </p:cxnSp>
       <p:sp>
         <p:nvSpPr>
           <p:cNvPr id="6" name="직사각형 5">
@@ -5084,6 +4350,748 @@
           </a:fontRef>
         </p:style>
       </p:cxnSp>
+      <p:grpSp>
+        <p:nvGrpSpPr>
+          <p:cNvPr id="8" name="그룹 7">
+            <a:extLst>
+              <a:ext uri="{FF2B5EF4-FFF2-40B4-BE49-F238E27FC236}">
+                <a16:creationId xmlns:a16="http://schemas.microsoft.com/office/drawing/2014/main" id="{5581D1C6-643D-3710-77CE-C7B43BD12CEB}"/>
+              </a:ext>
+            </a:extLst>
+          </p:cNvPr>
+          <p:cNvGrpSpPr/>
+          <p:nvPr/>
+        </p:nvGrpSpPr>
+        <p:grpSpPr>
+          <a:xfrm>
+            <a:off x="9575599" y="3429000"/>
+            <a:ext cx="1377615" cy="1708485"/>
+            <a:chOff x="9575599" y="3429000"/>
+            <a:chExt cx="1377615" cy="1708485"/>
+          </a:xfrm>
+        </p:grpSpPr>
+        <p:sp>
+          <p:nvSpPr>
+            <p:cNvPr id="20" name="직사각형 19">
+              <a:extLst>
+                <a:ext uri="{FF2B5EF4-FFF2-40B4-BE49-F238E27FC236}">
+                  <a16:creationId xmlns:a16="http://schemas.microsoft.com/office/drawing/2014/main" id="{EA53B2D0-152C-D72D-E073-B8140B7D047B}"/>
+                </a:ext>
+              </a:extLst>
+            </p:cNvPr>
+            <p:cNvSpPr/>
+            <p:nvPr/>
+          </p:nvSpPr>
+          <p:spPr>
+            <a:xfrm>
+              <a:off x="9575599" y="3429000"/>
+              <a:ext cx="1377615" cy="1708485"/>
+            </a:xfrm>
+            <a:prstGeom prst="rect">
+              <a:avLst/>
+            </a:prstGeom>
+            <a:noFill/>
+            <a:ln w="28575" cap="flat" cmpd="sng" algn="ctr">
+              <a:solidFill>
+                <a:schemeClr val="accent4"/>
+              </a:solidFill>
+              <a:prstDash val="solid"/>
+              <a:round/>
+              <a:headEnd type="none" w="med" len="med"/>
+              <a:tailEnd type="none" w="med" len="med"/>
+            </a:ln>
+          </p:spPr>
+          <p:style>
+            <a:lnRef idx="0">
+              <a:scrgbClr r="0" g="0" b="0"/>
+            </a:lnRef>
+            <a:fillRef idx="0">
+              <a:scrgbClr r="0" g="0" b="0"/>
+            </a:fillRef>
+            <a:effectRef idx="0">
+              <a:scrgbClr r="0" g="0" b="0"/>
+            </a:effectRef>
+            <a:fontRef idx="minor">
+              <a:schemeClr val="accent4"/>
+            </a:fontRef>
+          </p:style>
+          <p:txBody>
+            <a:bodyPr rtlCol="0" anchor="b"/>
+            <a:lstStyle/>
+            <a:p>
+              <a:pPr marL="0" marR="0" lvl="0" indent="0" algn="r" defTabSz="914400" rtl="0" eaLnBrk="1" fontAlgn="auto" latinLnBrk="0" hangingPunct="1">
+                <a:lnSpc>
+                  <a:spcPct val="100000"/>
+                </a:lnSpc>
+                <a:spcBef>
+                  <a:spcPts val="0"/>
+                </a:spcBef>
+                <a:spcAft>
+                  <a:spcPts val="0"/>
+                </a:spcAft>
+                <a:buClrTx/>
+                <a:buSzTx/>
+                <a:buFontTx/>
+                <a:buNone/>
+                <a:tabLst/>
+                <a:defRPr/>
+              </a:pPr>
+              <a:r>
+                <a:rPr kumimoji="0" lang="en-US" altLang="ko-KR" sz="1000" b="0" i="0" u="none" strike="noStrike" kern="1200" cap="none" spc="0" normalizeH="0" baseline="0" noProof="0" dirty="0">
+                  <a:ln>
+                    <a:noFill/>
+                  </a:ln>
+                  <a:solidFill>
+                    <a:prstClr val="white"/>
+                  </a:solidFill>
+                  <a:effectLst/>
+                  <a:uLnTx/>
+                  <a:uFillTx/>
+                  <a:latin typeface="맑은 고딕"/>
+                  <a:ea typeface="+mn-ea"/>
+                  <a:cs typeface="+mn-cs"/>
+                </a:rPr>
+                <a:t>Unload</a:t>
+              </a:r>
+              <a:endParaRPr kumimoji="0" lang="ko-KR" altLang="en-US" sz="1000" b="0" i="0" u="none" strike="noStrike" kern="1200" cap="none" spc="0" normalizeH="0" baseline="0" noProof="0" dirty="0">
+                <a:ln>
+                  <a:noFill/>
+                </a:ln>
+                <a:solidFill>
+                  <a:prstClr val="white"/>
+                </a:solidFill>
+                <a:effectLst/>
+                <a:uLnTx/>
+                <a:uFillTx/>
+                <a:latin typeface="맑은 고딕"/>
+                <a:ea typeface="+mn-ea"/>
+                <a:cs typeface="+mn-cs"/>
+              </a:endParaRPr>
+            </a:p>
+          </p:txBody>
+        </p:sp>
+        <p:sp>
+          <p:nvSpPr>
+            <p:cNvPr id="22" name="타원 21">
+              <a:extLst>
+                <a:ext uri="{FF2B5EF4-FFF2-40B4-BE49-F238E27FC236}">
+                  <a16:creationId xmlns:a16="http://schemas.microsoft.com/office/drawing/2014/main" id="{BDF97F84-4CD8-2F4A-401D-3F9003D6BA5B}"/>
+                </a:ext>
+              </a:extLst>
+            </p:cNvPr>
+            <p:cNvSpPr/>
+            <p:nvPr/>
+          </p:nvSpPr>
+          <p:spPr>
+            <a:xfrm>
+              <a:off x="9709245" y="3581616"/>
+              <a:ext cx="1110324" cy="348380"/>
+            </a:xfrm>
+            <a:prstGeom prst="ellipse">
+              <a:avLst/>
+            </a:prstGeom>
+          </p:spPr>
+          <p:style>
+            <a:lnRef idx="2">
+              <a:schemeClr val="accent1">
+                <a:shade val="15000"/>
+              </a:schemeClr>
+            </a:lnRef>
+            <a:fillRef idx="1">
+              <a:schemeClr val="accent1"/>
+            </a:fillRef>
+            <a:effectRef idx="0">
+              <a:schemeClr val="accent1"/>
+            </a:effectRef>
+            <a:fontRef idx="minor">
+              <a:schemeClr val="lt1"/>
+            </a:fontRef>
+          </p:style>
+          <p:txBody>
+            <a:bodyPr rtlCol="0" anchor="ctr"/>
+            <a:lstStyle/>
+            <a:p>
+              <a:pPr algn="ctr"/>
+              <a:r>
+                <a:rPr lang="en-US" altLang="ko-KR" sz="800" dirty="0"/>
+                <a:t>RBT717</a:t>
+              </a:r>
+              <a:r>
+                <a:rPr lang="en-US" altLang="ko-KR" sz="700" dirty="0"/>
+                <a:t>.</a:t>
+              </a:r>
+            </a:p>
+            <a:p>
+              <a:pPr algn="ctr"/>
+              <a:r>
+                <a:rPr lang="en-US" altLang="ko-KR" sz="800" dirty="0"/>
+                <a:t>IN_OK_1</a:t>
+              </a:r>
+              <a:r>
+                <a:rPr lang="en-US" altLang="ko-KR" sz="800" baseline="30000" dirty="0"/>
+                <a:t>ST</a:t>
+              </a:r>
+              <a:r>
+                <a:rPr lang="en-US" altLang="ko-KR" sz="800" dirty="0"/>
+                <a:t>_A</a:t>
+              </a:r>
+            </a:p>
+          </p:txBody>
+        </p:sp>
+        <p:sp>
+          <p:nvSpPr>
+            <p:cNvPr id="27" name="타원 26">
+              <a:extLst>
+                <a:ext uri="{FF2B5EF4-FFF2-40B4-BE49-F238E27FC236}">
+                  <a16:creationId xmlns:a16="http://schemas.microsoft.com/office/drawing/2014/main" id="{86A7A2CA-5500-414B-4D64-54B52F258102}"/>
+                </a:ext>
+              </a:extLst>
+            </p:cNvPr>
+            <p:cNvSpPr/>
+            <p:nvPr/>
+          </p:nvSpPr>
+          <p:spPr>
+            <a:xfrm>
+              <a:off x="9670318" y="4621099"/>
+              <a:ext cx="1188178" cy="348380"/>
+            </a:xfrm>
+            <a:prstGeom prst="ellipse">
+              <a:avLst/>
+            </a:prstGeom>
+          </p:spPr>
+          <p:style>
+            <a:lnRef idx="2">
+              <a:schemeClr val="accent1">
+                <a:shade val="15000"/>
+              </a:schemeClr>
+            </a:lnRef>
+            <a:fillRef idx="1">
+              <a:schemeClr val="accent1"/>
+            </a:fillRef>
+            <a:effectRef idx="0">
+              <a:schemeClr val="accent1"/>
+            </a:effectRef>
+            <a:fontRef idx="minor">
+              <a:schemeClr val="lt1"/>
+            </a:fontRef>
+          </p:style>
+          <p:txBody>
+            <a:bodyPr rtlCol="0" anchor="ctr"/>
+            <a:lstStyle/>
+            <a:p>
+              <a:pPr algn="ctr"/>
+              <a:r>
+                <a:rPr lang="en-US" altLang="ko-KR" sz="800" dirty="0"/>
+                <a:t>RBT717.</a:t>
+              </a:r>
+            </a:p>
+            <a:p>
+              <a:pPr algn="ctr"/>
+              <a:r>
+                <a:rPr lang="en-US" altLang="ko-KR" sz="800" dirty="0"/>
+                <a:t>WORK_COMP_RST</a:t>
+              </a:r>
+              <a:endParaRPr lang="ko-KR" altLang="en-US" sz="800" dirty="0"/>
+            </a:p>
+          </p:txBody>
+        </p:sp>
+        <p:sp>
+          <p:nvSpPr>
+            <p:cNvPr id="35" name="타원 34">
+              <a:extLst>
+                <a:ext uri="{FF2B5EF4-FFF2-40B4-BE49-F238E27FC236}">
+                  <a16:creationId xmlns:a16="http://schemas.microsoft.com/office/drawing/2014/main" id="{2481807A-5590-0AFC-2CDB-9620EA07299F}"/>
+                </a:ext>
+              </a:extLst>
+            </p:cNvPr>
+            <p:cNvSpPr/>
+            <p:nvPr/>
+          </p:nvSpPr>
+          <p:spPr>
+            <a:xfrm>
+              <a:off x="9709245" y="4125367"/>
+              <a:ext cx="1110324" cy="348380"/>
+            </a:xfrm>
+            <a:prstGeom prst="ellipse">
+              <a:avLst/>
+            </a:prstGeom>
+          </p:spPr>
+          <p:style>
+            <a:lnRef idx="2">
+              <a:schemeClr val="accent1">
+                <a:shade val="15000"/>
+              </a:schemeClr>
+            </a:lnRef>
+            <a:fillRef idx="1">
+              <a:schemeClr val="accent1"/>
+            </a:fillRef>
+            <a:effectRef idx="0">
+              <a:schemeClr val="accent1"/>
+            </a:effectRef>
+            <a:fontRef idx="minor">
+              <a:schemeClr val="lt1"/>
+            </a:fontRef>
+          </p:style>
+          <p:txBody>
+            <a:bodyPr rtlCol="0" anchor="ctr"/>
+            <a:lstStyle/>
+            <a:p>
+              <a:pPr algn="ctr"/>
+              <a:r>
+                <a:rPr lang="en-US" altLang="ko-KR" sz="800" dirty="0"/>
+                <a:t>RBT717</a:t>
+              </a:r>
+              <a:r>
+                <a:rPr lang="en-US" altLang="ko-KR" sz="700" dirty="0"/>
+                <a:t>.</a:t>
+              </a:r>
+            </a:p>
+            <a:p>
+              <a:pPr algn="ctr"/>
+              <a:r>
+                <a:rPr lang="en-US" altLang="ko-KR" sz="800" dirty="0"/>
+                <a:t>IN_OK_2</a:t>
+              </a:r>
+              <a:r>
+                <a:rPr lang="en-US" altLang="ko-KR" sz="800" baseline="30000" dirty="0"/>
+                <a:t>nd</a:t>
+              </a:r>
+              <a:endParaRPr lang="en-US" altLang="ko-KR" sz="700" dirty="0"/>
+            </a:p>
+          </p:txBody>
+        </p:sp>
+      </p:grpSp>
+      <p:cxnSp>
+        <p:nvCxnSpPr>
+          <p:cNvPr id="36" name="직선 화살표 연결선 35">
+            <a:extLst>
+              <a:ext uri="{FF2B5EF4-FFF2-40B4-BE49-F238E27FC236}">
+                <a16:creationId xmlns:a16="http://schemas.microsoft.com/office/drawing/2014/main" id="{0FA60495-FFD0-BCE0-532A-198738258CC9}"/>
+              </a:ext>
+            </a:extLst>
+          </p:cNvPr>
+          <p:cNvCxnSpPr>
+            <a:cxnSpLocks/>
+            <a:stCxn id="22" idx="4"/>
+            <a:endCxn id="35" idx="0"/>
+          </p:cNvCxnSpPr>
+          <p:nvPr/>
+        </p:nvCxnSpPr>
+        <p:spPr>
+          <a:xfrm>
+            <a:off x="10264407" y="3929996"/>
+            <a:ext cx="0" cy="195371"/>
+          </a:xfrm>
+          <a:prstGeom prst="straightConnector1">
+            <a:avLst/>
+          </a:prstGeom>
+          <a:ln w="25400">
+            <a:prstDash val="solid"/>
+            <a:headEnd w="lg" len="lg"/>
+            <a:tailEnd type="triangle" w="lg" len="lg"/>
+          </a:ln>
+        </p:spPr>
+        <p:style>
+          <a:lnRef idx="1">
+            <a:schemeClr val="accent1"/>
+          </a:lnRef>
+          <a:fillRef idx="0">
+            <a:schemeClr val="accent1"/>
+          </a:fillRef>
+          <a:effectRef idx="0">
+            <a:schemeClr val="accent1"/>
+          </a:effectRef>
+          <a:fontRef idx="minor">
+            <a:schemeClr val="tx1"/>
+          </a:fontRef>
+        </p:style>
+      </p:cxnSp>
+      <p:cxnSp>
+        <p:nvCxnSpPr>
+          <p:cNvPr id="38" name="직선 화살표 연결선 37">
+            <a:extLst>
+              <a:ext uri="{FF2B5EF4-FFF2-40B4-BE49-F238E27FC236}">
+                <a16:creationId xmlns:a16="http://schemas.microsoft.com/office/drawing/2014/main" id="{0B28F94E-F07D-0080-E69F-59135091DC4B}"/>
+              </a:ext>
+            </a:extLst>
+          </p:cNvPr>
+          <p:cNvCxnSpPr>
+            <a:cxnSpLocks/>
+            <a:stCxn id="35" idx="4"/>
+            <a:endCxn id="27" idx="0"/>
+          </p:cNvCxnSpPr>
+          <p:nvPr/>
+        </p:nvCxnSpPr>
+        <p:spPr>
+          <a:xfrm>
+            <a:off x="10264407" y="4473747"/>
+            <a:ext cx="0" cy="147352"/>
+          </a:xfrm>
+          <a:prstGeom prst="straightConnector1">
+            <a:avLst/>
+          </a:prstGeom>
+          <a:ln w="25400">
+            <a:prstDash val="solid"/>
+            <a:headEnd w="lg" len="lg"/>
+            <a:tailEnd type="triangle" w="lg" len="lg"/>
+          </a:ln>
+        </p:spPr>
+        <p:style>
+          <a:lnRef idx="1">
+            <a:schemeClr val="accent1"/>
+          </a:lnRef>
+          <a:fillRef idx="0">
+            <a:schemeClr val="accent1"/>
+          </a:fillRef>
+          <a:effectRef idx="0">
+            <a:schemeClr val="accent1"/>
+          </a:effectRef>
+          <a:fontRef idx="minor">
+            <a:schemeClr val="tx1"/>
+          </a:fontRef>
+        </p:style>
+      </p:cxnSp>
+      <p:sp>
+        <p:nvSpPr>
+          <p:cNvPr id="39" name="직사각형 38">
+            <a:extLst>
+              <a:ext uri="{FF2B5EF4-FFF2-40B4-BE49-F238E27FC236}">
+                <a16:creationId xmlns:a16="http://schemas.microsoft.com/office/drawing/2014/main" id="{E122A388-4600-7C7A-0C6F-93514B1961B0}"/>
+              </a:ext>
+            </a:extLst>
+          </p:cNvPr>
+          <p:cNvSpPr/>
+          <p:nvPr/>
+        </p:nvSpPr>
+        <p:spPr>
+          <a:xfrm>
+            <a:off x="9575597" y="5558375"/>
+            <a:ext cx="1377615" cy="320406"/>
+          </a:xfrm>
+          <a:prstGeom prst="rect">
+            <a:avLst/>
+          </a:prstGeom>
+          <a:noFill/>
+          <a:ln w="28575" cap="flat" cmpd="sng" algn="ctr">
+            <a:solidFill>
+              <a:schemeClr val="accent4"/>
+            </a:solidFill>
+            <a:prstDash val="solid"/>
+            <a:round/>
+            <a:headEnd type="none" w="med" len="med"/>
+            <a:tailEnd type="none" w="med" len="med"/>
+          </a:ln>
+        </p:spPr>
+        <p:style>
+          <a:lnRef idx="0">
+            <a:scrgbClr r="0" g="0" b="0"/>
+          </a:lnRef>
+          <a:fillRef idx="0">
+            <a:scrgbClr r="0" g="0" b="0"/>
+          </a:fillRef>
+          <a:effectRef idx="0">
+            <a:scrgbClr r="0" g="0" b="0"/>
+          </a:effectRef>
+          <a:fontRef idx="minor">
+            <a:schemeClr val="accent4"/>
+          </a:fontRef>
+        </p:style>
+        <p:txBody>
+          <a:bodyPr rtlCol="0" anchor="b"/>
+          <a:lstStyle/>
+          <a:p>
+            <a:pPr marL="0" marR="0" lvl="0" indent="0" algn="r" defTabSz="914400" rtl="0" eaLnBrk="1" fontAlgn="auto" latinLnBrk="0" hangingPunct="1">
+              <a:lnSpc>
+                <a:spcPct val="100000"/>
+              </a:lnSpc>
+              <a:spcBef>
+                <a:spcPts val="0"/>
+              </a:spcBef>
+              <a:spcAft>
+                <a:spcPts val="0"/>
+              </a:spcAft>
+              <a:buClrTx/>
+              <a:buSzTx/>
+              <a:buFontTx/>
+              <a:buNone/>
+              <a:tabLst/>
+              <a:defRPr/>
+            </a:pPr>
+            <a:r>
+              <a:rPr lang="en-US" altLang="ko-KR" sz="1000" dirty="0">
+                <a:solidFill>
+                  <a:prstClr val="white"/>
+                </a:solidFill>
+                <a:latin typeface="맑은 고딕"/>
+              </a:rPr>
+              <a:t>UnloadClear</a:t>
+            </a:r>
+            <a:endParaRPr kumimoji="0" lang="ko-KR" altLang="en-US" sz="1000" b="0" i="0" u="none" strike="noStrike" kern="1200" cap="none" spc="0" normalizeH="0" baseline="0" noProof="0" dirty="0">
+              <a:ln>
+                <a:noFill/>
+              </a:ln>
+              <a:solidFill>
+                <a:prstClr val="white"/>
+              </a:solidFill>
+              <a:effectLst/>
+              <a:uLnTx/>
+              <a:uFillTx/>
+              <a:latin typeface="맑은 고딕"/>
+              <a:ea typeface="+mn-ea"/>
+              <a:cs typeface="+mn-cs"/>
+            </a:endParaRPr>
+          </a:p>
+        </p:txBody>
+      </p:sp>
+      <p:cxnSp>
+        <p:nvCxnSpPr>
+          <p:cNvPr id="40" name="직선 화살표 연결선 39">
+            <a:extLst>
+              <a:ext uri="{FF2B5EF4-FFF2-40B4-BE49-F238E27FC236}">
+                <a16:creationId xmlns:a16="http://schemas.microsoft.com/office/drawing/2014/main" id="{9840E2BD-3FA8-CC3D-BBD2-B97552F7E6BA}"/>
+              </a:ext>
+            </a:extLst>
+          </p:cNvPr>
+          <p:cNvCxnSpPr>
+            <a:cxnSpLocks/>
+            <a:stCxn id="20" idx="2"/>
+            <a:endCxn id="39" idx="0"/>
+          </p:cNvCxnSpPr>
+          <p:nvPr/>
+        </p:nvCxnSpPr>
+        <p:spPr>
+          <a:xfrm flipH="1">
+            <a:off x="10264405" y="5137485"/>
+            <a:ext cx="2" cy="420890"/>
+          </a:xfrm>
+          <a:prstGeom prst="straightConnector1">
+            <a:avLst/>
+          </a:prstGeom>
+          <a:ln w="25400">
+            <a:prstDash val="dash"/>
+            <a:headEnd type="triangle" w="lg" len="lg"/>
+            <a:tailEnd type="none" w="lg" len="lg"/>
+          </a:ln>
+        </p:spPr>
+        <p:style>
+          <a:lnRef idx="1">
+            <a:schemeClr val="accent1"/>
+          </a:lnRef>
+          <a:fillRef idx="0">
+            <a:schemeClr val="accent1"/>
+          </a:fillRef>
+          <a:effectRef idx="0">
+            <a:schemeClr val="accent1"/>
+          </a:effectRef>
+          <a:fontRef idx="minor">
+            <a:schemeClr val="tx1"/>
+          </a:fontRef>
+        </p:style>
+      </p:cxnSp>
+      <p:sp>
+        <p:nvSpPr>
+          <p:cNvPr id="42" name="직사각형 41">
+            <a:extLst>
+              <a:ext uri="{FF2B5EF4-FFF2-40B4-BE49-F238E27FC236}">
+                <a16:creationId xmlns:a16="http://schemas.microsoft.com/office/drawing/2014/main" id="{FBA3F5A1-D3FE-8B83-B75E-F2812DA2C00E}"/>
+              </a:ext>
+            </a:extLst>
+          </p:cNvPr>
+          <p:cNvSpPr/>
+          <p:nvPr/>
+        </p:nvSpPr>
+        <p:spPr>
+          <a:xfrm>
+            <a:off x="9575598" y="6263946"/>
+            <a:ext cx="1377615" cy="320406"/>
+          </a:xfrm>
+          <a:prstGeom prst="rect">
+            <a:avLst/>
+          </a:prstGeom>
+          <a:noFill/>
+          <a:ln w="28575" cap="flat" cmpd="sng" algn="ctr">
+            <a:solidFill>
+              <a:schemeClr val="accent4"/>
+            </a:solidFill>
+            <a:prstDash val="solid"/>
+            <a:round/>
+            <a:headEnd type="none" w="med" len="med"/>
+            <a:tailEnd type="none" w="med" len="med"/>
+          </a:ln>
+        </p:spPr>
+        <p:style>
+          <a:lnRef idx="0">
+            <a:scrgbClr r="0" g="0" b="0"/>
+          </a:lnRef>
+          <a:fillRef idx="0">
+            <a:scrgbClr r="0" g="0" b="0"/>
+          </a:fillRef>
+          <a:effectRef idx="0">
+            <a:scrgbClr r="0" g="0" b="0"/>
+          </a:effectRef>
+          <a:fontRef idx="minor">
+            <a:schemeClr val="accent4"/>
+          </a:fontRef>
+        </p:style>
+        <p:txBody>
+          <a:bodyPr rtlCol="0" anchor="b"/>
+          <a:lstStyle/>
+          <a:p>
+            <a:pPr marL="0" marR="0" lvl="0" indent="0" algn="r" defTabSz="914400" rtl="0" eaLnBrk="1" fontAlgn="auto" latinLnBrk="0" hangingPunct="1">
+              <a:lnSpc>
+                <a:spcPct val="100000"/>
+              </a:lnSpc>
+              <a:spcBef>
+                <a:spcPts val="0"/>
+              </a:spcBef>
+              <a:spcAft>
+                <a:spcPts val="0"/>
+              </a:spcAft>
+              <a:buClrTx/>
+              <a:buSzTx/>
+              <a:buFontTx/>
+              <a:buNone/>
+              <a:tabLst/>
+              <a:defRPr/>
+            </a:pPr>
+            <a:r>
+              <a:rPr lang="en-US" altLang="ko-KR" sz="1000" dirty="0">
+                <a:solidFill>
+                  <a:prstClr val="white"/>
+                </a:solidFill>
+                <a:latin typeface="맑은 고딕"/>
+              </a:rPr>
+              <a:t>Clear</a:t>
+            </a:r>
+            <a:endParaRPr kumimoji="0" lang="ko-KR" altLang="en-US" sz="1000" b="0" i="0" u="none" strike="noStrike" kern="1200" cap="none" spc="0" normalizeH="0" baseline="0" noProof="0" dirty="0">
+              <a:ln>
+                <a:noFill/>
+              </a:ln>
+              <a:solidFill>
+                <a:prstClr val="white"/>
+              </a:solidFill>
+              <a:effectLst/>
+              <a:uLnTx/>
+              <a:uFillTx/>
+              <a:latin typeface="맑은 고딕"/>
+              <a:ea typeface="+mn-ea"/>
+              <a:cs typeface="+mn-cs"/>
+            </a:endParaRPr>
+          </a:p>
+        </p:txBody>
+      </p:sp>
+      <p:cxnSp>
+        <p:nvCxnSpPr>
+          <p:cNvPr id="43" name="연결선: 꺾임 42">
+            <a:extLst>
+              <a:ext uri="{FF2B5EF4-FFF2-40B4-BE49-F238E27FC236}">
+                <a16:creationId xmlns:a16="http://schemas.microsoft.com/office/drawing/2014/main" id="{D05A08B3-F666-5366-F9E6-1A6C81C37FD5}"/>
+              </a:ext>
+            </a:extLst>
+          </p:cNvPr>
+          <p:cNvCxnSpPr>
+            <a:cxnSpLocks/>
+            <a:stCxn id="42" idx="0"/>
+            <a:endCxn id="39" idx="2"/>
+          </p:cNvCxnSpPr>
+          <p:nvPr/>
+        </p:nvCxnSpPr>
+        <p:spPr>
+          <a:xfrm rot="16200000" flipV="1">
+            <a:off x="10071824" y="6071363"/>
+            <a:ext cx="385165" cy="1"/>
+          </a:xfrm>
+          <a:prstGeom prst="bentConnector3">
+            <a:avLst>
+              <a:gd name="adj1" fmla="val 50000"/>
+            </a:avLst>
+          </a:prstGeom>
+          <a:ln w="25400">
+            <a:prstDash val="dash"/>
+            <a:headEnd type="triangle" w="lg" len="lg"/>
+            <a:tailEnd type="diamond" w="lg" len="lg"/>
+          </a:ln>
+        </p:spPr>
+        <p:style>
+          <a:lnRef idx="1">
+            <a:schemeClr val="accent1"/>
+          </a:lnRef>
+          <a:fillRef idx="0">
+            <a:schemeClr val="accent1"/>
+          </a:fillRef>
+          <a:effectRef idx="0">
+            <a:schemeClr val="accent1"/>
+          </a:effectRef>
+          <a:fontRef idx="minor">
+            <a:schemeClr val="tx1"/>
+          </a:fontRef>
+        </p:style>
+      </p:cxnSp>
+      <p:sp>
+        <p:nvSpPr>
+          <p:cNvPr id="46" name="사각형: 모서리가 접힌 도형 45">
+            <a:extLst>
+              <a:ext uri="{FF2B5EF4-FFF2-40B4-BE49-F238E27FC236}">
+                <a16:creationId xmlns:a16="http://schemas.microsoft.com/office/drawing/2014/main" id="{40C6666E-CE8A-04FF-863B-3DF94C348E6A}"/>
+              </a:ext>
+            </a:extLst>
+          </p:cNvPr>
+          <p:cNvSpPr/>
+          <p:nvPr/>
+        </p:nvSpPr>
+        <p:spPr>
+          <a:xfrm>
+            <a:off x="358537" y="6046512"/>
+            <a:ext cx="1685035" cy="591039"/>
+          </a:xfrm>
+          <a:prstGeom prst="foldedCorner">
+            <a:avLst>
+              <a:gd name="adj" fmla="val 27487"/>
+            </a:avLst>
+          </a:prstGeom>
+          <a:solidFill>
+            <a:schemeClr val="accent3">
+              <a:alpha val="50000"/>
+            </a:schemeClr>
+          </a:solidFill>
+          <a:ln>
+            <a:noFill/>
+          </a:ln>
+        </p:spPr>
+        <p:style>
+          <a:lnRef idx="0">
+            <a:scrgbClr r="0" g="0" b="0"/>
+          </a:lnRef>
+          <a:fillRef idx="0">
+            <a:scrgbClr r="0" g="0" b="0"/>
+          </a:fillRef>
+          <a:effectRef idx="0">
+            <a:scrgbClr r="0" g="0" b="0"/>
+          </a:effectRef>
+          <a:fontRef idx="minor">
+            <a:schemeClr val="lt1"/>
+          </a:fontRef>
+        </p:style>
+        <p:txBody>
+          <a:bodyPr rtlCol="0" anchor="ctr"/>
+          <a:lstStyle/>
+          <a:p>
+            <a:pPr algn="ctr"/>
+            <a:r>
+              <a:rPr lang="en-US" altLang="ko-KR" sz="900" dirty="0"/>
+              <a:t>sub/Robot</a:t>
+            </a:r>
+          </a:p>
+          <a:p>
+            <a:pPr algn="ctr"/>
+            <a:r>
+              <a:rPr lang="en-US" altLang="ko-KR" sz="900" dirty="0"/>
+              <a:t>[RBT717]</a:t>
+            </a:r>
+            <a:endParaRPr lang="ko-KR" altLang="en-US" sz="900" dirty="0"/>
+          </a:p>
+        </p:txBody>
+      </p:sp>
     </p:spTree>
     <p:extLst>
       <p:ext uri="{BB962C8B-B14F-4D97-AF65-F5344CB8AC3E}">
@@ -5148,7 +5156,7 @@
           <p:cNvPr id="3" name="그룹 2">
             <a:extLst>
               <a:ext uri="{FF2B5EF4-FFF2-40B4-BE49-F238E27FC236}">
-                <a16:creationId xmlns:a16="http://schemas.microsoft.com/office/drawing/2014/main" id="{CEE3DD59-EBBC-88DA-44B2-DB1BACDB805A}"/>
+                <a16:creationId xmlns:a16="http://schemas.microsoft.com/office/drawing/2014/main" id="{F02C30AD-AAAD-2093-AC16-05D5D9E3049C}"/>
               </a:ext>
             </a:extLst>
           </p:cNvPr>
@@ -7117,526 +7125,6 @@
           </p:style>
         </p:cxnSp>
       </p:grpSp>
-      <p:sp>
-        <p:nvSpPr>
-          <p:cNvPr id="43" name="사각형: 모서리가 접힌 도형 42">
-            <a:extLst>
-              <a:ext uri="{FF2B5EF4-FFF2-40B4-BE49-F238E27FC236}">
-                <a16:creationId xmlns:a16="http://schemas.microsoft.com/office/drawing/2014/main" id="{542319C5-DBB3-FECE-CDA9-B7F88B7E8B70}"/>
-              </a:ext>
-            </a:extLst>
-          </p:cNvPr>
-          <p:cNvSpPr/>
-          <p:nvPr/>
-        </p:nvSpPr>
-        <p:spPr>
-          <a:xfrm>
-            <a:off x="8491003" y="223372"/>
-            <a:ext cx="1685035" cy="591039"/>
-          </a:xfrm>
-          <a:prstGeom prst="foldedCorner">
-            <a:avLst>
-              <a:gd name="adj" fmla="val 27487"/>
-            </a:avLst>
-          </a:prstGeom>
-          <a:solidFill>
-            <a:schemeClr val="accent3">
-              <a:alpha val="50000"/>
-            </a:schemeClr>
-          </a:solidFill>
-          <a:ln>
-            <a:noFill/>
-          </a:ln>
-        </p:spPr>
-        <p:style>
-          <a:lnRef idx="0">
-            <a:scrgbClr r="0" g="0" b="0"/>
-          </a:lnRef>
-          <a:fillRef idx="0">
-            <a:scrgbClr r="0" g="0" b="0"/>
-          </a:fillRef>
-          <a:effectRef idx="0">
-            <a:scrgbClr r="0" g="0" b="0"/>
-          </a:effectRef>
-          <a:fontRef idx="minor">
-            <a:schemeClr val="lt1"/>
-          </a:fontRef>
-        </p:style>
-        <p:txBody>
-          <a:bodyPr rtlCol="0" anchor="ctr"/>
-          <a:lstStyle/>
-          <a:p>
-            <a:pPr algn="ctr"/>
-            <a:r>
-              <a:rPr lang="en-US" altLang="ko-KR" sz="900" dirty="0"/>
-              <a:t>../../lib/Cylinder/Single</a:t>
-            </a:r>
-          </a:p>
-          <a:p>
-            <a:pPr algn="ctr"/>
-            <a:r>
-              <a:rPr lang="en-US" altLang="ko-KR" sz="900" dirty="0"/>
-              <a:t>[Pin01]</a:t>
-            </a:r>
-            <a:endParaRPr lang="ko-KR" altLang="en-US" sz="900" dirty="0"/>
-          </a:p>
-        </p:txBody>
-      </p:sp>
-      <p:sp>
-        <p:nvSpPr>
-          <p:cNvPr id="44" name="사각형: 모서리가 접힌 도형 43">
-            <a:extLst>
-              <a:ext uri="{FF2B5EF4-FFF2-40B4-BE49-F238E27FC236}">
-                <a16:creationId xmlns:a16="http://schemas.microsoft.com/office/drawing/2014/main" id="{FE62AFEE-E51D-82BF-2097-68D97AEF5B08}"/>
-              </a:ext>
-            </a:extLst>
-          </p:cNvPr>
-          <p:cNvSpPr/>
-          <p:nvPr/>
-        </p:nvSpPr>
-        <p:spPr>
-          <a:xfrm>
-            <a:off x="8491003" y="992346"/>
-            <a:ext cx="1685035" cy="591039"/>
-          </a:xfrm>
-          <a:prstGeom prst="foldedCorner">
-            <a:avLst>
-              <a:gd name="adj" fmla="val 27487"/>
-            </a:avLst>
-          </a:prstGeom>
-          <a:solidFill>
-            <a:schemeClr val="accent3">
-              <a:alpha val="50000"/>
-            </a:schemeClr>
-          </a:solidFill>
-          <a:ln>
-            <a:noFill/>
-          </a:ln>
-        </p:spPr>
-        <p:style>
-          <a:lnRef idx="0">
-            <a:scrgbClr r="0" g="0" b="0"/>
-          </a:lnRef>
-          <a:fillRef idx="0">
-            <a:scrgbClr r="0" g="0" b="0"/>
-          </a:fillRef>
-          <a:effectRef idx="0">
-            <a:scrgbClr r="0" g="0" b="0"/>
-          </a:effectRef>
-          <a:fontRef idx="minor">
-            <a:schemeClr val="lt1"/>
-          </a:fontRef>
-        </p:style>
-        <p:txBody>
-          <a:bodyPr rtlCol="0" anchor="ctr"/>
-          <a:lstStyle/>
-          <a:p>
-            <a:pPr algn="ctr"/>
-            <a:r>
-              <a:rPr lang="en-US" altLang="ko-KR" sz="900" dirty="0"/>
-              <a:t>../../lib/Robot/Weld</a:t>
-            </a:r>
-          </a:p>
-          <a:p>
-            <a:pPr algn="ctr"/>
-            <a:r>
-              <a:rPr lang="en-US" altLang="ko-KR" sz="900" dirty="0"/>
-              <a:t>[RbtWeld01]</a:t>
-            </a:r>
-            <a:endParaRPr lang="ko-KR" altLang="en-US" sz="900" dirty="0"/>
-          </a:p>
-        </p:txBody>
-      </p:sp>
-      <p:sp>
-        <p:nvSpPr>
-          <p:cNvPr id="45" name="사각형: 모서리가 접힌 도형 44">
-            <a:extLst>
-              <a:ext uri="{FF2B5EF4-FFF2-40B4-BE49-F238E27FC236}">
-                <a16:creationId xmlns:a16="http://schemas.microsoft.com/office/drawing/2014/main" id="{87DD9411-5771-93AA-0B58-A1CB7493175C}"/>
-              </a:ext>
-            </a:extLst>
-          </p:cNvPr>
-          <p:cNvSpPr/>
-          <p:nvPr/>
-        </p:nvSpPr>
-        <p:spPr>
-          <a:xfrm>
-            <a:off x="8491003" y="1805345"/>
-            <a:ext cx="1685035" cy="591039"/>
-          </a:xfrm>
-          <a:prstGeom prst="foldedCorner">
-            <a:avLst>
-              <a:gd name="adj" fmla="val 27487"/>
-            </a:avLst>
-          </a:prstGeom>
-          <a:solidFill>
-            <a:schemeClr val="accent3">
-              <a:alpha val="50000"/>
-            </a:schemeClr>
-          </a:solidFill>
-          <a:ln>
-            <a:noFill/>
-          </a:ln>
-        </p:spPr>
-        <p:style>
-          <a:lnRef idx="0">
-            <a:scrgbClr r="0" g="0" b="0"/>
-          </a:lnRef>
-          <a:fillRef idx="0">
-            <a:scrgbClr r="0" g="0" b="0"/>
-          </a:fillRef>
-          <a:effectRef idx="0">
-            <a:scrgbClr r="0" g="0" b="0"/>
-          </a:effectRef>
-          <a:fontRef idx="minor">
-            <a:schemeClr val="lt1"/>
-          </a:fontRef>
-        </p:style>
-        <p:txBody>
-          <a:bodyPr rtlCol="0" anchor="ctr"/>
-          <a:lstStyle/>
-          <a:p>
-            <a:pPr algn="ctr"/>
-            <a:r>
-              <a:rPr lang="en-US" altLang="ko-KR" sz="900" dirty="0"/>
-              <a:t>../../lib/Robot/Handling</a:t>
-            </a:r>
-          </a:p>
-          <a:p>
-            <a:pPr algn="ctr"/>
-            <a:r>
-              <a:rPr lang="en-US" altLang="ko-KR" sz="900" dirty="0"/>
-              <a:t>[RbtHand01]</a:t>
-            </a:r>
-            <a:endParaRPr lang="ko-KR" altLang="en-US" sz="900" dirty="0"/>
-          </a:p>
-        </p:txBody>
-      </p:sp>
-      <p:sp>
-        <p:nvSpPr>
-          <p:cNvPr id="46" name="사각형: 모서리가 접힌 도형 45">
-            <a:extLst>
-              <a:ext uri="{FF2B5EF4-FFF2-40B4-BE49-F238E27FC236}">
-                <a16:creationId xmlns:a16="http://schemas.microsoft.com/office/drawing/2014/main" id="{4034FC19-A510-FD71-9E0A-2A1CB1ECD130}"/>
-              </a:ext>
-            </a:extLst>
-          </p:cNvPr>
-          <p:cNvSpPr/>
-          <p:nvPr/>
-        </p:nvSpPr>
-        <p:spPr>
-          <a:xfrm>
-            <a:off x="8491003" y="2583820"/>
-            <a:ext cx="1685035" cy="591039"/>
-          </a:xfrm>
-          <a:prstGeom prst="foldedCorner">
-            <a:avLst>
-              <a:gd name="adj" fmla="val 27487"/>
-            </a:avLst>
-          </a:prstGeom>
-          <a:solidFill>
-            <a:schemeClr val="accent3">
-              <a:alpha val="50000"/>
-            </a:schemeClr>
-          </a:solidFill>
-          <a:ln>
-            <a:noFill/>
-          </a:ln>
-        </p:spPr>
-        <p:style>
-          <a:lnRef idx="0">
-            <a:scrgbClr r="0" g="0" b="0"/>
-          </a:lnRef>
-          <a:fillRef idx="0">
-            <a:scrgbClr r="0" g="0" b="0"/>
-          </a:fillRef>
-          <a:effectRef idx="0">
-            <a:scrgbClr r="0" g="0" b="0"/>
-          </a:effectRef>
-          <a:fontRef idx="minor">
-            <a:schemeClr val="lt1"/>
-          </a:fontRef>
-        </p:style>
-        <p:txBody>
-          <a:bodyPr rtlCol="0" anchor="ctr"/>
-          <a:lstStyle/>
-          <a:p>
-            <a:pPr algn="ctr"/>
-            <a:r>
-              <a:rPr lang="en-US" altLang="ko-KR" sz="900" dirty="0"/>
-              <a:t>../../lib/Part/Sensor</a:t>
-            </a:r>
-          </a:p>
-          <a:p>
-            <a:pPr algn="ctr"/>
-            <a:r>
-              <a:rPr lang="en-US" altLang="ko-KR" sz="900" dirty="0"/>
-              <a:t>[PART01]</a:t>
-            </a:r>
-            <a:endParaRPr lang="ko-KR" altLang="en-US" sz="900" dirty="0"/>
-          </a:p>
-        </p:txBody>
-      </p:sp>
-      <p:sp>
-        <p:nvSpPr>
-          <p:cNvPr id="47" name="사각형: 모서리가 접힌 도형 46">
-            <a:extLst>
-              <a:ext uri="{FF2B5EF4-FFF2-40B4-BE49-F238E27FC236}">
-                <a16:creationId xmlns:a16="http://schemas.microsoft.com/office/drawing/2014/main" id="{272202CC-C4F7-E203-03BC-14EB422F553A}"/>
-              </a:ext>
-            </a:extLst>
-          </p:cNvPr>
-          <p:cNvSpPr/>
-          <p:nvPr/>
-        </p:nvSpPr>
-        <p:spPr>
-          <a:xfrm>
-            <a:off x="10301689" y="223372"/>
-            <a:ext cx="1685035" cy="591039"/>
-          </a:xfrm>
-          <a:prstGeom prst="foldedCorner">
-            <a:avLst>
-              <a:gd name="adj" fmla="val 27487"/>
-            </a:avLst>
-          </a:prstGeom>
-          <a:solidFill>
-            <a:schemeClr val="accent3">
-              <a:alpha val="50000"/>
-            </a:schemeClr>
-          </a:solidFill>
-          <a:ln>
-            <a:noFill/>
-          </a:ln>
-        </p:spPr>
-        <p:style>
-          <a:lnRef idx="0">
-            <a:scrgbClr r="0" g="0" b="0"/>
-          </a:lnRef>
-          <a:fillRef idx="0">
-            <a:scrgbClr r="0" g="0" b="0"/>
-          </a:fillRef>
-          <a:effectRef idx="0">
-            <a:scrgbClr r="0" g="0" b="0"/>
-          </a:effectRef>
-          <a:fontRef idx="minor">
-            <a:schemeClr val="lt1"/>
-          </a:fontRef>
-        </p:style>
-        <p:txBody>
-          <a:bodyPr rtlCol="0" anchor="ctr"/>
-          <a:lstStyle/>
-          <a:p>
-            <a:pPr algn="ctr"/>
-            <a:r>
-              <a:rPr lang="en-US" altLang="ko-KR" sz="900" dirty="0"/>
-              <a:t>../../lib/Cylinder/Single</a:t>
-            </a:r>
-          </a:p>
-          <a:p>
-            <a:pPr algn="ctr"/>
-            <a:r>
-              <a:rPr lang="en-US" altLang="ko-KR" sz="900" dirty="0"/>
-              <a:t>[Pin02]</a:t>
-            </a:r>
-            <a:endParaRPr lang="ko-KR" altLang="en-US" sz="900" dirty="0"/>
-          </a:p>
-        </p:txBody>
-      </p:sp>
-      <p:sp>
-        <p:nvSpPr>
-          <p:cNvPr id="48" name="사각형: 모서리가 접힌 도형 47">
-            <a:extLst>
-              <a:ext uri="{FF2B5EF4-FFF2-40B4-BE49-F238E27FC236}">
-                <a16:creationId xmlns:a16="http://schemas.microsoft.com/office/drawing/2014/main" id="{A40B1ACD-653C-192A-74E3-5C9427E67AEA}"/>
-              </a:ext>
-            </a:extLst>
-          </p:cNvPr>
-          <p:cNvSpPr/>
-          <p:nvPr/>
-        </p:nvSpPr>
-        <p:spPr>
-          <a:xfrm>
-            <a:off x="10301689" y="992346"/>
-            <a:ext cx="1685035" cy="591039"/>
-          </a:xfrm>
-          <a:prstGeom prst="foldedCorner">
-            <a:avLst>
-              <a:gd name="adj" fmla="val 27487"/>
-            </a:avLst>
-          </a:prstGeom>
-          <a:solidFill>
-            <a:schemeClr val="accent3">
-              <a:alpha val="50000"/>
-            </a:schemeClr>
-          </a:solidFill>
-          <a:ln>
-            <a:noFill/>
-          </a:ln>
-        </p:spPr>
-        <p:style>
-          <a:lnRef idx="0">
-            <a:scrgbClr r="0" g="0" b="0"/>
-          </a:lnRef>
-          <a:fillRef idx="0">
-            <a:scrgbClr r="0" g="0" b="0"/>
-          </a:fillRef>
-          <a:effectRef idx="0">
-            <a:scrgbClr r="0" g="0" b="0"/>
-          </a:effectRef>
-          <a:fontRef idx="minor">
-            <a:schemeClr val="lt1"/>
-          </a:fontRef>
-        </p:style>
-        <p:txBody>
-          <a:bodyPr rtlCol="0" anchor="ctr"/>
-          <a:lstStyle/>
-          <a:p>
-            <a:pPr algn="ctr"/>
-            <a:r>
-              <a:rPr lang="en-US" altLang="ko-KR" sz="900" dirty="0"/>
-              <a:t>../../lib/Robot/Weld</a:t>
-            </a:r>
-          </a:p>
-          <a:p>
-            <a:pPr algn="ctr"/>
-            <a:r>
-              <a:rPr lang="en-US" altLang="ko-KR" sz="900" dirty="0"/>
-              <a:t>[RbtWeld02]</a:t>
-            </a:r>
-            <a:endParaRPr lang="ko-KR" altLang="en-US" sz="900" dirty="0"/>
-          </a:p>
-        </p:txBody>
-      </p:sp>
-      <p:sp>
-        <p:nvSpPr>
-          <p:cNvPr id="49" name="사각형: 모서리가 접힌 도형 48">
-            <a:extLst>
-              <a:ext uri="{FF2B5EF4-FFF2-40B4-BE49-F238E27FC236}">
-                <a16:creationId xmlns:a16="http://schemas.microsoft.com/office/drawing/2014/main" id="{C4EEC91D-4B8D-CDAB-9D6A-8253CD6272F6}"/>
-              </a:ext>
-            </a:extLst>
-          </p:cNvPr>
-          <p:cNvSpPr/>
-          <p:nvPr/>
-        </p:nvSpPr>
-        <p:spPr>
-          <a:xfrm>
-            <a:off x="10301689" y="1805345"/>
-            <a:ext cx="1685035" cy="591039"/>
-          </a:xfrm>
-          <a:prstGeom prst="foldedCorner">
-            <a:avLst>
-              <a:gd name="adj" fmla="val 27487"/>
-            </a:avLst>
-          </a:prstGeom>
-          <a:solidFill>
-            <a:schemeClr val="accent3">
-              <a:alpha val="50000"/>
-            </a:schemeClr>
-          </a:solidFill>
-          <a:ln>
-            <a:noFill/>
-          </a:ln>
-        </p:spPr>
-        <p:style>
-          <a:lnRef idx="0">
-            <a:scrgbClr r="0" g="0" b="0"/>
-          </a:lnRef>
-          <a:fillRef idx="0">
-            <a:scrgbClr r="0" g="0" b="0"/>
-          </a:fillRef>
-          <a:effectRef idx="0">
-            <a:scrgbClr r="0" g="0" b="0"/>
-          </a:effectRef>
-          <a:fontRef idx="minor">
-            <a:schemeClr val="lt1"/>
-          </a:fontRef>
-        </p:style>
-        <p:txBody>
-          <a:bodyPr rtlCol="0" anchor="ctr"/>
-          <a:lstStyle/>
-          <a:p>
-            <a:pPr algn="ctr"/>
-            <a:r>
-              <a:rPr lang="en-US" altLang="ko-KR" sz="900" dirty="0"/>
-              <a:t>../../lib/Robot/Handling</a:t>
-            </a:r>
-          </a:p>
-          <a:p>
-            <a:pPr algn="ctr"/>
-            <a:r>
-              <a:rPr lang="en-US" altLang="ko-KR" sz="900" dirty="0"/>
-              <a:t>[RbtHand02]</a:t>
-            </a:r>
-            <a:endParaRPr lang="ko-KR" altLang="en-US" sz="900" dirty="0"/>
-          </a:p>
-        </p:txBody>
-      </p:sp>
-      <p:sp>
-        <p:nvSpPr>
-          <p:cNvPr id="50" name="사각형: 모서리가 접힌 도형 49">
-            <a:extLst>
-              <a:ext uri="{FF2B5EF4-FFF2-40B4-BE49-F238E27FC236}">
-                <a16:creationId xmlns:a16="http://schemas.microsoft.com/office/drawing/2014/main" id="{4AEBDB3A-3587-5887-5A31-F2B3D80C61FD}"/>
-              </a:ext>
-            </a:extLst>
-          </p:cNvPr>
-          <p:cNvSpPr/>
-          <p:nvPr/>
-        </p:nvSpPr>
-        <p:spPr>
-          <a:xfrm>
-            <a:off x="10301689" y="2583820"/>
-            <a:ext cx="1685035" cy="591039"/>
-          </a:xfrm>
-          <a:prstGeom prst="foldedCorner">
-            <a:avLst>
-              <a:gd name="adj" fmla="val 27487"/>
-            </a:avLst>
-          </a:prstGeom>
-          <a:solidFill>
-            <a:schemeClr val="accent3">
-              <a:alpha val="50000"/>
-            </a:schemeClr>
-          </a:solidFill>
-          <a:ln>
-            <a:noFill/>
-          </a:ln>
-        </p:spPr>
-        <p:style>
-          <a:lnRef idx="0">
-            <a:scrgbClr r="0" g="0" b="0"/>
-          </a:lnRef>
-          <a:fillRef idx="0">
-            <a:scrgbClr r="0" g="0" b="0"/>
-          </a:fillRef>
-          <a:effectRef idx="0">
-            <a:scrgbClr r="0" g="0" b="0"/>
-          </a:effectRef>
-          <a:fontRef idx="minor">
-            <a:schemeClr val="lt1"/>
-          </a:fontRef>
-        </p:style>
-        <p:txBody>
-          <a:bodyPr rtlCol="0" anchor="ctr"/>
-          <a:lstStyle/>
-          <a:p>
-            <a:pPr algn="ctr"/>
-            <a:r>
-              <a:rPr lang="en-US" altLang="ko-KR" sz="900" dirty="0"/>
-              <a:t>../../lib/Part/Sensor</a:t>
-            </a:r>
-          </a:p>
-          <a:p>
-            <a:pPr algn="ctr"/>
-            <a:r>
-              <a:rPr lang="en-US" altLang="ko-KR" sz="900" dirty="0"/>
-              <a:t>[PART02]</a:t>
-            </a:r>
-            <a:endParaRPr lang="ko-KR" altLang="en-US" sz="900" dirty="0"/>
-          </a:p>
-        </p:txBody>
-      </p:sp>
     </p:spTree>
     <p:extLst>
       <p:ext uri="{BB962C8B-B14F-4D97-AF65-F5344CB8AC3E}">
@@ -7701,7 +7189,7 @@
           <p:cNvPr id="3" name="그룹 2">
             <a:extLst>
               <a:ext uri="{FF2B5EF4-FFF2-40B4-BE49-F238E27FC236}">
-                <a16:creationId xmlns:a16="http://schemas.microsoft.com/office/drawing/2014/main" id="{A5690175-D118-BD65-707B-8CC77ADBB22F}"/>
+                <a16:creationId xmlns:a16="http://schemas.microsoft.com/office/drawing/2014/main" id="{D30DDB3B-C7C2-D1B2-D283-E780AEBD2145}"/>
               </a:ext>
             </a:extLst>
           </p:cNvPr>
@@ -9670,526 +9158,6 @@
           </p:style>
         </p:cxnSp>
       </p:grpSp>
-      <p:sp>
-        <p:nvSpPr>
-          <p:cNvPr id="43" name="사각형: 모서리가 접힌 도형 42">
-            <a:extLst>
-              <a:ext uri="{FF2B5EF4-FFF2-40B4-BE49-F238E27FC236}">
-                <a16:creationId xmlns:a16="http://schemas.microsoft.com/office/drawing/2014/main" id="{542319C5-DBB3-FECE-CDA9-B7F88B7E8B70}"/>
-              </a:ext>
-            </a:extLst>
-          </p:cNvPr>
-          <p:cNvSpPr/>
-          <p:nvPr/>
-        </p:nvSpPr>
-        <p:spPr>
-          <a:xfrm>
-            <a:off x="8491003" y="223372"/>
-            <a:ext cx="1685035" cy="591039"/>
-          </a:xfrm>
-          <a:prstGeom prst="foldedCorner">
-            <a:avLst>
-              <a:gd name="adj" fmla="val 27487"/>
-            </a:avLst>
-          </a:prstGeom>
-          <a:solidFill>
-            <a:schemeClr val="accent3">
-              <a:alpha val="50000"/>
-            </a:schemeClr>
-          </a:solidFill>
-          <a:ln>
-            <a:noFill/>
-          </a:ln>
-        </p:spPr>
-        <p:style>
-          <a:lnRef idx="0">
-            <a:scrgbClr r="0" g="0" b="0"/>
-          </a:lnRef>
-          <a:fillRef idx="0">
-            <a:scrgbClr r="0" g="0" b="0"/>
-          </a:fillRef>
-          <a:effectRef idx="0">
-            <a:scrgbClr r="0" g="0" b="0"/>
-          </a:effectRef>
-          <a:fontRef idx="minor">
-            <a:schemeClr val="lt1"/>
-          </a:fontRef>
-        </p:style>
-        <p:txBody>
-          <a:bodyPr rtlCol="0" anchor="ctr"/>
-          <a:lstStyle/>
-          <a:p>
-            <a:pPr algn="ctr"/>
-            <a:r>
-              <a:rPr lang="en-US" altLang="ko-KR" sz="900" dirty="0"/>
-              <a:t>../../lib/Cylinder/Single</a:t>
-            </a:r>
-          </a:p>
-          <a:p>
-            <a:pPr algn="ctr"/>
-            <a:r>
-              <a:rPr lang="en-US" altLang="ko-KR" sz="900" dirty="0"/>
-              <a:t>[Pin01]</a:t>
-            </a:r>
-            <a:endParaRPr lang="ko-KR" altLang="en-US" sz="900" dirty="0"/>
-          </a:p>
-        </p:txBody>
-      </p:sp>
-      <p:sp>
-        <p:nvSpPr>
-          <p:cNvPr id="44" name="사각형: 모서리가 접힌 도형 43">
-            <a:extLst>
-              <a:ext uri="{FF2B5EF4-FFF2-40B4-BE49-F238E27FC236}">
-                <a16:creationId xmlns:a16="http://schemas.microsoft.com/office/drawing/2014/main" id="{FE62AFEE-E51D-82BF-2097-68D97AEF5B08}"/>
-              </a:ext>
-            </a:extLst>
-          </p:cNvPr>
-          <p:cNvSpPr/>
-          <p:nvPr/>
-        </p:nvSpPr>
-        <p:spPr>
-          <a:xfrm>
-            <a:off x="8491003" y="992346"/>
-            <a:ext cx="1685035" cy="591039"/>
-          </a:xfrm>
-          <a:prstGeom prst="foldedCorner">
-            <a:avLst>
-              <a:gd name="adj" fmla="val 27487"/>
-            </a:avLst>
-          </a:prstGeom>
-          <a:solidFill>
-            <a:schemeClr val="accent3">
-              <a:alpha val="50000"/>
-            </a:schemeClr>
-          </a:solidFill>
-          <a:ln>
-            <a:noFill/>
-          </a:ln>
-        </p:spPr>
-        <p:style>
-          <a:lnRef idx="0">
-            <a:scrgbClr r="0" g="0" b="0"/>
-          </a:lnRef>
-          <a:fillRef idx="0">
-            <a:scrgbClr r="0" g="0" b="0"/>
-          </a:fillRef>
-          <a:effectRef idx="0">
-            <a:scrgbClr r="0" g="0" b="0"/>
-          </a:effectRef>
-          <a:fontRef idx="minor">
-            <a:schemeClr val="lt1"/>
-          </a:fontRef>
-        </p:style>
-        <p:txBody>
-          <a:bodyPr rtlCol="0" anchor="ctr"/>
-          <a:lstStyle/>
-          <a:p>
-            <a:pPr algn="ctr"/>
-            <a:r>
-              <a:rPr lang="en-US" altLang="ko-KR" sz="900" dirty="0"/>
-              <a:t>../../lib/Robot/Weld</a:t>
-            </a:r>
-          </a:p>
-          <a:p>
-            <a:pPr algn="ctr"/>
-            <a:r>
-              <a:rPr lang="en-US" altLang="ko-KR" sz="900" dirty="0"/>
-              <a:t>[RbtWeld01]</a:t>
-            </a:r>
-            <a:endParaRPr lang="ko-KR" altLang="en-US" sz="900" dirty="0"/>
-          </a:p>
-        </p:txBody>
-      </p:sp>
-      <p:sp>
-        <p:nvSpPr>
-          <p:cNvPr id="45" name="사각형: 모서리가 접힌 도형 44">
-            <a:extLst>
-              <a:ext uri="{FF2B5EF4-FFF2-40B4-BE49-F238E27FC236}">
-                <a16:creationId xmlns:a16="http://schemas.microsoft.com/office/drawing/2014/main" id="{87DD9411-5771-93AA-0B58-A1CB7493175C}"/>
-              </a:ext>
-            </a:extLst>
-          </p:cNvPr>
-          <p:cNvSpPr/>
-          <p:nvPr/>
-        </p:nvSpPr>
-        <p:spPr>
-          <a:xfrm>
-            <a:off x="8491003" y="1805345"/>
-            <a:ext cx="1685035" cy="591039"/>
-          </a:xfrm>
-          <a:prstGeom prst="foldedCorner">
-            <a:avLst>
-              <a:gd name="adj" fmla="val 27487"/>
-            </a:avLst>
-          </a:prstGeom>
-          <a:solidFill>
-            <a:schemeClr val="accent3">
-              <a:alpha val="50000"/>
-            </a:schemeClr>
-          </a:solidFill>
-          <a:ln>
-            <a:noFill/>
-          </a:ln>
-        </p:spPr>
-        <p:style>
-          <a:lnRef idx="0">
-            <a:scrgbClr r="0" g="0" b="0"/>
-          </a:lnRef>
-          <a:fillRef idx="0">
-            <a:scrgbClr r="0" g="0" b="0"/>
-          </a:fillRef>
-          <a:effectRef idx="0">
-            <a:scrgbClr r="0" g="0" b="0"/>
-          </a:effectRef>
-          <a:fontRef idx="minor">
-            <a:schemeClr val="lt1"/>
-          </a:fontRef>
-        </p:style>
-        <p:txBody>
-          <a:bodyPr rtlCol="0" anchor="ctr"/>
-          <a:lstStyle/>
-          <a:p>
-            <a:pPr algn="ctr"/>
-            <a:r>
-              <a:rPr lang="en-US" altLang="ko-KR" sz="900" dirty="0"/>
-              <a:t>../../lib/Robot/Handling</a:t>
-            </a:r>
-          </a:p>
-          <a:p>
-            <a:pPr algn="ctr"/>
-            <a:r>
-              <a:rPr lang="en-US" altLang="ko-KR" sz="900" dirty="0"/>
-              <a:t>[RbtHand01]</a:t>
-            </a:r>
-            <a:endParaRPr lang="ko-KR" altLang="en-US" sz="900" dirty="0"/>
-          </a:p>
-        </p:txBody>
-      </p:sp>
-      <p:sp>
-        <p:nvSpPr>
-          <p:cNvPr id="46" name="사각형: 모서리가 접힌 도형 45">
-            <a:extLst>
-              <a:ext uri="{FF2B5EF4-FFF2-40B4-BE49-F238E27FC236}">
-                <a16:creationId xmlns:a16="http://schemas.microsoft.com/office/drawing/2014/main" id="{4034FC19-A510-FD71-9E0A-2A1CB1ECD130}"/>
-              </a:ext>
-            </a:extLst>
-          </p:cNvPr>
-          <p:cNvSpPr/>
-          <p:nvPr/>
-        </p:nvSpPr>
-        <p:spPr>
-          <a:xfrm>
-            <a:off x="8491003" y="2583820"/>
-            <a:ext cx="1685035" cy="591039"/>
-          </a:xfrm>
-          <a:prstGeom prst="foldedCorner">
-            <a:avLst>
-              <a:gd name="adj" fmla="val 27487"/>
-            </a:avLst>
-          </a:prstGeom>
-          <a:solidFill>
-            <a:schemeClr val="accent3">
-              <a:alpha val="50000"/>
-            </a:schemeClr>
-          </a:solidFill>
-          <a:ln>
-            <a:noFill/>
-          </a:ln>
-        </p:spPr>
-        <p:style>
-          <a:lnRef idx="0">
-            <a:scrgbClr r="0" g="0" b="0"/>
-          </a:lnRef>
-          <a:fillRef idx="0">
-            <a:scrgbClr r="0" g="0" b="0"/>
-          </a:fillRef>
-          <a:effectRef idx="0">
-            <a:scrgbClr r="0" g="0" b="0"/>
-          </a:effectRef>
-          <a:fontRef idx="minor">
-            <a:schemeClr val="lt1"/>
-          </a:fontRef>
-        </p:style>
-        <p:txBody>
-          <a:bodyPr rtlCol="0" anchor="ctr"/>
-          <a:lstStyle/>
-          <a:p>
-            <a:pPr algn="ctr"/>
-            <a:r>
-              <a:rPr lang="en-US" altLang="ko-KR" sz="900" dirty="0"/>
-              <a:t>../../lib/Part/Sensor</a:t>
-            </a:r>
-          </a:p>
-          <a:p>
-            <a:pPr algn="ctr"/>
-            <a:r>
-              <a:rPr lang="en-US" altLang="ko-KR" sz="900" dirty="0"/>
-              <a:t>[PART01]</a:t>
-            </a:r>
-            <a:endParaRPr lang="ko-KR" altLang="en-US" sz="900" dirty="0"/>
-          </a:p>
-        </p:txBody>
-      </p:sp>
-      <p:sp>
-        <p:nvSpPr>
-          <p:cNvPr id="47" name="사각형: 모서리가 접힌 도형 46">
-            <a:extLst>
-              <a:ext uri="{FF2B5EF4-FFF2-40B4-BE49-F238E27FC236}">
-                <a16:creationId xmlns:a16="http://schemas.microsoft.com/office/drawing/2014/main" id="{272202CC-C4F7-E203-03BC-14EB422F553A}"/>
-              </a:ext>
-            </a:extLst>
-          </p:cNvPr>
-          <p:cNvSpPr/>
-          <p:nvPr/>
-        </p:nvSpPr>
-        <p:spPr>
-          <a:xfrm>
-            <a:off x="10301689" y="223372"/>
-            <a:ext cx="1685035" cy="591039"/>
-          </a:xfrm>
-          <a:prstGeom prst="foldedCorner">
-            <a:avLst>
-              <a:gd name="adj" fmla="val 27487"/>
-            </a:avLst>
-          </a:prstGeom>
-          <a:solidFill>
-            <a:schemeClr val="accent3">
-              <a:alpha val="50000"/>
-            </a:schemeClr>
-          </a:solidFill>
-          <a:ln>
-            <a:noFill/>
-          </a:ln>
-        </p:spPr>
-        <p:style>
-          <a:lnRef idx="0">
-            <a:scrgbClr r="0" g="0" b="0"/>
-          </a:lnRef>
-          <a:fillRef idx="0">
-            <a:scrgbClr r="0" g="0" b="0"/>
-          </a:fillRef>
-          <a:effectRef idx="0">
-            <a:scrgbClr r="0" g="0" b="0"/>
-          </a:effectRef>
-          <a:fontRef idx="minor">
-            <a:schemeClr val="lt1"/>
-          </a:fontRef>
-        </p:style>
-        <p:txBody>
-          <a:bodyPr rtlCol="0" anchor="ctr"/>
-          <a:lstStyle/>
-          <a:p>
-            <a:pPr algn="ctr"/>
-            <a:r>
-              <a:rPr lang="en-US" altLang="ko-KR" sz="900" dirty="0"/>
-              <a:t>../../lib/Cylinder/Single</a:t>
-            </a:r>
-          </a:p>
-          <a:p>
-            <a:pPr algn="ctr"/>
-            <a:r>
-              <a:rPr lang="en-US" altLang="ko-KR" sz="900" dirty="0"/>
-              <a:t>[Pin02]</a:t>
-            </a:r>
-            <a:endParaRPr lang="ko-KR" altLang="en-US" sz="900" dirty="0"/>
-          </a:p>
-        </p:txBody>
-      </p:sp>
-      <p:sp>
-        <p:nvSpPr>
-          <p:cNvPr id="48" name="사각형: 모서리가 접힌 도형 47">
-            <a:extLst>
-              <a:ext uri="{FF2B5EF4-FFF2-40B4-BE49-F238E27FC236}">
-                <a16:creationId xmlns:a16="http://schemas.microsoft.com/office/drawing/2014/main" id="{A40B1ACD-653C-192A-74E3-5C9427E67AEA}"/>
-              </a:ext>
-            </a:extLst>
-          </p:cNvPr>
-          <p:cNvSpPr/>
-          <p:nvPr/>
-        </p:nvSpPr>
-        <p:spPr>
-          <a:xfrm>
-            <a:off x="10301689" y="992346"/>
-            <a:ext cx="1685035" cy="591039"/>
-          </a:xfrm>
-          <a:prstGeom prst="foldedCorner">
-            <a:avLst>
-              <a:gd name="adj" fmla="val 27487"/>
-            </a:avLst>
-          </a:prstGeom>
-          <a:solidFill>
-            <a:schemeClr val="accent3">
-              <a:alpha val="50000"/>
-            </a:schemeClr>
-          </a:solidFill>
-          <a:ln>
-            <a:noFill/>
-          </a:ln>
-        </p:spPr>
-        <p:style>
-          <a:lnRef idx="0">
-            <a:scrgbClr r="0" g="0" b="0"/>
-          </a:lnRef>
-          <a:fillRef idx="0">
-            <a:scrgbClr r="0" g="0" b="0"/>
-          </a:fillRef>
-          <a:effectRef idx="0">
-            <a:scrgbClr r="0" g="0" b="0"/>
-          </a:effectRef>
-          <a:fontRef idx="minor">
-            <a:schemeClr val="lt1"/>
-          </a:fontRef>
-        </p:style>
-        <p:txBody>
-          <a:bodyPr rtlCol="0" anchor="ctr"/>
-          <a:lstStyle/>
-          <a:p>
-            <a:pPr algn="ctr"/>
-            <a:r>
-              <a:rPr lang="en-US" altLang="ko-KR" sz="900" dirty="0"/>
-              <a:t>../../lib/Robot/Weld</a:t>
-            </a:r>
-          </a:p>
-          <a:p>
-            <a:pPr algn="ctr"/>
-            <a:r>
-              <a:rPr lang="en-US" altLang="ko-KR" sz="900" dirty="0"/>
-              <a:t>[RbtWeld02]</a:t>
-            </a:r>
-            <a:endParaRPr lang="ko-KR" altLang="en-US" sz="900" dirty="0"/>
-          </a:p>
-        </p:txBody>
-      </p:sp>
-      <p:sp>
-        <p:nvSpPr>
-          <p:cNvPr id="49" name="사각형: 모서리가 접힌 도형 48">
-            <a:extLst>
-              <a:ext uri="{FF2B5EF4-FFF2-40B4-BE49-F238E27FC236}">
-                <a16:creationId xmlns:a16="http://schemas.microsoft.com/office/drawing/2014/main" id="{C4EEC91D-4B8D-CDAB-9D6A-8253CD6272F6}"/>
-              </a:ext>
-            </a:extLst>
-          </p:cNvPr>
-          <p:cNvSpPr/>
-          <p:nvPr/>
-        </p:nvSpPr>
-        <p:spPr>
-          <a:xfrm>
-            <a:off x="10301689" y="1805345"/>
-            <a:ext cx="1685035" cy="591039"/>
-          </a:xfrm>
-          <a:prstGeom prst="foldedCorner">
-            <a:avLst>
-              <a:gd name="adj" fmla="val 27487"/>
-            </a:avLst>
-          </a:prstGeom>
-          <a:solidFill>
-            <a:schemeClr val="accent3">
-              <a:alpha val="50000"/>
-            </a:schemeClr>
-          </a:solidFill>
-          <a:ln>
-            <a:noFill/>
-          </a:ln>
-        </p:spPr>
-        <p:style>
-          <a:lnRef idx="0">
-            <a:scrgbClr r="0" g="0" b="0"/>
-          </a:lnRef>
-          <a:fillRef idx="0">
-            <a:scrgbClr r="0" g="0" b="0"/>
-          </a:fillRef>
-          <a:effectRef idx="0">
-            <a:scrgbClr r="0" g="0" b="0"/>
-          </a:effectRef>
-          <a:fontRef idx="minor">
-            <a:schemeClr val="lt1"/>
-          </a:fontRef>
-        </p:style>
-        <p:txBody>
-          <a:bodyPr rtlCol="0" anchor="ctr"/>
-          <a:lstStyle/>
-          <a:p>
-            <a:pPr algn="ctr"/>
-            <a:r>
-              <a:rPr lang="en-US" altLang="ko-KR" sz="900" dirty="0"/>
-              <a:t>../../lib/Robot/Handling</a:t>
-            </a:r>
-          </a:p>
-          <a:p>
-            <a:pPr algn="ctr"/>
-            <a:r>
-              <a:rPr lang="en-US" altLang="ko-KR" sz="900" dirty="0"/>
-              <a:t>[RbtHand02]</a:t>
-            </a:r>
-            <a:endParaRPr lang="ko-KR" altLang="en-US" sz="900" dirty="0"/>
-          </a:p>
-        </p:txBody>
-      </p:sp>
-      <p:sp>
-        <p:nvSpPr>
-          <p:cNvPr id="50" name="사각형: 모서리가 접힌 도형 49">
-            <a:extLst>
-              <a:ext uri="{FF2B5EF4-FFF2-40B4-BE49-F238E27FC236}">
-                <a16:creationId xmlns:a16="http://schemas.microsoft.com/office/drawing/2014/main" id="{4AEBDB3A-3587-5887-5A31-F2B3D80C61FD}"/>
-              </a:ext>
-            </a:extLst>
-          </p:cNvPr>
-          <p:cNvSpPr/>
-          <p:nvPr/>
-        </p:nvSpPr>
-        <p:spPr>
-          <a:xfrm>
-            <a:off x="10301689" y="2583820"/>
-            <a:ext cx="1685035" cy="591039"/>
-          </a:xfrm>
-          <a:prstGeom prst="foldedCorner">
-            <a:avLst>
-              <a:gd name="adj" fmla="val 27487"/>
-            </a:avLst>
-          </a:prstGeom>
-          <a:solidFill>
-            <a:schemeClr val="accent3">
-              <a:alpha val="50000"/>
-            </a:schemeClr>
-          </a:solidFill>
-          <a:ln>
-            <a:noFill/>
-          </a:ln>
-        </p:spPr>
-        <p:style>
-          <a:lnRef idx="0">
-            <a:scrgbClr r="0" g="0" b="0"/>
-          </a:lnRef>
-          <a:fillRef idx="0">
-            <a:scrgbClr r="0" g="0" b="0"/>
-          </a:fillRef>
-          <a:effectRef idx="0">
-            <a:scrgbClr r="0" g="0" b="0"/>
-          </a:effectRef>
-          <a:fontRef idx="minor">
-            <a:schemeClr val="lt1"/>
-          </a:fontRef>
-        </p:style>
-        <p:txBody>
-          <a:bodyPr rtlCol="0" anchor="ctr"/>
-          <a:lstStyle/>
-          <a:p>
-            <a:pPr algn="ctr"/>
-            <a:r>
-              <a:rPr lang="en-US" altLang="ko-KR" sz="900" dirty="0"/>
-              <a:t>../../lib/Part/Sensor</a:t>
-            </a:r>
-          </a:p>
-          <a:p>
-            <a:pPr algn="ctr"/>
-            <a:r>
-              <a:rPr lang="en-US" altLang="ko-KR" sz="900" dirty="0"/>
-              <a:t>[PART02]</a:t>
-            </a:r>
-            <a:endParaRPr lang="ko-KR" altLang="en-US" sz="900" dirty="0"/>
-          </a:p>
-        </p:txBody>
-      </p:sp>
     </p:spTree>
     <p:extLst>
       <p:ext uri="{BB962C8B-B14F-4D97-AF65-F5344CB8AC3E}">
@@ -10254,7 +9222,7 @@
           <p:cNvPr id="3" name="그룹 2">
             <a:extLst>
               <a:ext uri="{FF2B5EF4-FFF2-40B4-BE49-F238E27FC236}">
-                <a16:creationId xmlns:a16="http://schemas.microsoft.com/office/drawing/2014/main" id="{2DFE624F-1473-06EA-527A-EE87E569D66F}"/>
+                <a16:creationId xmlns:a16="http://schemas.microsoft.com/office/drawing/2014/main" id="{F04CDDEF-4A47-E9CB-A062-3375148F10E8}"/>
               </a:ext>
             </a:extLst>
           </p:cNvPr>
@@ -12223,526 +11191,6 @@
           </p:style>
         </p:cxnSp>
       </p:grpSp>
-      <p:sp>
-        <p:nvSpPr>
-          <p:cNvPr id="43" name="사각형: 모서리가 접힌 도형 42">
-            <a:extLst>
-              <a:ext uri="{FF2B5EF4-FFF2-40B4-BE49-F238E27FC236}">
-                <a16:creationId xmlns:a16="http://schemas.microsoft.com/office/drawing/2014/main" id="{542319C5-DBB3-FECE-CDA9-B7F88B7E8B70}"/>
-              </a:ext>
-            </a:extLst>
-          </p:cNvPr>
-          <p:cNvSpPr/>
-          <p:nvPr/>
-        </p:nvSpPr>
-        <p:spPr>
-          <a:xfrm>
-            <a:off x="8491003" y="223372"/>
-            <a:ext cx="1685035" cy="591039"/>
-          </a:xfrm>
-          <a:prstGeom prst="foldedCorner">
-            <a:avLst>
-              <a:gd name="adj" fmla="val 27487"/>
-            </a:avLst>
-          </a:prstGeom>
-          <a:solidFill>
-            <a:schemeClr val="accent3">
-              <a:alpha val="50000"/>
-            </a:schemeClr>
-          </a:solidFill>
-          <a:ln>
-            <a:noFill/>
-          </a:ln>
-        </p:spPr>
-        <p:style>
-          <a:lnRef idx="0">
-            <a:scrgbClr r="0" g="0" b="0"/>
-          </a:lnRef>
-          <a:fillRef idx="0">
-            <a:scrgbClr r="0" g="0" b="0"/>
-          </a:fillRef>
-          <a:effectRef idx="0">
-            <a:scrgbClr r="0" g="0" b="0"/>
-          </a:effectRef>
-          <a:fontRef idx="minor">
-            <a:schemeClr val="lt1"/>
-          </a:fontRef>
-        </p:style>
-        <p:txBody>
-          <a:bodyPr rtlCol="0" anchor="ctr"/>
-          <a:lstStyle/>
-          <a:p>
-            <a:pPr algn="ctr"/>
-            <a:r>
-              <a:rPr lang="en-US" altLang="ko-KR" sz="900" dirty="0"/>
-              <a:t>../../lib/Cylinder/Single</a:t>
-            </a:r>
-          </a:p>
-          <a:p>
-            <a:pPr algn="ctr"/>
-            <a:r>
-              <a:rPr lang="en-US" altLang="ko-KR" sz="900" dirty="0"/>
-              <a:t>[Pin01]</a:t>
-            </a:r>
-            <a:endParaRPr lang="ko-KR" altLang="en-US" sz="900" dirty="0"/>
-          </a:p>
-        </p:txBody>
-      </p:sp>
-      <p:sp>
-        <p:nvSpPr>
-          <p:cNvPr id="44" name="사각형: 모서리가 접힌 도형 43">
-            <a:extLst>
-              <a:ext uri="{FF2B5EF4-FFF2-40B4-BE49-F238E27FC236}">
-                <a16:creationId xmlns:a16="http://schemas.microsoft.com/office/drawing/2014/main" id="{FE62AFEE-E51D-82BF-2097-68D97AEF5B08}"/>
-              </a:ext>
-            </a:extLst>
-          </p:cNvPr>
-          <p:cNvSpPr/>
-          <p:nvPr/>
-        </p:nvSpPr>
-        <p:spPr>
-          <a:xfrm>
-            <a:off x="8491003" y="992346"/>
-            <a:ext cx="1685035" cy="591039"/>
-          </a:xfrm>
-          <a:prstGeom prst="foldedCorner">
-            <a:avLst>
-              <a:gd name="adj" fmla="val 27487"/>
-            </a:avLst>
-          </a:prstGeom>
-          <a:solidFill>
-            <a:schemeClr val="accent3">
-              <a:alpha val="50000"/>
-            </a:schemeClr>
-          </a:solidFill>
-          <a:ln>
-            <a:noFill/>
-          </a:ln>
-        </p:spPr>
-        <p:style>
-          <a:lnRef idx="0">
-            <a:scrgbClr r="0" g="0" b="0"/>
-          </a:lnRef>
-          <a:fillRef idx="0">
-            <a:scrgbClr r="0" g="0" b="0"/>
-          </a:fillRef>
-          <a:effectRef idx="0">
-            <a:scrgbClr r="0" g="0" b="0"/>
-          </a:effectRef>
-          <a:fontRef idx="minor">
-            <a:schemeClr val="lt1"/>
-          </a:fontRef>
-        </p:style>
-        <p:txBody>
-          <a:bodyPr rtlCol="0" anchor="ctr"/>
-          <a:lstStyle/>
-          <a:p>
-            <a:pPr algn="ctr"/>
-            <a:r>
-              <a:rPr lang="en-US" altLang="ko-KR" sz="900" dirty="0"/>
-              <a:t>../../lib/Robot/Weld</a:t>
-            </a:r>
-          </a:p>
-          <a:p>
-            <a:pPr algn="ctr"/>
-            <a:r>
-              <a:rPr lang="en-US" altLang="ko-KR" sz="900" dirty="0"/>
-              <a:t>[RbtWeld01]</a:t>
-            </a:r>
-            <a:endParaRPr lang="ko-KR" altLang="en-US" sz="900" dirty="0"/>
-          </a:p>
-        </p:txBody>
-      </p:sp>
-      <p:sp>
-        <p:nvSpPr>
-          <p:cNvPr id="45" name="사각형: 모서리가 접힌 도형 44">
-            <a:extLst>
-              <a:ext uri="{FF2B5EF4-FFF2-40B4-BE49-F238E27FC236}">
-                <a16:creationId xmlns:a16="http://schemas.microsoft.com/office/drawing/2014/main" id="{87DD9411-5771-93AA-0B58-A1CB7493175C}"/>
-              </a:ext>
-            </a:extLst>
-          </p:cNvPr>
-          <p:cNvSpPr/>
-          <p:nvPr/>
-        </p:nvSpPr>
-        <p:spPr>
-          <a:xfrm>
-            <a:off x="8491003" y="1805345"/>
-            <a:ext cx="1685035" cy="591039"/>
-          </a:xfrm>
-          <a:prstGeom prst="foldedCorner">
-            <a:avLst>
-              <a:gd name="adj" fmla="val 27487"/>
-            </a:avLst>
-          </a:prstGeom>
-          <a:solidFill>
-            <a:schemeClr val="accent3">
-              <a:alpha val="50000"/>
-            </a:schemeClr>
-          </a:solidFill>
-          <a:ln>
-            <a:noFill/>
-          </a:ln>
-        </p:spPr>
-        <p:style>
-          <a:lnRef idx="0">
-            <a:scrgbClr r="0" g="0" b="0"/>
-          </a:lnRef>
-          <a:fillRef idx="0">
-            <a:scrgbClr r="0" g="0" b="0"/>
-          </a:fillRef>
-          <a:effectRef idx="0">
-            <a:scrgbClr r="0" g="0" b="0"/>
-          </a:effectRef>
-          <a:fontRef idx="minor">
-            <a:schemeClr val="lt1"/>
-          </a:fontRef>
-        </p:style>
-        <p:txBody>
-          <a:bodyPr rtlCol="0" anchor="ctr"/>
-          <a:lstStyle/>
-          <a:p>
-            <a:pPr algn="ctr"/>
-            <a:r>
-              <a:rPr lang="en-US" altLang="ko-KR" sz="900" dirty="0"/>
-              <a:t>../../lib/Robot/Handling</a:t>
-            </a:r>
-          </a:p>
-          <a:p>
-            <a:pPr algn="ctr"/>
-            <a:r>
-              <a:rPr lang="en-US" altLang="ko-KR" sz="900" dirty="0"/>
-              <a:t>[RbtHand01]</a:t>
-            </a:r>
-            <a:endParaRPr lang="ko-KR" altLang="en-US" sz="900" dirty="0"/>
-          </a:p>
-        </p:txBody>
-      </p:sp>
-      <p:sp>
-        <p:nvSpPr>
-          <p:cNvPr id="46" name="사각형: 모서리가 접힌 도형 45">
-            <a:extLst>
-              <a:ext uri="{FF2B5EF4-FFF2-40B4-BE49-F238E27FC236}">
-                <a16:creationId xmlns:a16="http://schemas.microsoft.com/office/drawing/2014/main" id="{4034FC19-A510-FD71-9E0A-2A1CB1ECD130}"/>
-              </a:ext>
-            </a:extLst>
-          </p:cNvPr>
-          <p:cNvSpPr/>
-          <p:nvPr/>
-        </p:nvSpPr>
-        <p:spPr>
-          <a:xfrm>
-            <a:off x="8491003" y="2583820"/>
-            <a:ext cx="1685035" cy="591039"/>
-          </a:xfrm>
-          <a:prstGeom prst="foldedCorner">
-            <a:avLst>
-              <a:gd name="adj" fmla="val 27487"/>
-            </a:avLst>
-          </a:prstGeom>
-          <a:solidFill>
-            <a:schemeClr val="accent3">
-              <a:alpha val="50000"/>
-            </a:schemeClr>
-          </a:solidFill>
-          <a:ln>
-            <a:noFill/>
-          </a:ln>
-        </p:spPr>
-        <p:style>
-          <a:lnRef idx="0">
-            <a:scrgbClr r="0" g="0" b="0"/>
-          </a:lnRef>
-          <a:fillRef idx="0">
-            <a:scrgbClr r="0" g="0" b="0"/>
-          </a:fillRef>
-          <a:effectRef idx="0">
-            <a:scrgbClr r="0" g="0" b="0"/>
-          </a:effectRef>
-          <a:fontRef idx="minor">
-            <a:schemeClr val="lt1"/>
-          </a:fontRef>
-        </p:style>
-        <p:txBody>
-          <a:bodyPr rtlCol="0" anchor="ctr"/>
-          <a:lstStyle/>
-          <a:p>
-            <a:pPr algn="ctr"/>
-            <a:r>
-              <a:rPr lang="en-US" altLang="ko-KR" sz="900" dirty="0"/>
-              <a:t>../../lib/Part/Sensor</a:t>
-            </a:r>
-          </a:p>
-          <a:p>
-            <a:pPr algn="ctr"/>
-            <a:r>
-              <a:rPr lang="en-US" altLang="ko-KR" sz="900" dirty="0"/>
-              <a:t>[PART01]</a:t>
-            </a:r>
-            <a:endParaRPr lang="ko-KR" altLang="en-US" sz="900" dirty="0"/>
-          </a:p>
-        </p:txBody>
-      </p:sp>
-      <p:sp>
-        <p:nvSpPr>
-          <p:cNvPr id="47" name="사각형: 모서리가 접힌 도형 46">
-            <a:extLst>
-              <a:ext uri="{FF2B5EF4-FFF2-40B4-BE49-F238E27FC236}">
-                <a16:creationId xmlns:a16="http://schemas.microsoft.com/office/drawing/2014/main" id="{272202CC-C4F7-E203-03BC-14EB422F553A}"/>
-              </a:ext>
-            </a:extLst>
-          </p:cNvPr>
-          <p:cNvSpPr/>
-          <p:nvPr/>
-        </p:nvSpPr>
-        <p:spPr>
-          <a:xfrm>
-            <a:off x="10301689" y="223372"/>
-            <a:ext cx="1685035" cy="591039"/>
-          </a:xfrm>
-          <a:prstGeom prst="foldedCorner">
-            <a:avLst>
-              <a:gd name="adj" fmla="val 27487"/>
-            </a:avLst>
-          </a:prstGeom>
-          <a:solidFill>
-            <a:schemeClr val="accent3">
-              <a:alpha val="50000"/>
-            </a:schemeClr>
-          </a:solidFill>
-          <a:ln>
-            <a:noFill/>
-          </a:ln>
-        </p:spPr>
-        <p:style>
-          <a:lnRef idx="0">
-            <a:scrgbClr r="0" g="0" b="0"/>
-          </a:lnRef>
-          <a:fillRef idx="0">
-            <a:scrgbClr r="0" g="0" b="0"/>
-          </a:fillRef>
-          <a:effectRef idx="0">
-            <a:scrgbClr r="0" g="0" b="0"/>
-          </a:effectRef>
-          <a:fontRef idx="minor">
-            <a:schemeClr val="lt1"/>
-          </a:fontRef>
-        </p:style>
-        <p:txBody>
-          <a:bodyPr rtlCol="0" anchor="ctr"/>
-          <a:lstStyle/>
-          <a:p>
-            <a:pPr algn="ctr"/>
-            <a:r>
-              <a:rPr lang="en-US" altLang="ko-KR" sz="900" dirty="0"/>
-              <a:t>../../lib/Cylinder/Single</a:t>
-            </a:r>
-          </a:p>
-          <a:p>
-            <a:pPr algn="ctr"/>
-            <a:r>
-              <a:rPr lang="en-US" altLang="ko-KR" sz="900" dirty="0"/>
-              <a:t>[Pin02]</a:t>
-            </a:r>
-            <a:endParaRPr lang="ko-KR" altLang="en-US" sz="900" dirty="0"/>
-          </a:p>
-        </p:txBody>
-      </p:sp>
-      <p:sp>
-        <p:nvSpPr>
-          <p:cNvPr id="48" name="사각형: 모서리가 접힌 도형 47">
-            <a:extLst>
-              <a:ext uri="{FF2B5EF4-FFF2-40B4-BE49-F238E27FC236}">
-                <a16:creationId xmlns:a16="http://schemas.microsoft.com/office/drawing/2014/main" id="{A40B1ACD-653C-192A-74E3-5C9427E67AEA}"/>
-              </a:ext>
-            </a:extLst>
-          </p:cNvPr>
-          <p:cNvSpPr/>
-          <p:nvPr/>
-        </p:nvSpPr>
-        <p:spPr>
-          <a:xfrm>
-            <a:off x="10301689" y="992346"/>
-            <a:ext cx="1685035" cy="591039"/>
-          </a:xfrm>
-          <a:prstGeom prst="foldedCorner">
-            <a:avLst>
-              <a:gd name="adj" fmla="val 27487"/>
-            </a:avLst>
-          </a:prstGeom>
-          <a:solidFill>
-            <a:schemeClr val="accent3">
-              <a:alpha val="50000"/>
-            </a:schemeClr>
-          </a:solidFill>
-          <a:ln>
-            <a:noFill/>
-          </a:ln>
-        </p:spPr>
-        <p:style>
-          <a:lnRef idx="0">
-            <a:scrgbClr r="0" g="0" b="0"/>
-          </a:lnRef>
-          <a:fillRef idx="0">
-            <a:scrgbClr r="0" g="0" b="0"/>
-          </a:fillRef>
-          <a:effectRef idx="0">
-            <a:scrgbClr r="0" g="0" b="0"/>
-          </a:effectRef>
-          <a:fontRef idx="minor">
-            <a:schemeClr val="lt1"/>
-          </a:fontRef>
-        </p:style>
-        <p:txBody>
-          <a:bodyPr rtlCol="0" anchor="ctr"/>
-          <a:lstStyle/>
-          <a:p>
-            <a:pPr algn="ctr"/>
-            <a:r>
-              <a:rPr lang="en-US" altLang="ko-KR" sz="900" dirty="0"/>
-              <a:t>../../lib/Robot/Weld</a:t>
-            </a:r>
-          </a:p>
-          <a:p>
-            <a:pPr algn="ctr"/>
-            <a:r>
-              <a:rPr lang="en-US" altLang="ko-KR" sz="900" dirty="0"/>
-              <a:t>[RbtWeld02]</a:t>
-            </a:r>
-            <a:endParaRPr lang="ko-KR" altLang="en-US" sz="900" dirty="0"/>
-          </a:p>
-        </p:txBody>
-      </p:sp>
-      <p:sp>
-        <p:nvSpPr>
-          <p:cNvPr id="49" name="사각형: 모서리가 접힌 도형 48">
-            <a:extLst>
-              <a:ext uri="{FF2B5EF4-FFF2-40B4-BE49-F238E27FC236}">
-                <a16:creationId xmlns:a16="http://schemas.microsoft.com/office/drawing/2014/main" id="{C4EEC91D-4B8D-CDAB-9D6A-8253CD6272F6}"/>
-              </a:ext>
-            </a:extLst>
-          </p:cNvPr>
-          <p:cNvSpPr/>
-          <p:nvPr/>
-        </p:nvSpPr>
-        <p:spPr>
-          <a:xfrm>
-            <a:off x="10301689" y="1805345"/>
-            <a:ext cx="1685035" cy="591039"/>
-          </a:xfrm>
-          <a:prstGeom prst="foldedCorner">
-            <a:avLst>
-              <a:gd name="adj" fmla="val 27487"/>
-            </a:avLst>
-          </a:prstGeom>
-          <a:solidFill>
-            <a:schemeClr val="accent3">
-              <a:alpha val="50000"/>
-            </a:schemeClr>
-          </a:solidFill>
-          <a:ln>
-            <a:noFill/>
-          </a:ln>
-        </p:spPr>
-        <p:style>
-          <a:lnRef idx="0">
-            <a:scrgbClr r="0" g="0" b="0"/>
-          </a:lnRef>
-          <a:fillRef idx="0">
-            <a:scrgbClr r="0" g="0" b="0"/>
-          </a:fillRef>
-          <a:effectRef idx="0">
-            <a:scrgbClr r="0" g="0" b="0"/>
-          </a:effectRef>
-          <a:fontRef idx="minor">
-            <a:schemeClr val="lt1"/>
-          </a:fontRef>
-        </p:style>
-        <p:txBody>
-          <a:bodyPr rtlCol="0" anchor="ctr"/>
-          <a:lstStyle/>
-          <a:p>
-            <a:pPr algn="ctr"/>
-            <a:r>
-              <a:rPr lang="en-US" altLang="ko-KR" sz="900" dirty="0"/>
-              <a:t>../../lib/Robot/Handling</a:t>
-            </a:r>
-          </a:p>
-          <a:p>
-            <a:pPr algn="ctr"/>
-            <a:r>
-              <a:rPr lang="en-US" altLang="ko-KR" sz="900" dirty="0"/>
-              <a:t>[RbtHand02]</a:t>
-            </a:r>
-            <a:endParaRPr lang="ko-KR" altLang="en-US" sz="900" dirty="0"/>
-          </a:p>
-        </p:txBody>
-      </p:sp>
-      <p:sp>
-        <p:nvSpPr>
-          <p:cNvPr id="50" name="사각형: 모서리가 접힌 도형 49">
-            <a:extLst>
-              <a:ext uri="{FF2B5EF4-FFF2-40B4-BE49-F238E27FC236}">
-                <a16:creationId xmlns:a16="http://schemas.microsoft.com/office/drawing/2014/main" id="{4AEBDB3A-3587-5887-5A31-F2B3D80C61FD}"/>
-              </a:ext>
-            </a:extLst>
-          </p:cNvPr>
-          <p:cNvSpPr/>
-          <p:nvPr/>
-        </p:nvSpPr>
-        <p:spPr>
-          <a:xfrm>
-            <a:off x="10301689" y="2583820"/>
-            <a:ext cx="1685035" cy="591039"/>
-          </a:xfrm>
-          <a:prstGeom prst="foldedCorner">
-            <a:avLst>
-              <a:gd name="adj" fmla="val 27487"/>
-            </a:avLst>
-          </a:prstGeom>
-          <a:solidFill>
-            <a:schemeClr val="accent3">
-              <a:alpha val="50000"/>
-            </a:schemeClr>
-          </a:solidFill>
-          <a:ln>
-            <a:noFill/>
-          </a:ln>
-        </p:spPr>
-        <p:style>
-          <a:lnRef idx="0">
-            <a:scrgbClr r="0" g="0" b="0"/>
-          </a:lnRef>
-          <a:fillRef idx="0">
-            <a:scrgbClr r="0" g="0" b="0"/>
-          </a:fillRef>
-          <a:effectRef idx="0">
-            <a:scrgbClr r="0" g="0" b="0"/>
-          </a:effectRef>
-          <a:fontRef idx="minor">
-            <a:schemeClr val="lt1"/>
-          </a:fontRef>
-        </p:style>
-        <p:txBody>
-          <a:bodyPr rtlCol="0" anchor="ctr"/>
-          <a:lstStyle/>
-          <a:p>
-            <a:pPr algn="ctr"/>
-            <a:r>
-              <a:rPr lang="en-US" altLang="ko-KR" sz="900" dirty="0"/>
-              <a:t>../../lib/Part/Sensor</a:t>
-            </a:r>
-          </a:p>
-          <a:p>
-            <a:pPr algn="ctr"/>
-            <a:r>
-              <a:rPr lang="en-US" altLang="ko-KR" sz="900" dirty="0"/>
-              <a:t>[PART02]</a:t>
-            </a:r>
-            <a:endParaRPr lang="ko-KR" altLang="en-US" sz="900" dirty="0"/>
-          </a:p>
-        </p:txBody>
-      </p:sp>
     </p:spTree>
     <p:extLst>
       <p:ext uri="{BB962C8B-B14F-4D97-AF65-F5344CB8AC3E}">
@@ -12807,7 +11255,7 @@
           <p:cNvPr id="3" name="그룹 2">
             <a:extLst>
               <a:ext uri="{FF2B5EF4-FFF2-40B4-BE49-F238E27FC236}">
-                <a16:creationId xmlns:a16="http://schemas.microsoft.com/office/drawing/2014/main" id="{D42C2551-CC6F-DF5C-CAC4-7B3EA216C131}"/>
+                <a16:creationId xmlns:a16="http://schemas.microsoft.com/office/drawing/2014/main" id="{46C24BFE-34F7-BBAF-4CC2-9F459D3D9CBA}"/>
               </a:ext>
             </a:extLst>
           </p:cNvPr>
@@ -14776,526 +13224,6 @@
           </p:style>
         </p:cxnSp>
       </p:grpSp>
-      <p:sp>
-        <p:nvSpPr>
-          <p:cNvPr id="43" name="사각형: 모서리가 접힌 도형 42">
-            <a:extLst>
-              <a:ext uri="{FF2B5EF4-FFF2-40B4-BE49-F238E27FC236}">
-                <a16:creationId xmlns:a16="http://schemas.microsoft.com/office/drawing/2014/main" id="{542319C5-DBB3-FECE-CDA9-B7F88B7E8B70}"/>
-              </a:ext>
-            </a:extLst>
-          </p:cNvPr>
-          <p:cNvSpPr/>
-          <p:nvPr/>
-        </p:nvSpPr>
-        <p:spPr>
-          <a:xfrm>
-            <a:off x="8491003" y="223372"/>
-            <a:ext cx="1685035" cy="591039"/>
-          </a:xfrm>
-          <a:prstGeom prst="foldedCorner">
-            <a:avLst>
-              <a:gd name="adj" fmla="val 27487"/>
-            </a:avLst>
-          </a:prstGeom>
-          <a:solidFill>
-            <a:schemeClr val="accent3">
-              <a:alpha val="50000"/>
-            </a:schemeClr>
-          </a:solidFill>
-          <a:ln>
-            <a:noFill/>
-          </a:ln>
-        </p:spPr>
-        <p:style>
-          <a:lnRef idx="0">
-            <a:scrgbClr r="0" g="0" b="0"/>
-          </a:lnRef>
-          <a:fillRef idx="0">
-            <a:scrgbClr r="0" g="0" b="0"/>
-          </a:fillRef>
-          <a:effectRef idx="0">
-            <a:scrgbClr r="0" g="0" b="0"/>
-          </a:effectRef>
-          <a:fontRef idx="minor">
-            <a:schemeClr val="lt1"/>
-          </a:fontRef>
-        </p:style>
-        <p:txBody>
-          <a:bodyPr rtlCol="0" anchor="ctr"/>
-          <a:lstStyle/>
-          <a:p>
-            <a:pPr algn="ctr"/>
-            <a:r>
-              <a:rPr lang="en-US" altLang="ko-KR" sz="900" dirty="0"/>
-              <a:t>../../lib/Cylinder/Single</a:t>
-            </a:r>
-          </a:p>
-          <a:p>
-            <a:pPr algn="ctr"/>
-            <a:r>
-              <a:rPr lang="en-US" altLang="ko-KR" sz="900" dirty="0"/>
-              <a:t>[Pin01]</a:t>
-            </a:r>
-            <a:endParaRPr lang="ko-KR" altLang="en-US" sz="900" dirty="0"/>
-          </a:p>
-        </p:txBody>
-      </p:sp>
-      <p:sp>
-        <p:nvSpPr>
-          <p:cNvPr id="44" name="사각형: 모서리가 접힌 도형 43">
-            <a:extLst>
-              <a:ext uri="{FF2B5EF4-FFF2-40B4-BE49-F238E27FC236}">
-                <a16:creationId xmlns:a16="http://schemas.microsoft.com/office/drawing/2014/main" id="{FE62AFEE-E51D-82BF-2097-68D97AEF5B08}"/>
-              </a:ext>
-            </a:extLst>
-          </p:cNvPr>
-          <p:cNvSpPr/>
-          <p:nvPr/>
-        </p:nvSpPr>
-        <p:spPr>
-          <a:xfrm>
-            <a:off x="8491003" y="992346"/>
-            <a:ext cx="1685035" cy="591039"/>
-          </a:xfrm>
-          <a:prstGeom prst="foldedCorner">
-            <a:avLst>
-              <a:gd name="adj" fmla="val 27487"/>
-            </a:avLst>
-          </a:prstGeom>
-          <a:solidFill>
-            <a:schemeClr val="accent3">
-              <a:alpha val="50000"/>
-            </a:schemeClr>
-          </a:solidFill>
-          <a:ln>
-            <a:noFill/>
-          </a:ln>
-        </p:spPr>
-        <p:style>
-          <a:lnRef idx="0">
-            <a:scrgbClr r="0" g="0" b="0"/>
-          </a:lnRef>
-          <a:fillRef idx="0">
-            <a:scrgbClr r="0" g="0" b="0"/>
-          </a:fillRef>
-          <a:effectRef idx="0">
-            <a:scrgbClr r="0" g="0" b="0"/>
-          </a:effectRef>
-          <a:fontRef idx="minor">
-            <a:schemeClr val="lt1"/>
-          </a:fontRef>
-        </p:style>
-        <p:txBody>
-          <a:bodyPr rtlCol="0" anchor="ctr"/>
-          <a:lstStyle/>
-          <a:p>
-            <a:pPr algn="ctr"/>
-            <a:r>
-              <a:rPr lang="en-US" altLang="ko-KR" sz="900" dirty="0"/>
-              <a:t>../../lib/Robot/Weld</a:t>
-            </a:r>
-          </a:p>
-          <a:p>
-            <a:pPr algn="ctr"/>
-            <a:r>
-              <a:rPr lang="en-US" altLang="ko-KR" sz="900" dirty="0"/>
-              <a:t>[RbtWeld01]</a:t>
-            </a:r>
-            <a:endParaRPr lang="ko-KR" altLang="en-US" sz="900" dirty="0"/>
-          </a:p>
-        </p:txBody>
-      </p:sp>
-      <p:sp>
-        <p:nvSpPr>
-          <p:cNvPr id="45" name="사각형: 모서리가 접힌 도형 44">
-            <a:extLst>
-              <a:ext uri="{FF2B5EF4-FFF2-40B4-BE49-F238E27FC236}">
-                <a16:creationId xmlns:a16="http://schemas.microsoft.com/office/drawing/2014/main" id="{87DD9411-5771-93AA-0B58-A1CB7493175C}"/>
-              </a:ext>
-            </a:extLst>
-          </p:cNvPr>
-          <p:cNvSpPr/>
-          <p:nvPr/>
-        </p:nvSpPr>
-        <p:spPr>
-          <a:xfrm>
-            <a:off x="8491003" y="1805345"/>
-            <a:ext cx="1685035" cy="591039"/>
-          </a:xfrm>
-          <a:prstGeom prst="foldedCorner">
-            <a:avLst>
-              <a:gd name="adj" fmla="val 27487"/>
-            </a:avLst>
-          </a:prstGeom>
-          <a:solidFill>
-            <a:schemeClr val="accent3">
-              <a:alpha val="50000"/>
-            </a:schemeClr>
-          </a:solidFill>
-          <a:ln>
-            <a:noFill/>
-          </a:ln>
-        </p:spPr>
-        <p:style>
-          <a:lnRef idx="0">
-            <a:scrgbClr r="0" g="0" b="0"/>
-          </a:lnRef>
-          <a:fillRef idx="0">
-            <a:scrgbClr r="0" g="0" b="0"/>
-          </a:fillRef>
-          <a:effectRef idx="0">
-            <a:scrgbClr r="0" g="0" b="0"/>
-          </a:effectRef>
-          <a:fontRef idx="minor">
-            <a:schemeClr val="lt1"/>
-          </a:fontRef>
-        </p:style>
-        <p:txBody>
-          <a:bodyPr rtlCol="0" anchor="ctr"/>
-          <a:lstStyle/>
-          <a:p>
-            <a:pPr algn="ctr"/>
-            <a:r>
-              <a:rPr lang="en-US" altLang="ko-KR" sz="900" dirty="0"/>
-              <a:t>../../lib/Robot/Handling</a:t>
-            </a:r>
-          </a:p>
-          <a:p>
-            <a:pPr algn="ctr"/>
-            <a:r>
-              <a:rPr lang="en-US" altLang="ko-KR" sz="900" dirty="0"/>
-              <a:t>[RbtHand01]</a:t>
-            </a:r>
-            <a:endParaRPr lang="ko-KR" altLang="en-US" sz="900" dirty="0"/>
-          </a:p>
-        </p:txBody>
-      </p:sp>
-      <p:sp>
-        <p:nvSpPr>
-          <p:cNvPr id="46" name="사각형: 모서리가 접힌 도형 45">
-            <a:extLst>
-              <a:ext uri="{FF2B5EF4-FFF2-40B4-BE49-F238E27FC236}">
-                <a16:creationId xmlns:a16="http://schemas.microsoft.com/office/drawing/2014/main" id="{4034FC19-A510-FD71-9E0A-2A1CB1ECD130}"/>
-              </a:ext>
-            </a:extLst>
-          </p:cNvPr>
-          <p:cNvSpPr/>
-          <p:nvPr/>
-        </p:nvSpPr>
-        <p:spPr>
-          <a:xfrm>
-            <a:off x="8491003" y="2583820"/>
-            <a:ext cx="1685035" cy="591039"/>
-          </a:xfrm>
-          <a:prstGeom prst="foldedCorner">
-            <a:avLst>
-              <a:gd name="adj" fmla="val 27487"/>
-            </a:avLst>
-          </a:prstGeom>
-          <a:solidFill>
-            <a:schemeClr val="accent3">
-              <a:alpha val="50000"/>
-            </a:schemeClr>
-          </a:solidFill>
-          <a:ln>
-            <a:noFill/>
-          </a:ln>
-        </p:spPr>
-        <p:style>
-          <a:lnRef idx="0">
-            <a:scrgbClr r="0" g="0" b="0"/>
-          </a:lnRef>
-          <a:fillRef idx="0">
-            <a:scrgbClr r="0" g="0" b="0"/>
-          </a:fillRef>
-          <a:effectRef idx="0">
-            <a:scrgbClr r="0" g="0" b="0"/>
-          </a:effectRef>
-          <a:fontRef idx="minor">
-            <a:schemeClr val="lt1"/>
-          </a:fontRef>
-        </p:style>
-        <p:txBody>
-          <a:bodyPr rtlCol="0" anchor="ctr"/>
-          <a:lstStyle/>
-          <a:p>
-            <a:pPr algn="ctr"/>
-            <a:r>
-              <a:rPr lang="en-US" altLang="ko-KR" sz="900" dirty="0"/>
-              <a:t>../../lib/Part/Sensor</a:t>
-            </a:r>
-          </a:p>
-          <a:p>
-            <a:pPr algn="ctr"/>
-            <a:r>
-              <a:rPr lang="en-US" altLang="ko-KR" sz="900" dirty="0"/>
-              <a:t>[PART01]</a:t>
-            </a:r>
-            <a:endParaRPr lang="ko-KR" altLang="en-US" sz="900" dirty="0"/>
-          </a:p>
-        </p:txBody>
-      </p:sp>
-      <p:sp>
-        <p:nvSpPr>
-          <p:cNvPr id="47" name="사각형: 모서리가 접힌 도형 46">
-            <a:extLst>
-              <a:ext uri="{FF2B5EF4-FFF2-40B4-BE49-F238E27FC236}">
-                <a16:creationId xmlns:a16="http://schemas.microsoft.com/office/drawing/2014/main" id="{272202CC-C4F7-E203-03BC-14EB422F553A}"/>
-              </a:ext>
-            </a:extLst>
-          </p:cNvPr>
-          <p:cNvSpPr/>
-          <p:nvPr/>
-        </p:nvSpPr>
-        <p:spPr>
-          <a:xfrm>
-            <a:off x="10301689" y="223372"/>
-            <a:ext cx="1685035" cy="591039"/>
-          </a:xfrm>
-          <a:prstGeom prst="foldedCorner">
-            <a:avLst>
-              <a:gd name="adj" fmla="val 27487"/>
-            </a:avLst>
-          </a:prstGeom>
-          <a:solidFill>
-            <a:schemeClr val="accent3">
-              <a:alpha val="50000"/>
-            </a:schemeClr>
-          </a:solidFill>
-          <a:ln>
-            <a:noFill/>
-          </a:ln>
-        </p:spPr>
-        <p:style>
-          <a:lnRef idx="0">
-            <a:scrgbClr r="0" g="0" b="0"/>
-          </a:lnRef>
-          <a:fillRef idx="0">
-            <a:scrgbClr r="0" g="0" b="0"/>
-          </a:fillRef>
-          <a:effectRef idx="0">
-            <a:scrgbClr r="0" g="0" b="0"/>
-          </a:effectRef>
-          <a:fontRef idx="minor">
-            <a:schemeClr val="lt1"/>
-          </a:fontRef>
-        </p:style>
-        <p:txBody>
-          <a:bodyPr rtlCol="0" anchor="ctr"/>
-          <a:lstStyle/>
-          <a:p>
-            <a:pPr algn="ctr"/>
-            <a:r>
-              <a:rPr lang="en-US" altLang="ko-KR" sz="900" dirty="0"/>
-              <a:t>../../lib/Cylinder/Single</a:t>
-            </a:r>
-          </a:p>
-          <a:p>
-            <a:pPr algn="ctr"/>
-            <a:r>
-              <a:rPr lang="en-US" altLang="ko-KR" sz="900" dirty="0"/>
-              <a:t>[Pin02]</a:t>
-            </a:r>
-            <a:endParaRPr lang="ko-KR" altLang="en-US" sz="900" dirty="0"/>
-          </a:p>
-        </p:txBody>
-      </p:sp>
-      <p:sp>
-        <p:nvSpPr>
-          <p:cNvPr id="48" name="사각형: 모서리가 접힌 도형 47">
-            <a:extLst>
-              <a:ext uri="{FF2B5EF4-FFF2-40B4-BE49-F238E27FC236}">
-                <a16:creationId xmlns:a16="http://schemas.microsoft.com/office/drawing/2014/main" id="{A40B1ACD-653C-192A-74E3-5C9427E67AEA}"/>
-              </a:ext>
-            </a:extLst>
-          </p:cNvPr>
-          <p:cNvSpPr/>
-          <p:nvPr/>
-        </p:nvSpPr>
-        <p:spPr>
-          <a:xfrm>
-            <a:off x="10301689" y="992346"/>
-            <a:ext cx="1685035" cy="591039"/>
-          </a:xfrm>
-          <a:prstGeom prst="foldedCorner">
-            <a:avLst>
-              <a:gd name="adj" fmla="val 27487"/>
-            </a:avLst>
-          </a:prstGeom>
-          <a:solidFill>
-            <a:schemeClr val="accent3">
-              <a:alpha val="50000"/>
-            </a:schemeClr>
-          </a:solidFill>
-          <a:ln>
-            <a:noFill/>
-          </a:ln>
-        </p:spPr>
-        <p:style>
-          <a:lnRef idx="0">
-            <a:scrgbClr r="0" g="0" b="0"/>
-          </a:lnRef>
-          <a:fillRef idx="0">
-            <a:scrgbClr r="0" g="0" b="0"/>
-          </a:fillRef>
-          <a:effectRef idx="0">
-            <a:scrgbClr r="0" g="0" b="0"/>
-          </a:effectRef>
-          <a:fontRef idx="minor">
-            <a:schemeClr val="lt1"/>
-          </a:fontRef>
-        </p:style>
-        <p:txBody>
-          <a:bodyPr rtlCol="0" anchor="ctr"/>
-          <a:lstStyle/>
-          <a:p>
-            <a:pPr algn="ctr"/>
-            <a:r>
-              <a:rPr lang="en-US" altLang="ko-KR" sz="900" dirty="0"/>
-              <a:t>../../lib/Robot/Weld</a:t>
-            </a:r>
-          </a:p>
-          <a:p>
-            <a:pPr algn="ctr"/>
-            <a:r>
-              <a:rPr lang="en-US" altLang="ko-KR" sz="900" dirty="0"/>
-              <a:t>[RbtWeld02]</a:t>
-            </a:r>
-            <a:endParaRPr lang="ko-KR" altLang="en-US" sz="900" dirty="0"/>
-          </a:p>
-        </p:txBody>
-      </p:sp>
-      <p:sp>
-        <p:nvSpPr>
-          <p:cNvPr id="49" name="사각형: 모서리가 접힌 도형 48">
-            <a:extLst>
-              <a:ext uri="{FF2B5EF4-FFF2-40B4-BE49-F238E27FC236}">
-                <a16:creationId xmlns:a16="http://schemas.microsoft.com/office/drawing/2014/main" id="{C4EEC91D-4B8D-CDAB-9D6A-8253CD6272F6}"/>
-              </a:ext>
-            </a:extLst>
-          </p:cNvPr>
-          <p:cNvSpPr/>
-          <p:nvPr/>
-        </p:nvSpPr>
-        <p:spPr>
-          <a:xfrm>
-            <a:off x="10301689" y="1805345"/>
-            <a:ext cx="1685035" cy="591039"/>
-          </a:xfrm>
-          <a:prstGeom prst="foldedCorner">
-            <a:avLst>
-              <a:gd name="adj" fmla="val 27487"/>
-            </a:avLst>
-          </a:prstGeom>
-          <a:solidFill>
-            <a:schemeClr val="accent3">
-              <a:alpha val="50000"/>
-            </a:schemeClr>
-          </a:solidFill>
-          <a:ln>
-            <a:noFill/>
-          </a:ln>
-        </p:spPr>
-        <p:style>
-          <a:lnRef idx="0">
-            <a:scrgbClr r="0" g="0" b="0"/>
-          </a:lnRef>
-          <a:fillRef idx="0">
-            <a:scrgbClr r="0" g="0" b="0"/>
-          </a:fillRef>
-          <a:effectRef idx="0">
-            <a:scrgbClr r="0" g="0" b="0"/>
-          </a:effectRef>
-          <a:fontRef idx="minor">
-            <a:schemeClr val="lt1"/>
-          </a:fontRef>
-        </p:style>
-        <p:txBody>
-          <a:bodyPr rtlCol="0" anchor="ctr"/>
-          <a:lstStyle/>
-          <a:p>
-            <a:pPr algn="ctr"/>
-            <a:r>
-              <a:rPr lang="en-US" altLang="ko-KR" sz="900" dirty="0"/>
-              <a:t>../../lib/Robot/Handling</a:t>
-            </a:r>
-          </a:p>
-          <a:p>
-            <a:pPr algn="ctr"/>
-            <a:r>
-              <a:rPr lang="en-US" altLang="ko-KR" sz="900" dirty="0"/>
-              <a:t>[RbtHand02]</a:t>
-            </a:r>
-            <a:endParaRPr lang="ko-KR" altLang="en-US" sz="900" dirty="0"/>
-          </a:p>
-        </p:txBody>
-      </p:sp>
-      <p:sp>
-        <p:nvSpPr>
-          <p:cNvPr id="50" name="사각형: 모서리가 접힌 도형 49">
-            <a:extLst>
-              <a:ext uri="{FF2B5EF4-FFF2-40B4-BE49-F238E27FC236}">
-                <a16:creationId xmlns:a16="http://schemas.microsoft.com/office/drawing/2014/main" id="{4AEBDB3A-3587-5887-5A31-F2B3D80C61FD}"/>
-              </a:ext>
-            </a:extLst>
-          </p:cNvPr>
-          <p:cNvSpPr/>
-          <p:nvPr/>
-        </p:nvSpPr>
-        <p:spPr>
-          <a:xfrm>
-            <a:off x="10301689" y="2583820"/>
-            <a:ext cx="1685035" cy="591039"/>
-          </a:xfrm>
-          <a:prstGeom prst="foldedCorner">
-            <a:avLst>
-              <a:gd name="adj" fmla="val 27487"/>
-            </a:avLst>
-          </a:prstGeom>
-          <a:solidFill>
-            <a:schemeClr val="accent3">
-              <a:alpha val="50000"/>
-            </a:schemeClr>
-          </a:solidFill>
-          <a:ln>
-            <a:noFill/>
-          </a:ln>
-        </p:spPr>
-        <p:style>
-          <a:lnRef idx="0">
-            <a:scrgbClr r="0" g="0" b="0"/>
-          </a:lnRef>
-          <a:fillRef idx="0">
-            <a:scrgbClr r="0" g="0" b="0"/>
-          </a:fillRef>
-          <a:effectRef idx="0">
-            <a:scrgbClr r="0" g="0" b="0"/>
-          </a:effectRef>
-          <a:fontRef idx="minor">
-            <a:schemeClr val="lt1"/>
-          </a:fontRef>
-        </p:style>
-        <p:txBody>
-          <a:bodyPr rtlCol="0" anchor="ctr"/>
-          <a:lstStyle/>
-          <a:p>
-            <a:pPr algn="ctr"/>
-            <a:r>
-              <a:rPr lang="en-US" altLang="ko-KR" sz="900" dirty="0"/>
-              <a:t>../../lib/Part/Sensor</a:t>
-            </a:r>
-          </a:p>
-          <a:p>
-            <a:pPr algn="ctr"/>
-            <a:r>
-              <a:rPr lang="en-US" altLang="ko-KR" sz="900" dirty="0"/>
-              <a:t>[PART02]</a:t>
-            </a:r>
-            <a:endParaRPr lang="ko-KR" altLang="en-US" sz="900" dirty="0"/>
-          </a:p>
-        </p:txBody>
-      </p:sp>
     </p:spTree>
     <p:extLst>
       <p:ext uri="{BB962C8B-B14F-4D97-AF65-F5344CB8AC3E}">

--- a/DsDotNet/src/UnitTest/UnitTest.Model/ImportOfficeExample/Sample/Sub/Sub/Side.pptx
+++ b/DsDotNet/src/UnitTest/UnitTest.Model/ImportOfficeExample/Sample/Sub/Sub/Side.pptx
@@ -220,7 +220,7 @@
           <a:p>
             <a:fld id="{DD503887-5801-43A0-AEF9-041E8DDC2558}" type="datetimeFigureOut">
               <a:rPr lang="ko-KR" altLang="en-US" smtClean="0"/>
-              <a:t>2024-07-14</a:t>
+              <a:t>2024-07-17</a:t>
             </a:fld>
             <a:endParaRPr lang="ko-KR" altLang="en-US" dirty="0"/>
           </a:p>
@@ -397,7 +397,7 @@
           <a:p>
             <a:fld id="{95336A0E-57B1-4D4C-BD9B-2F72B5943464}" type="datetimeFigureOut">
               <a:rPr lang="ko-KR" altLang="en-US" smtClean="0"/>
-              <a:t>2024-07-14</a:t>
+              <a:t>2024-07-17</a:t>
             </a:fld>
             <a:endParaRPr lang="ko-KR" altLang="en-US" dirty="0"/>
           </a:p>
@@ -757,407 +757,6 @@
           </a:p>
         </p:txBody>
       </p:sp>
-      <p:sp>
-        <p:nvSpPr>
-          <p:cNvPr id="8" name="타원 7">
-            <a:extLst>
-              <a:ext uri="{FF2B5EF4-FFF2-40B4-BE49-F238E27FC236}">
-                <a16:creationId xmlns:a16="http://schemas.microsoft.com/office/drawing/2014/main" id="{938AD48E-7D67-4BE9-97B6-DB64DE5253B9}"/>
-              </a:ext>
-              <a:ext uri="{C183D7F6-B498-43B3-948B-1728B52AA6E4}">
-                <adec:decorative xmlns:adec="http://schemas.microsoft.com/office/drawing/2017/decorative" val="1"/>
-              </a:ext>
-            </a:extLst>
-          </p:cNvPr>
-          <p:cNvSpPr>
-            <a:spLocks noChangeAspect="1"/>
-          </p:cNvSpPr>
-          <p:nvPr userDrawn="1"/>
-        </p:nvSpPr>
-        <p:spPr>
-          <a:xfrm>
-            <a:off x="7999413" y="445272"/>
-            <a:ext cx="360000" cy="360000"/>
-          </a:xfrm>
-          <a:prstGeom prst="ellipse">
-            <a:avLst/>
-          </a:prstGeom>
-          <a:gradFill flip="none" rotWithShape="1">
-            <a:gsLst>
-              <a:gs pos="100000">
-                <a:schemeClr val="bg2">
-                  <a:lumMod val="50000"/>
-                  <a:lumOff val="50000"/>
-                </a:schemeClr>
-              </a:gs>
-              <a:gs pos="60000">
-                <a:schemeClr val="bg2"/>
-              </a:gs>
-            </a:gsLst>
-            <a:path path="circle">
-              <a:fillToRect l="100000" b="100000"/>
-            </a:path>
-            <a:tileRect t="-100000" r="-100000"/>
-          </a:gradFill>
-          <a:ln>
-            <a:noFill/>
-          </a:ln>
-          <a:effectLst>
-            <a:innerShdw blurRad="127000" dist="63500" dir="2700000">
-              <a:schemeClr val="accent1">
-                <a:lumMod val="60000"/>
-                <a:lumOff val="40000"/>
-                <a:alpha val="20000"/>
-              </a:schemeClr>
-            </a:innerShdw>
-            <a:softEdge rad="0"/>
-          </a:effectLst>
-        </p:spPr>
-        <p:style>
-          <a:lnRef idx="2">
-            <a:schemeClr val="accent1">
-              <a:shade val="50000"/>
-            </a:schemeClr>
-          </a:lnRef>
-          <a:fillRef idx="1">
-            <a:schemeClr val="accent1"/>
-          </a:fillRef>
-          <a:effectRef idx="0">
-            <a:schemeClr val="accent1"/>
-          </a:effectRef>
-          <a:fontRef idx="minor">
-            <a:schemeClr val="lt1"/>
-          </a:fontRef>
-        </p:style>
-        <p:txBody>
-          <a:bodyPr rot="0" spcFirstLastPara="0" vertOverflow="overflow" horzOverflow="overflow" vert="horz" wrap="square" lIns="91440" tIns="45720" rIns="91440" bIns="45720" numCol="1" spcCol="0" rtlCol="0" fromWordArt="0" anchor="ctr" anchorCtr="0" forceAA="0" compatLnSpc="1">
-            <a:prstTxWarp prst="textNoShape">
-              <a:avLst/>
-            </a:prstTxWarp>
-            <a:noAutofit/>
-          </a:bodyPr>
-          <a:lstStyle/>
-          <a:p>
-            <a:pPr algn="ctr" rtl="0"/>
-            <a:endParaRPr lang="ko-KR"/>
-          </a:p>
-        </p:txBody>
-      </p:sp>
-      <p:grpSp>
-        <p:nvGrpSpPr>
-          <p:cNvPr id="9" name="그룹 8">
-            <a:extLst>
-              <a:ext uri="{FF2B5EF4-FFF2-40B4-BE49-F238E27FC236}">
-                <a16:creationId xmlns:a16="http://schemas.microsoft.com/office/drawing/2014/main" id="{EB6FF8E2-165B-49EB-8120-14190F9491BC}"/>
-              </a:ext>
-              <a:ext uri="{C183D7F6-B498-43B3-948B-1728B52AA6E4}">
-                <adec:decorative xmlns:adec="http://schemas.microsoft.com/office/drawing/2017/decorative" val="1"/>
-              </a:ext>
-            </a:extLst>
-          </p:cNvPr>
-          <p:cNvGrpSpPr/>
-          <p:nvPr userDrawn="1"/>
-        </p:nvGrpSpPr>
-        <p:grpSpPr>
-          <a:xfrm rot="5400000">
-            <a:off x="10915300" y="5534727"/>
-            <a:ext cx="667802" cy="631474"/>
-            <a:chOff x="10478914" y="1506691"/>
-            <a:chExt cx="667802" cy="631474"/>
-          </a:xfrm>
-        </p:grpSpPr>
-        <p:sp>
-          <p:nvSpPr>
-            <p:cNvPr id="10" name="자유형: 도형 9">
-              <a:extLst>
-                <a:ext uri="{FF2B5EF4-FFF2-40B4-BE49-F238E27FC236}">
-                  <a16:creationId xmlns:a16="http://schemas.microsoft.com/office/drawing/2014/main" id="{79B763A7-EE7D-4306-8306-01E8C86E6350}"/>
-                </a:ext>
-              </a:extLst>
-            </p:cNvPr>
-            <p:cNvSpPr>
-              <a:spLocks noChangeAspect="1"/>
-            </p:cNvSpPr>
-            <p:nvPr/>
-          </p:nvSpPr>
-          <p:spPr>
-            <a:xfrm rot="8100000">
-              <a:off x="10606715" y="1506691"/>
-              <a:ext cx="540001" cy="631474"/>
-            </a:xfrm>
-            <a:custGeom>
-              <a:avLst/>
-              <a:gdLst>
-                <a:gd name="connsiteX0" fmla="*/ 540000 w 1080000"/>
-                <a:gd name="connsiteY0" fmla="*/ 0 h 1262947"/>
-                <a:gd name="connsiteX1" fmla="*/ 1080000 w 1080000"/>
-                <a:gd name="connsiteY1" fmla="*/ 931034 h 1262947"/>
-                <a:gd name="connsiteX2" fmla="*/ 1064374 w 1080000"/>
-                <a:gd name="connsiteY2" fmla="*/ 931034 h 1262947"/>
-                <a:gd name="connsiteX3" fmla="*/ 1069029 w 1080000"/>
-                <a:gd name="connsiteY3" fmla="*/ 938533 h 1262947"/>
-                <a:gd name="connsiteX4" fmla="*/ 1080000 w 1080000"/>
-                <a:gd name="connsiteY4" fmla="*/ 992947 h 1262947"/>
-                <a:gd name="connsiteX5" fmla="*/ 540000 w 1080000"/>
-                <a:gd name="connsiteY5" fmla="*/ 1262947 h 1262947"/>
-                <a:gd name="connsiteX6" fmla="*/ 0 w 1080000"/>
-                <a:gd name="connsiteY6" fmla="*/ 992947 h 1262947"/>
-                <a:gd name="connsiteX7" fmla="*/ 10971 w 1080000"/>
-                <a:gd name="connsiteY7" fmla="*/ 938533 h 1262947"/>
-                <a:gd name="connsiteX8" fmla="*/ 15626 w 1080000"/>
-                <a:gd name="connsiteY8" fmla="*/ 931034 h 1262947"/>
-                <a:gd name="connsiteX9" fmla="*/ 0 w 1080000"/>
-                <a:gd name="connsiteY9" fmla="*/ 931034 h 1262947"/>
-                <a:gd name="connsiteX0" fmla="*/ 540000 w 1080000"/>
-                <a:gd name="connsiteY0" fmla="*/ 0 h 1262947"/>
-                <a:gd name="connsiteX1" fmla="*/ 1080000 w 1080000"/>
-                <a:gd name="connsiteY1" fmla="*/ 931034 h 1262947"/>
-                <a:gd name="connsiteX2" fmla="*/ 1064374 w 1080000"/>
-                <a:gd name="connsiteY2" fmla="*/ 931034 h 1262947"/>
-                <a:gd name="connsiteX3" fmla="*/ 1069029 w 1080000"/>
-                <a:gd name="connsiteY3" fmla="*/ 938533 h 1262947"/>
-                <a:gd name="connsiteX4" fmla="*/ 1080000 w 1080000"/>
-                <a:gd name="connsiteY4" fmla="*/ 992947 h 1262947"/>
-                <a:gd name="connsiteX5" fmla="*/ 540000 w 1080000"/>
-                <a:gd name="connsiteY5" fmla="*/ 1262947 h 1262947"/>
-                <a:gd name="connsiteX6" fmla="*/ 0 w 1080000"/>
-                <a:gd name="connsiteY6" fmla="*/ 992947 h 1262947"/>
-                <a:gd name="connsiteX7" fmla="*/ 10971 w 1080000"/>
-                <a:gd name="connsiteY7" fmla="*/ 938533 h 1262947"/>
-                <a:gd name="connsiteX8" fmla="*/ 15626 w 1080000"/>
-                <a:gd name="connsiteY8" fmla="*/ 931034 h 1262947"/>
-                <a:gd name="connsiteX9" fmla="*/ 540000 w 1080000"/>
-                <a:gd name="connsiteY9" fmla="*/ 0 h 1262947"/>
-                <a:gd name="connsiteX0" fmla="*/ 540000 w 1080000"/>
-                <a:gd name="connsiteY0" fmla="*/ 0 h 1262947"/>
-                <a:gd name="connsiteX1" fmla="*/ 1064374 w 1080000"/>
-                <a:gd name="connsiteY1" fmla="*/ 931034 h 1262947"/>
-                <a:gd name="connsiteX2" fmla="*/ 1069029 w 1080000"/>
-                <a:gd name="connsiteY2" fmla="*/ 938533 h 1262947"/>
-                <a:gd name="connsiteX3" fmla="*/ 1080000 w 1080000"/>
-                <a:gd name="connsiteY3" fmla="*/ 992947 h 1262947"/>
-                <a:gd name="connsiteX4" fmla="*/ 540000 w 1080000"/>
-                <a:gd name="connsiteY4" fmla="*/ 1262947 h 1262947"/>
-                <a:gd name="connsiteX5" fmla="*/ 0 w 1080000"/>
-                <a:gd name="connsiteY5" fmla="*/ 992947 h 1262947"/>
-                <a:gd name="connsiteX6" fmla="*/ 10971 w 1080000"/>
-                <a:gd name="connsiteY6" fmla="*/ 938533 h 1262947"/>
-                <a:gd name="connsiteX7" fmla="*/ 15626 w 1080000"/>
-                <a:gd name="connsiteY7" fmla="*/ 931034 h 1262947"/>
-                <a:gd name="connsiteX8" fmla="*/ 540000 w 1080000"/>
-                <a:gd name="connsiteY8" fmla="*/ 0 h 1262947"/>
-              </a:gdLst>
-              <a:ahLst/>
-              <a:cxnLst>
-                <a:cxn ang="0">
-                  <a:pos x="connsiteX0" y="connsiteY0"/>
-                </a:cxn>
-                <a:cxn ang="0">
-                  <a:pos x="connsiteX1" y="connsiteY1"/>
-                </a:cxn>
-                <a:cxn ang="0">
-                  <a:pos x="connsiteX2" y="connsiteY2"/>
-                </a:cxn>
-                <a:cxn ang="0">
-                  <a:pos x="connsiteX3" y="connsiteY3"/>
-                </a:cxn>
-                <a:cxn ang="0">
-                  <a:pos x="connsiteX4" y="connsiteY4"/>
-                </a:cxn>
-                <a:cxn ang="0">
-                  <a:pos x="connsiteX5" y="connsiteY5"/>
-                </a:cxn>
-                <a:cxn ang="0">
-                  <a:pos x="connsiteX6" y="connsiteY6"/>
-                </a:cxn>
-                <a:cxn ang="0">
-                  <a:pos x="connsiteX7" y="connsiteY7"/>
-                </a:cxn>
-                <a:cxn ang="0">
-                  <a:pos x="connsiteX8" y="connsiteY8"/>
-                </a:cxn>
-              </a:cxnLst>
-              <a:rect l="l" t="t" r="r" b="b"/>
-              <a:pathLst>
-                <a:path w="1080000" h="1262947">
-                  <a:moveTo>
-                    <a:pt x="540000" y="0"/>
-                  </a:moveTo>
-                  <a:lnTo>
-                    <a:pt x="1064374" y="931034"/>
-                  </a:lnTo>
-                  <a:lnTo>
-                    <a:pt x="1069029" y="938533"/>
-                  </a:lnTo>
-                  <a:cubicBezTo>
-                    <a:pt x="1076223" y="956109"/>
-                    <a:pt x="1080000" y="974307"/>
-                    <a:pt x="1080000" y="992947"/>
-                  </a:cubicBezTo>
-                  <a:cubicBezTo>
-                    <a:pt x="1080000" y="1142064"/>
-                    <a:pt x="838234" y="1262947"/>
-                    <a:pt x="540000" y="1262947"/>
-                  </a:cubicBezTo>
-                  <a:cubicBezTo>
-                    <a:pt x="241766" y="1262947"/>
-                    <a:pt x="0" y="1142064"/>
-                    <a:pt x="0" y="992947"/>
-                  </a:cubicBezTo>
-                  <a:cubicBezTo>
-                    <a:pt x="0" y="974307"/>
-                    <a:pt x="3778" y="956109"/>
-                    <a:pt x="10971" y="938533"/>
-                  </a:cubicBezTo>
-                  <a:lnTo>
-                    <a:pt x="15626" y="931034"/>
-                  </a:lnTo>
-                  <a:lnTo>
-                    <a:pt x="540000" y="0"/>
-                  </a:lnTo>
-                  <a:close/>
-                </a:path>
-              </a:pathLst>
-            </a:custGeom>
-            <a:gradFill>
-              <a:gsLst>
-                <a:gs pos="60000">
-                  <a:schemeClr val="bg2">
-                    <a:lumMod val="90000"/>
-                    <a:lumOff val="10000"/>
-                  </a:schemeClr>
-                </a:gs>
-                <a:gs pos="30000">
-                  <a:schemeClr val="bg2">
-                    <a:lumMod val="90000"/>
-                    <a:lumOff val="10000"/>
-                  </a:schemeClr>
-                </a:gs>
-                <a:gs pos="40000">
-                  <a:schemeClr val="bg2">
-                    <a:lumMod val="80000"/>
-                    <a:lumOff val="20000"/>
-                  </a:schemeClr>
-                </a:gs>
-                <a:gs pos="100000">
-                  <a:schemeClr val="bg2"/>
-                </a:gs>
-              </a:gsLst>
-              <a:lin ang="600000" scaled="0"/>
-            </a:gradFill>
-            <a:ln>
-              <a:noFill/>
-            </a:ln>
-            <a:effectLst>
-              <a:innerShdw blurRad="101600" dist="50800" dir="7320000">
-                <a:schemeClr val="accent1">
-                  <a:lumMod val="60000"/>
-                  <a:lumOff val="40000"/>
-                  <a:alpha val="20000"/>
-                </a:schemeClr>
-              </a:innerShdw>
-            </a:effectLst>
-          </p:spPr>
-          <p:style>
-            <a:lnRef idx="2">
-              <a:schemeClr val="accent1">
-                <a:shade val="50000"/>
-              </a:schemeClr>
-            </a:lnRef>
-            <a:fillRef idx="1">
-              <a:schemeClr val="accent1"/>
-            </a:fillRef>
-            <a:effectRef idx="0">
-              <a:schemeClr val="accent1"/>
-            </a:effectRef>
-            <a:fontRef idx="minor">
-              <a:schemeClr val="lt1"/>
-            </a:fontRef>
-          </p:style>
-          <p:txBody>
-            <a:bodyPr rot="0" spcFirstLastPara="0" vertOverflow="overflow" horzOverflow="overflow" vert="horz" wrap="square" lIns="91440" tIns="45720" rIns="91440" bIns="45720" numCol="1" spcCol="0" rtlCol="0" fromWordArt="0" anchor="ctr" anchorCtr="0" forceAA="0" compatLnSpc="1">
-              <a:prstTxWarp prst="textNoShape">
-                <a:avLst/>
-              </a:prstTxWarp>
-              <a:noAutofit/>
-            </a:bodyPr>
-            <a:lstStyle/>
-            <a:p>
-              <a:pPr algn="ctr" rtl="0"/>
-              <a:endParaRPr lang="ko-KR"/>
-            </a:p>
-          </p:txBody>
-        </p:sp>
-        <p:sp>
-          <p:nvSpPr>
-            <p:cNvPr id="11" name="타원 10">
-              <a:extLst>
-                <a:ext uri="{FF2B5EF4-FFF2-40B4-BE49-F238E27FC236}">
-                  <a16:creationId xmlns:a16="http://schemas.microsoft.com/office/drawing/2014/main" id="{4B3A935F-6844-4FCE-B0AE-5492715A58F1}"/>
-                </a:ext>
-              </a:extLst>
-            </p:cNvPr>
-            <p:cNvSpPr/>
-            <p:nvPr/>
-          </p:nvSpPr>
-          <p:spPr>
-            <a:xfrm rot="13500000">
-              <a:off x="10613915" y="1424627"/>
-              <a:ext cx="270000" cy="540001"/>
-            </a:xfrm>
-            <a:prstGeom prst="ellipse">
-              <a:avLst/>
-            </a:prstGeom>
-            <a:solidFill>
-              <a:schemeClr val="bg2">
-                <a:lumMod val="90000"/>
-                <a:lumOff val="10000"/>
-              </a:schemeClr>
-            </a:solidFill>
-            <a:ln>
-              <a:noFill/>
-            </a:ln>
-            <a:effectLst>
-              <a:innerShdw blurRad="1270000" dist="2540000">
-                <a:schemeClr val="accent1">
-                  <a:lumMod val="60000"/>
-                  <a:lumOff val="40000"/>
-                  <a:alpha val="0"/>
-                </a:schemeClr>
-              </a:innerShdw>
-            </a:effectLst>
-          </p:spPr>
-          <p:style>
-            <a:lnRef idx="2">
-              <a:schemeClr val="accent1">
-                <a:shade val="50000"/>
-              </a:schemeClr>
-            </a:lnRef>
-            <a:fillRef idx="1">
-              <a:schemeClr val="accent1"/>
-            </a:fillRef>
-            <a:effectRef idx="0">
-              <a:schemeClr val="accent1"/>
-            </a:effectRef>
-            <a:fontRef idx="minor">
-              <a:schemeClr val="lt1"/>
-            </a:fontRef>
-          </p:style>
-          <p:txBody>
-            <a:bodyPr rot="0" spcFirstLastPara="0" vertOverflow="overflow" horzOverflow="overflow" vert="horz" wrap="square" lIns="91440" tIns="45720" rIns="91440" bIns="45720" numCol="1" spcCol="0" rtlCol="0" fromWordArt="0" anchor="ctr" anchorCtr="0" forceAA="0" compatLnSpc="1">
-              <a:prstTxWarp prst="textNoShape">
-                <a:avLst/>
-              </a:prstTxWarp>
-              <a:noAutofit/>
-            </a:bodyPr>
-            <a:lstStyle/>
-            <a:p>
-              <a:pPr algn="ctr" rtl="0"/>
-              <a:endParaRPr lang="ko-KR"/>
-            </a:p>
-          </p:txBody>
-        </p:sp>
-      </p:grpSp>
       <p:sp>
         <p:nvSpPr>
           <p:cNvPr id="3" name="텍스트 개체 틀 2">

--- a/DsDotNet/src/UnitTest/UnitTest.Model/ImportOfficeExample/Sample/Sub/Sub/Side.pptx
+++ b/DsDotNet/src/UnitTest/UnitTest.Model/ImportOfficeExample/Sample/Sub/Sub/Side.pptx
@@ -220,7 +220,7 @@
           <a:p>
             <a:fld id="{DD503887-5801-43A0-AEF9-041E8DDC2558}" type="datetimeFigureOut">
               <a:rPr lang="ko-KR" altLang="en-US" smtClean="0"/>
-              <a:t>2024-07-17</a:t>
+              <a:t>2024-07-26</a:t>
             </a:fld>
             <a:endParaRPr lang="ko-KR" altLang="en-US" dirty="0"/>
           </a:p>
@@ -397,7 +397,7 @@
           <a:p>
             <a:fld id="{95336A0E-57B1-4D4C-BD9B-2F72B5943464}" type="datetimeFigureOut">
               <a:rPr lang="ko-KR" altLang="en-US" smtClean="0"/>
-              <a:t>2024-07-17</a:t>
+              <a:t>2024-07-26</a:t>
             </a:fld>
             <a:endParaRPr lang="ko-KR" altLang="en-US" dirty="0"/>
           </a:p>
@@ -3951,10 +3951,10 @@
       </p:cxnSp>
       <p:grpSp>
         <p:nvGrpSpPr>
-          <p:cNvPr id="8" name="그룹 7">
+          <p:cNvPr id="9" name="그룹 8">
             <a:extLst>
               <a:ext uri="{FF2B5EF4-FFF2-40B4-BE49-F238E27FC236}">
-                <a16:creationId xmlns:a16="http://schemas.microsoft.com/office/drawing/2014/main" id="{5581D1C6-643D-3710-77CE-C7B43BD12CEB}"/>
+                <a16:creationId xmlns:a16="http://schemas.microsoft.com/office/drawing/2014/main" id="{2A8EBE92-E62E-CDD2-8168-9379714E4675}"/>
               </a:ext>
             </a:extLst>
           </p:cNvPr>
@@ -4752,10 +4752,10 @@
       </p:sp>
       <p:grpSp>
         <p:nvGrpSpPr>
-          <p:cNvPr id="3" name="그룹 2">
+          <p:cNvPr id="4" name="그룹 3">
             <a:extLst>
               <a:ext uri="{FF2B5EF4-FFF2-40B4-BE49-F238E27FC236}">
-                <a16:creationId xmlns:a16="http://schemas.microsoft.com/office/drawing/2014/main" id="{F02C30AD-AAAD-2093-AC16-05D5D9E3049C}"/>
+                <a16:creationId xmlns:a16="http://schemas.microsoft.com/office/drawing/2014/main" id="{38ECF69D-2152-2C27-1CB3-4C82C54621E5}"/>
               </a:ext>
             </a:extLst>
           </p:cNvPr>
@@ -5716,7 +5716,7 @@
                     <a:schemeClr val="tx1"/>
                   </a:solidFill>
                 </a:rPr>
-                <a:t>.MOVE</a:t>
+                <a:t>.ON</a:t>
               </a:r>
               <a:endParaRPr lang="ko-KR" altLang="en-US" sz="800" b="1" dirty="0">
                 <a:solidFill>
@@ -6408,7 +6408,7 @@
                     <a:schemeClr val="tx1"/>
                   </a:solidFill>
                 </a:rPr>
-                <a:t>.REMOVE</a:t>
+                <a:t>.OFF</a:t>
               </a:r>
               <a:endParaRPr lang="ko-KR" altLang="en-US" sz="800" b="1" dirty="0">
                 <a:solidFill>
@@ -6785,10 +6785,10 @@
       </p:sp>
       <p:grpSp>
         <p:nvGrpSpPr>
-          <p:cNvPr id="3" name="그룹 2">
+          <p:cNvPr id="4" name="그룹 3">
             <a:extLst>
               <a:ext uri="{FF2B5EF4-FFF2-40B4-BE49-F238E27FC236}">
-                <a16:creationId xmlns:a16="http://schemas.microsoft.com/office/drawing/2014/main" id="{D30DDB3B-C7C2-D1B2-D283-E780AEBD2145}"/>
+                <a16:creationId xmlns:a16="http://schemas.microsoft.com/office/drawing/2014/main" id="{BAE4D0D5-1F75-1C22-DCC4-E22C0E55A997}"/>
               </a:ext>
             </a:extLst>
           </p:cNvPr>
@@ -7749,7 +7749,7 @@
                     <a:schemeClr val="tx1"/>
                   </a:solidFill>
                 </a:rPr>
-                <a:t>.MOVE</a:t>
+                <a:t>.ON</a:t>
               </a:r>
               <a:endParaRPr lang="ko-KR" altLang="en-US" sz="800" b="1" dirty="0">
                 <a:solidFill>
@@ -8441,7 +8441,7 @@
                     <a:schemeClr val="tx1"/>
                   </a:solidFill>
                 </a:rPr>
-                <a:t>.REMOVE</a:t>
+                <a:t>.OFF</a:t>
               </a:r>
               <a:endParaRPr lang="ko-KR" altLang="en-US" sz="800" b="1" dirty="0">
                 <a:solidFill>
@@ -8818,10 +8818,10 @@
       </p:sp>
       <p:grpSp>
         <p:nvGrpSpPr>
-          <p:cNvPr id="3" name="그룹 2">
+          <p:cNvPr id="4" name="그룹 3">
             <a:extLst>
               <a:ext uri="{FF2B5EF4-FFF2-40B4-BE49-F238E27FC236}">
-                <a16:creationId xmlns:a16="http://schemas.microsoft.com/office/drawing/2014/main" id="{F04CDDEF-4A47-E9CB-A062-3375148F10E8}"/>
+                <a16:creationId xmlns:a16="http://schemas.microsoft.com/office/drawing/2014/main" id="{743AD2CB-6187-A7A4-9B78-B235EB7A2908}"/>
               </a:ext>
             </a:extLst>
           </p:cNvPr>
@@ -9782,7 +9782,7 @@
                     <a:schemeClr val="tx1"/>
                   </a:solidFill>
                 </a:rPr>
-                <a:t>.MOVE</a:t>
+                <a:t>.ON</a:t>
               </a:r>
               <a:endParaRPr lang="ko-KR" altLang="en-US" sz="800" b="1" dirty="0">
                 <a:solidFill>
@@ -10474,7 +10474,7 @@
                     <a:schemeClr val="tx1"/>
                   </a:solidFill>
                 </a:rPr>
-                <a:t>.REMOVE</a:t>
+                <a:t>.OFF</a:t>
               </a:r>
               <a:endParaRPr lang="ko-KR" altLang="en-US" sz="800" b="1" dirty="0">
                 <a:solidFill>
@@ -10851,10 +10851,10 @@
       </p:sp>
       <p:grpSp>
         <p:nvGrpSpPr>
-          <p:cNvPr id="3" name="그룹 2">
+          <p:cNvPr id="4" name="그룹 3">
             <a:extLst>
               <a:ext uri="{FF2B5EF4-FFF2-40B4-BE49-F238E27FC236}">
-                <a16:creationId xmlns:a16="http://schemas.microsoft.com/office/drawing/2014/main" id="{46C24BFE-34F7-BBAF-4CC2-9F459D3D9CBA}"/>
+                <a16:creationId xmlns:a16="http://schemas.microsoft.com/office/drawing/2014/main" id="{D065D651-7C8F-FDBA-E581-A53AD22118FA}"/>
               </a:ext>
             </a:extLst>
           </p:cNvPr>
@@ -11815,7 +11815,7 @@
                     <a:schemeClr val="tx1"/>
                   </a:solidFill>
                 </a:rPr>
-                <a:t>.MOVE</a:t>
+                <a:t>.ON</a:t>
               </a:r>
               <a:endParaRPr lang="ko-KR" altLang="en-US" sz="800" b="1" dirty="0">
                 <a:solidFill>
@@ -12507,7 +12507,7 @@
                     <a:schemeClr val="tx1"/>
                   </a:solidFill>
                 </a:rPr>
-                <a:t>.REMOVE</a:t>
+                <a:t>.OFF</a:t>
               </a:r>
               <a:endParaRPr lang="ko-KR" altLang="en-US" sz="800" b="1" dirty="0">
                 <a:solidFill>
